--- a/01 Classes/Aula 11 Desenvolvimento de Software  Java - JQuery.pptx
+++ b/01 Classes/Aula 11 Desenvolvimento de Software  Java - JQuery.pptx
@@ -12062,10 +12062,30 @@
                 <a:latin typeface="Times New Roman" panose="02020603050405020304" pitchFamily="18" charset="0"/>
                 <a:cs typeface="Times New Roman" panose="02020603050405020304" pitchFamily="18" charset="0"/>
               </a:rPr>
-              <a:t>').click(</a:t>
-            </a:r>
-            <a:r>
-              <a:rPr lang="pt-BR" sz="2000" dirty="0" err="1">
+              <a:t>').</a:t>
+            </a:r>
+            <a:r>
+              <a:rPr lang="pt-BR" sz="2000" b="1" dirty="0">
+                <a:solidFill>
+                  <a:srgbClr val="FF0000"/>
+                </a:solidFill>
+                <a:latin typeface="Times New Roman" panose="02020603050405020304" pitchFamily="18" charset="0"/>
+                <a:cs typeface="Times New Roman" panose="02020603050405020304" pitchFamily="18" charset="0"/>
+              </a:rPr>
+              <a:t>click</a:t>
+            </a:r>
+            <a:r>
+              <a:rPr lang="pt-BR" sz="2000" dirty="0">
+                <a:solidFill>
+                  <a:schemeClr val="tx1"/>
+                </a:solidFill>
+                <a:latin typeface="Times New Roman" panose="02020603050405020304" pitchFamily="18" charset="0"/>
+                <a:cs typeface="Times New Roman" panose="02020603050405020304" pitchFamily="18" charset="0"/>
+              </a:rPr>
+              <a:t>(</a:t>
+            </a:r>
+            <a:r>
+              <a:rPr lang="pt-BR" sz="2000" b="1" dirty="0" err="1">
                 <a:solidFill>
                   <a:schemeClr val="tx1"/>
                 </a:solidFill>
@@ -12100,7 +12120,7 @@
               <a:t>          </a:t>
             </a:r>
             <a:r>
-              <a:rPr lang="pt-BR" sz="2000" dirty="0" err="1">
+              <a:rPr lang="pt-BR" sz="2000" b="1" dirty="0" err="1">
                 <a:solidFill>
                   <a:schemeClr val="tx1"/>
                 </a:solidFill>
@@ -12120,7 +12140,7 @@
               <a:t>($('body').</a:t>
             </a:r>
             <a:r>
-              <a:rPr lang="pt-BR" sz="2000" dirty="0" err="1">
+              <a:rPr lang="pt-BR" sz="2000" b="1" dirty="0" err="1">
                 <a:solidFill>
                   <a:schemeClr val="tx1"/>
                 </a:solidFill>
@@ -12199,7 +12219,27 @@
                 <a:latin typeface="Times New Roman" panose="02020603050405020304" pitchFamily="18" charset="0"/>
                 <a:cs typeface="Times New Roman" panose="02020603050405020304" pitchFamily="18" charset="0"/>
               </a:rPr>
-              <a:t>').click(</a:t>
+              <a:t>').</a:t>
+            </a:r>
+            <a:r>
+              <a:rPr lang="pt-BR" sz="2000" b="1" dirty="0">
+                <a:solidFill>
+                  <a:srgbClr val="FF0000"/>
+                </a:solidFill>
+                <a:latin typeface="Times New Roman" panose="02020603050405020304" pitchFamily="18" charset="0"/>
+                <a:cs typeface="Times New Roman" panose="02020603050405020304" pitchFamily="18" charset="0"/>
+              </a:rPr>
+              <a:t>click</a:t>
+            </a:r>
+            <a:r>
+              <a:rPr lang="pt-BR" sz="2000" dirty="0">
+                <a:solidFill>
+                  <a:schemeClr val="tx1"/>
+                </a:solidFill>
+                <a:latin typeface="Times New Roman" panose="02020603050405020304" pitchFamily="18" charset="0"/>
+                <a:cs typeface="Times New Roman" panose="02020603050405020304" pitchFamily="18" charset="0"/>
+              </a:rPr>
+              <a:t>(</a:t>
             </a:r>
             <a:r>
               <a:rPr lang="pt-BR" sz="2000" dirty="0" err="1">
@@ -12237,9 +12277,9 @@
               <a:t>          $('h2').</a:t>
             </a:r>
             <a:r>
-              <a:rPr lang="pt-BR" sz="2000" dirty="0" err="1">
-                <a:solidFill>
-                  <a:schemeClr val="tx1"/>
+              <a:rPr lang="pt-BR" sz="2000" b="1" dirty="0" err="1">
+                <a:solidFill>
+                  <a:srgbClr val="FF0000"/>
                 </a:solidFill>
                 <a:latin typeface="Times New Roman" panose="02020603050405020304" pitchFamily="18" charset="0"/>
                 <a:cs typeface="Times New Roman" panose="02020603050405020304" pitchFamily="18" charset="0"/>
@@ -12449,10 +12489,30 @@
                 <a:latin typeface="Times New Roman" panose="02020603050405020304" pitchFamily="18" charset="0"/>
                 <a:cs typeface="Times New Roman" panose="02020603050405020304" pitchFamily="18" charset="0"/>
               </a:rPr>
-              <a:t>').click(</a:t>
-            </a:r>
-            <a:r>
-              <a:rPr lang="pt-BR" sz="2000" dirty="0" err="1">
+              <a:t>').</a:t>
+            </a:r>
+            <a:r>
+              <a:rPr lang="pt-BR" sz="2000" b="1" dirty="0">
+                <a:solidFill>
+                  <a:srgbClr val="FF0000"/>
+                </a:solidFill>
+                <a:latin typeface="Times New Roman" panose="02020603050405020304" pitchFamily="18" charset="0"/>
+                <a:cs typeface="Times New Roman" panose="02020603050405020304" pitchFamily="18" charset="0"/>
+              </a:rPr>
+              <a:t>click</a:t>
+            </a:r>
+            <a:r>
+              <a:rPr lang="pt-BR" sz="2000" dirty="0">
+                <a:solidFill>
+                  <a:schemeClr val="tx1"/>
+                </a:solidFill>
+                <a:latin typeface="Times New Roman" panose="02020603050405020304" pitchFamily="18" charset="0"/>
+                <a:cs typeface="Times New Roman" panose="02020603050405020304" pitchFamily="18" charset="0"/>
+              </a:rPr>
+              <a:t>(</a:t>
+            </a:r>
+            <a:r>
+              <a:rPr lang="pt-BR" sz="2000" b="1" dirty="0" err="1">
                 <a:solidFill>
                   <a:schemeClr val="tx1"/>
                 </a:solidFill>
@@ -12487,9 +12547,9 @@
               <a:t>          $('h2').</a:t>
             </a:r>
             <a:r>
-              <a:rPr lang="pt-BR" sz="2000" dirty="0" err="1">
-                <a:solidFill>
-                  <a:schemeClr val="tx1"/>
+              <a:rPr lang="pt-BR" sz="2000" b="1" dirty="0" err="1">
+                <a:solidFill>
+                  <a:srgbClr val="FF0000"/>
                 </a:solidFill>
                 <a:latin typeface="Times New Roman" panose="02020603050405020304" pitchFamily="18" charset="0"/>
                 <a:cs typeface="Times New Roman" panose="02020603050405020304" pitchFamily="18" charset="0"/>
@@ -12566,10 +12626,30 @@
                 <a:latin typeface="Times New Roman" panose="02020603050405020304" pitchFamily="18" charset="0"/>
                 <a:cs typeface="Times New Roman" panose="02020603050405020304" pitchFamily="18" charset="0"/>
               </a:rPr>
-              <a:t>').click(</a:t>
-            </a:r>
-            <a:r>
-              <a:rPr lang="pt-BR" sz="2000" dirty="0" err="1">
+              <a:t>').</a:t>
+            </a:r>
+            <a:r>
+              <a:rPr lang="pt-BR" sz="2000" b="1" dirty="0">
+                <a:solidFill>
+                  <a:srgbClr val="FF0000"/>
+                </a:solidFill>
+                <a:latin typeface="Times New Roman" panose="02020603050405020304" pitchFamily="18" charset="0"/>
+                <a:cs typeface="Times New Roman" panose="02020603050405020304" pitchFamily="18" charset="0"/>
+              </a:rPr>
+              <a:t>click</a:t>
+            </a:r>
+            <a:r>
+              <a:rPr lang="pt-BR" sz="2000" dirty="0">
+                <a:solidFill>
+                  <a:schemeClr val="tx1"/>
+                </a:solidFill>
+                <a:latin typeface="Times New Roman" panose="02020603050405020304" pitchFamily="18" charset="0"/>
+                <a:cs typeface="Times New Roman" panose="02020603050405020304" pitchFamily="18" charset="0"/>
+              </a:rPr>
+              <a:t>(</a:t>
+            </a:r>
+            <a:r>
+              <a:rPr lang="pt-BR" sz="2000" b="1" dirty="0" err="1">
                 <a:solidFill>
                   <a:schemeClr val="tx1"/>
                 </a:solidFill>
@@ -12604,9 +12684,9 @@
               <a:t>          $('h2').</a:t>
             </a:r>
             <a:r>
-              <a:rPr lang="pt-BR" sz="2000" dirty="0" err="1">
-                <a:solidFill>
-                  <a:schemeClr val="tx1"/>
+              <a:rPr lang="pt-BR" sz="2000" b="1" dirty="0" err="1">
+                <a:solidFill>
+                  <a:srgbClr val="FF0000"/>
                 </a:solidFill>
                 <a:latin typeface="Times New Roman" panose="02020603050405020304" pitchFamily="18" charset="0"/>
                 <a:cs typeface="Times New Roman" panose="02020603050405020304" pitchFamily="18" charset="0"/>
@@ -12816,7 +12896,27 @@
                 <a:latin typeface="Times New Roman" panose="02020603050405020304" pitchFamily="18" charset="0"/>
                 <a:cs typeface="Times New Roman" panose="02020603050405020304" pitchFamily="18" charset="0"/>
               </a:rPr>
-              <a:t>').click(</a:t>
+              <a:t>').</a:t>
+            </a:r>
+            <a:r>
+              <a:rPr lang="pt-BR" sz="2000" b="1" dirty="0">
+                <a:solidFill>
+                  <a:srgbClr val="FF0000"/>
+                </a:solidFill>
+                <a:latin typeface="Times New Roman" panose="02020603050405020304" pitchFamily="18" charset="0"/>
+                <a:cs typeface="Times New Roman" panose="02020603050405020304" pitchFamily="18" charset="0"/>
+              </a:rPr>
+              <a:t>click</a:t>
+            </a:r>
+            <a:r>
+              <a:rPr lang="pt-BR" sz="2000" dirty="0">
+                <a:solidFill>
+                  <a:schemeClr val="tx1"/>
+                </a:solidFill>
+                <a:latin typeface="Times New Roman" panose="02020603050405020304" pitchFamily="18" charset="0"/>
+                <a:cs typeface="Times New Roman" panose="02020603050405020304" pitchFamily="18" charset="0"/>
+              </a:rPr>
+              <a:t>(</a:t>
             </a:r>
             <a:r>
               <a:rPr lang="pt-BR" sz="2000" dirty="0" err="1">
@@ -12854,6 +12954,26 @@
               <a:t>          </a:t>
             </a:r>
             <a:r>
+              <a:rPr lang="pt-BR" sz="2000" b="1" dirty="0" err="1">
+                <a:solidFill>
+                  <a:schemeClr val="tx1"/>
+                </a:solidFill>
+                <a:latin typeface="Times New Roman" panose="02020603050405020304" pitchFamily="18" charset="0"/>
+                <a:cs typeface="Times New Roman" panose="02020603050405020304" pitchFamily="18" charset="0"/>
+              </a:rPr>
+              <a:t>let</a:t>
+            </a:r>
+            <a:r>
+              <a:rPr lang="pt-BR" sz="2000" dirty="0">
+                <a:solidFill>
+                  <a:schemeClr val="tx1"/>
+                </a:solidFill>
+                <a:latin typeface="Times New Roman" panose="02020603050405020304" pitchFamily="18" charset="0"/>
+                <a:cs typeface="Times New Roman" panose="02020603050405020304" pitchFamily="18" charset="0"/>
+              </a:rPr>
+              <a:t> </a:t>
+            </a:r>
+            <a:r>
               <a:rPr lang="pt-BR" sz="2000" dirty="0" err="1">
                 <a:solidFill>
                   <a:schemeClr val="tx1"/>
@@ -12861,7 +12981,7 @@
                 <a:latin typeface="Times New Roman" panose="02020603050405020304" pitchFamily="18" charset="0"/>
                 <a:cs typeface="Times New Roman" panose="02020603050405020304" pitchFamily="18" charset="0"/>
               </a:rPr>
-              <a:t>let</a:t>
+              <a:t>larguraImg</a:t>
             </a:r>
             <a:r>
               <a:rPr lang="pt-BR" sz="2000" dirty="0">
@@ -12871,7 +12991,7 @@
                 <a:latin typeface="Times New Roman" panose="02020603050405020304" pitchFamily="18" charset="0"/>
                 <a:cs typeface="Times New Roman" panose="02020603050405020304" pitchFamily="18" charset="0"/>
               </a:rPr>
-              <a:t> </a:t>
+              <a:t> = $('</a:t>
             </a:r>
             <a:r>
               <a:rPr lang="pt-BR" sz="2000" dirty="0" err="1">
@@ -12881,7 +13001,7 @@
                 <a:latin typeface="Times New Roman" panose="02020603050405020304" pitchFamily="18" charset="0"/>
                 <a:cs typeface="Times New Roman" panose="02020603050405020304" pitchFamily="18" charset="0"/>
               </a:rPr>
-              <a:t>larguraImg</a:t>
+              <a:t>img</a:t>
             </a:r>
             <a:r>
               <a:rPr lang="pt-BR" sz="2000" dirty="0">
@@ -12891,7 +13011,7 @@
                 <a:latin typeface="Times New Roman" panose="02020603050405020304" pitchFamily="18" charset="0"/>
                 <a:cs typeface="Times New Roman" panose="02020603050405020304" pitchFamily="18" charset="0"/>
               </a:rPr>
-              <a:t> = $('</a:t>
+              <a:t>').</a:t>
             </a:r>
             <a:r>
               <a:rPr lang="pt-BR" sz="2000" dirty="0" err="1">
@@ -12901,7 +13021,7 @@
                 <a:latin typeface="Times New Roman" panose="02020603050405020304" pitchFamily="18" charset="0"/>
                 <a:cs typeface="Times New Roman" panose="02020603050405020304" pitchFamily="18" charset="0"/>
               </a:rPr>
-              <a:t>img</a:t>
+              <a:t>width</a:t>
             </a:r>
             <a:r>
               <a:rPr lang="pt-BR" sz="2000" dirty="0">
@@ -12911,18 +13031,13 @@
                 <a:latin typeface="Times New Roman" panose="02020603050405020304" pitchFamily="18" charset="0"/>
                 <a:cs typeface="Times New Roman" panose="02020603050405020304" pitchFamily="18" charset="0"/>
               </a:rPr>
-              <a:t>').</a:t>
-            </a:r>
-            <a:r>
-              <a:rPr lang="pt-BR" sz="2000" dirty="0" err="1">
-                <a:solidFill>
-                  <a:schemeClr val="tx1"/>
-                </a:solidFill>
-                <a:latin typeface="Times New Roman" panose="02020603050405020304" pitchFamily="18" charset="0"/>
-                <a:cs typeface="Times New Roman" panose="02020603050405020304" pitchFamily="18" charset="0"/>
-              </a:rPr>
-              <a:t>width</a:t>
-            </a:r>
+              <a:t>();</a:t>
+            </a:r>
+          </a:p>
+          <a:p>
+            <a:pPr marL="0" indent="0" algn="just">
+              <a:buNone/>
+            </a:pPr>
             <a:r>
               <a:rPr lang="pt-BR" sz="2000" dirty="0">
                 <a:solidFill>
@@ -12931,25 +13046,10 @@
                 <a:latin typeface="Times New Roman" panose="02020603050405020304" pitchFamily="18" charset="0"/>
                 <a:cs typeface="Times New Roman" panose="02020603050405020304" pitchFamily="18" charset="0"/>
               </a:rPr>
-              <a:t>();</a:t>
-            </a:r>
-          </a:p>
-          <a:p>
-            <a:pPr marL="0" indent="0" algn="just">
-              <a:buNone/>
-            </a:pPr>
-            <a:r>
-              <a:rPr lang="pt-BR" sz="2000" dirty="0">
-                <a:solidFill>
-                  <a:schemeClr val="tx1"/>
-                </a:solidFill>
-                <a:latin typeface="Times New Roman" panose="02020603050405020304" pitchFamily="18" charset="0"/>
-                <a:cs typeface="Times New Roman" panose="02020603050405020304" pitchFamily="18" charset="0"/>
-              </a:rPr>
               <a:t>          </a:t>
             </a:r>
             <a:r>
-              <a:rPr lang="pt-BR" sz="2000" dirty="0" err="1">
+              <a:rPr lang="pt-BR" sz="2000" b="1" dirty="0" err="1">
                 <a:solidFill>
                   <a:schemeClr val="tx1"/>
                 </a:solidFill>
@@ -13558,9 +13658,9 @@
               <a:t>).</a:t>
             </a:r>
             <a:r>
-              <a:rPr lang="pt-BR" sz="2400" dirty="0" err="1">
-                <a:solidFill>
-                  <a:schemeClr val="tx1"/>
+              <a:rPr lang="pt-BR" sz="2400" b="1" dirty="0" err="1">
+                <a:solidFill>
+                  <a:srgbClr val="FF0000"/>
                 </a:solidFill>
                 <a:latin typeface="Times New Roman" panose="02020603050405020304" pitchFamily="18" charset="0"/>
                 <a:cs typeface="Times New Roman" panose="02020603050405020304" pitchFamily="18" charset="0"/>
@@ -14093,9 +14193,9 @@
               <a:t> = $.</a:t>
             </a:r>
             <a:r>
-              <a:rPr lang="pt-BR" sz="2400" dirty="0" err="1">
-                <a:solidFill>
-                  <a:schemeClr val="tx1"/>
+              <a:rPr lang="pt-BR" sz="2400" b="1" dirty="0" err="1">
+                <a:solidFill>
+                  <a:srgbClr val="FF0000"/>
                 </a:solidFill>
                 <a:latin typeface="Times New Roman" panose="02020603050405020304" pitchFamily="18" charset="0"/>
                 <a:cs typeface="Times New Roman" panose="02020603050405020304" pitchFamily="18" charset="0"/>
@@ -14168,9 +14268,9 @@
               <a:t>).</a:t>
             </a:r>
             <a:r>
-              <a:rPr lang="pt-BR" sz="2400" dirty="0" err="1">
-                <a:solidFill>
-                  <a:schemeClr val="tx1"/>
+              <a:rPr lang="pt-BR" sz="2400" b="1" dirty="0" err="1">
+                <a:solidFill>
+                  <a:srgbClr val="FF0000"/>
                 </a:solidFill>
                 <a:latin typeface="Times New Roman" panose="02020603050405020304" pitchFamily="18" charset="0"/>
                 <a:cs typeface="Times New Roman" panose="02020603050405020304" pitchFamily="18" charset="0"/>
@@ -16319,7 +16419,27 @@
                 <a:latin typeface="Times New Roman" panose="02020603050405020304" pitchFamily="18" charset="0"/>
                 <a:cs typeface="Times New Roman" panose="02020603050405020304" pitchFamily="18" charset="0"/>
               </a:rPr>
-              <a:t> ( status == '</a:t>
+              <a:t> ( </a:t>
+            </a:r>
+            <a:r>
+              <a:rPr lang="pt-BR" sz="2400" b="1" dirty="0">
+                <a:solidFill>
+                  <a:srgbClr val="FF0000"/>
+                </a:solidFill>
+                <a:latin typeface="Times New Roman" panose="02020603050405020304" pitchFamily="18" charset="0"/>
+                <a:cs typeface="Times New Roman" panose="02020603050405020304" pitchFamily="18" charset="0"/>
+              </a:rPr>
+              <a:t>status</a:t>
+            </a:r>
+            <a:r>
+              <a:rPr lang="pt-BR" sz="2400" dirty="0">
+                <a:solidFill>
+                  <a:schemeClr val="tx1"/>
+                </a:solidFill>
+                <a:latin typeface="Times New Roman" panose="02020603050405020304" pitchFamily="18" charset="0"/>
+                <a:cs typeface="Times New Roman" panose="02020603050405020304" pitchFamily="18" charset="0"/>
+              </a:rPr>
+              <a:t> == '</a:t>
             </a:r>
             <a:r>
               <a:rPr lang="pt-BR" sz="2400" dirty="0" err="1">
@@ -16377,6 +16497,26 @@
               <a:t>').</a:t>
             </a:r>
             <a:r>
+              <a:rPr lang="pt-BR" sz="2400" b="1" dirty="0" err="1">
+                <a:solidFill>
+                  <a:srgbClr val="FF0000"/>
+                </a:solidFill>
+                <a:latin typeface="Times New Roman" panose="02020603050405020304" pitchFamily="18" charset="0"/>
+                <a:cs typeface="Times New Roman" panose="02020603050405020304" pitchFamily="18" charset="0"/>
+              </a:rPr>
+              <a:t>val</a:t>
+            </a:r>
+            <a:r>
+              <a:rPr lang="pt-BR" sz="2400" dirty="0">
+                <a:solidFill>
+                  <a:schemeClr val="tx1"/>
+                </a:solidFill>
+                <a:latin typeface="Times New Roman" panose="02020603050405020304" pitchFamily="18" charset="0"/>
+                <a:cs typeface="Times New Roman" panose="02020603050405020304" pitchFamily="18" charset="0"/>
+              </a:rPr>
+              <a:t>(</a:t>
+            </a:r>
+            <a:r>
               <a:rPr lang="pt-BR" sz="2400" dirty="0" err="1">
                 <a:solidFill>
                   <a:schemeClr val="tx1"/>
@@ -16384,6 +16524,61 @@
                 <a:latin typeface="Times New Roman" panose="02020603050405020304" pitchFamily="18" charset="0"/>
                 <a:cs typeface="Times New Roman" panose="02020603050405020304" pitchFamily="18" charset="0"/>
               </a:rPr>
+              <a:t>dadosCEP.localidade</a:t>
+            </a:r>
+            <a:r>
+              <a:rPr lang="pt-BR" sz="2400" dirty="0">
+                <a:solidFill>
+                  <a:schemeClr val="tx1"/>
+                </a:solidFill>
+                <a:latin typeface="Times New Roman" panose="02020603050405020304" pitchFamily="18" charset="0"/>
+                <a:cs typeface="Times New Roman" panose="02020603050405020304" pitchFamily="18" charset="0"/>
+              </a:rPr>
+              <a:t>);</a:t>
+            </a:r>
+          </a:p>
+          <a:p>
+            <a:pPr marL="0" indent="0" algn="just">
+              <a:buNone/>
+            </a:pPr>
+            <a:r>
+              <a:rPr lang="pt-BR" sz="2400" dirty="0">
+                <a:solidFill>
+                  <a:schemeClr val="tx1"/>
+                </a:solidFill>
+                <a:latin typeface="Times New Roman" panose="02020603050405020304" pitchFamily="18" charset="0"/>
+                <a:cs typeface="Times New Roman" panose="02020603050405020304" pitchFamily="18" charset="0"/>
+              </a:rPr>
+              <a:t>              $('#</a:t>
+            </a:r>
+            <a:r>
+              <a:rPr lang="pt-BR" sz="2400" dirty="0" err="1">
+                <a:solidFill>
+                  <a:schemeClr val="tx1"/>
+                </a:solidFill>
+                <a:latin typeface="Times New Roman" panose="02020603050405020304" pitchFamily="18" charset="0"/>
+                <a:cs typeface="Times New Roman" panose="02020603050405020304" pitchFamily="18" charset="0"/>
+              </a:rPr>
+              <a:t>inputUF</a:t>
+            </a:r>
+            <a:r>
+              <a:rPr lang="pt-BR" sz="2400" dirty="0">
+                <a:solidFill>
+                  <a:schemeClr val="tx1"/>
+                </a:solidFill>
+                <a:latin typeface="Times New Roman" panose="02020603050405020304" pitchFamily="18" charset="0"/>
+                <a:cs typeface="Times New Roman" panose="02020603050405020304" pitchFamily="18" charset="0"/>
+              </a:rPr>
+              <a:t>').</a:t>
+            </a:r>
+            <a:r>
+              <a:rPr lang="pt-BR" sz="2400" b="1" dirty="0" err="1">
+                <a:solidFill>
+                  <a:srgbClr val="FF0000"/>
+                </a:solidFill>
+                <a:latin typeface="Times New Roman" panose="02020603050405020304" pitchFamily="18" charset="0"/>
+                <a:cs typeface="Times New Roman" panose="02020603050405020304" pitchFamily="18" charset="0"/>
+              </a:rPr>
               <a:t>val</a:t>
             </a:r>
             <a:r>
@@ -16404,7 +16599,7 @@
                 <a:latin typeface="Times New Roman" panose="02020603050405020304" pitchFamily="18" charset="0"/>
                 <a:cs typeface="Times New Roman" panose="02020603050405020304" pitchFamily="18" charset="0"/>
               </a:rPr>
-              <a:t>dadosCEP.localidade</a:t>
+              <a:t>dadosCEP.uf</a:t>
             </a:r>
             <a:r>
               <a:rPr lang="pt-BR" sz="2400" dirty="0">
@@ -16439,7 +16634,7 @@
                 <a:latin typeface="Times New Roman" panose="02020603050405020304" pitchFamily="18" charset="0"/>
                 <a:cs typeface="Times New Roman" panose="02020603050405020304" pitchFamily="18" charset="0"/>
               </a:rPr>
-              <a:t>inputUF</a:t>
+              <a:t>inputLogradouro</a:t>
             </a:r>
             <a:r>
               <a:rPr lang="pt-BR" sz="2400" dirty="0">
@@ -16452,6 +16647,26 @@
               <a:t>').</a:t>
             </a:r>
             <a:r>
+              <a:rPr lang="pt-BR" sz="2400" b="1" dirty="0" err="1">
+                <a:solidFill>
+                  <a:srgbClr val="FF0000"/>
+                </a:solidFill>
+                <a:latin typeface="Times New Roman" panose="02020603050405020304" pitchFamily="18" charset="0"/>
+                <a:cs typeface="Times New Roman" panose="02020603050405020304" pitchFamily="18" charset="0"/>
+              </a:rPr>
+              <a:t>val</a:t>
+            </a:r>
+            <a:r>
+              <a:rPr lang="pt-BR" sz="2400" dirty="0">
+                <a:solidFill>
+                  <a:schemeClr val="tx1"/>
+                </a:solidFill>
+                <a:latin typeface="Times New Roman" panose="02020603050405020304" pitchFamily="18" charset="0"/>
+                <a:cs typeface="Times New Roman" panose="02020603050405020304" pitchFamily="18" charset="0"/>
+              </a:rPr>
+              <a:t>(</a:t>
+            </a:r>
+            <a:r>
               <a:rPr lang="pt-BR" sz="2400" dirty="0" err="1">
                 <a:solidFill>
                   <a:schemeClr val="tx1"/>
@@ -16459,17 +16674,32 @@
                 <a:latin typeface="Times New Roman" panose="02020603050405020304" pitchFamily="18" charset="0"/>
                 <a:cs typeface="Times New Roman" panose="02020603050405020304" pitchFamily="18" charset="0"/>
               </a:rPr>
-              <a:t>val</a:t>
-            </a:r>
-            <a:r>
-              <a:rPr lang="pt-BR" sz="2400" dirty="0">
-                <a:solidFill>
-                  <a:schemeClr val="tx1"/>
-                </a:solidFill>
-                <a:latin typeface="Times New Roman" panose="02020603050405020304" pitchFamily="18" charset="0"/>
-                <a:cs typeface="Times New Roman" panose="02020603050405020304" pitchFamily="18" charset="0"/>
-              </a:rPr>
-              <a:t>(</a:t>
+              <a:t>dadosCEP.logradouro</a:t>
+            </a:r>
+            <a:r>
+              <a:rPr lang="pt-BR" sz="2400" dirty="0">
+                <a:solidFill>
+                  <a:schemeClr val="tx1"/>
+                </a:solidFill>
+                <a:latin typeface="Times New Roman" panose="02020603050405020304" pitchFamily="18" charset="0"/>
+                <a:cs typeface="Times New Roman" panose="02020603050405020304" pitchFamily="18" charset="0"/>
+              </a:rPr>
+              <a:t>);</a:t>
+            </a:r>
+          </a:p>
+          <a:p>
+            <a:pPr marL="0" indent="0" algn="just">
+              <a:buNone/>
+            </a:pPr>
+            <a:r>
+              <a:rPr lang="pt-BR" sz="2400" dirty="0">
+                <a:solidFill>
+                  <a:schemeClr val="tx1"/>
+                </a:solidFill>
+                <a:latin typeface="Times New Roman" panose="02020603050405020304" pitchFamily="18" charset="0"/>
+                <a:cs typeface="Times New Roman" panose="02020603050405020304" pitchFamily="18" charset="0"/>
+              </a:rPr>
+              <a:t>              $('#</a:t>
             </a:r>
             <a:r>
               <a:rPr lang="pt-BR" sz="2400" dirty="0" err="1">
@@ -16479,42 +16709,7 @@
                 <a:latin typeface="Times New Roman" panose="02020603050405020304" pitchFamily="18" charset="0"/>
                 <a:cs typeface="Times New Roman" panose="02020603050405020304" pitchFamily="18" charset="0"/>
               </a:rPr>
-              <a:t>dadosCEP.uf</a:t>
-            </a:r>
-            <a:r>
-              <a:rPr lang="pt-BR" sz="2400" dirty="0">
-                <a:solidFill>
-                  <a:schemeClr val="tx1"/>
-                </a:solidFill>
-                <a:latin typeface="Times New Roman" panose="02020603050405020304" pitchFamily="18" charset="0"/>
-                <a:cs typeface="Times New Roman" panose="02020603050405020304" pitchFamily="18" charset="0"/>
-              </a:rPr>
-              <a:t>);</a:t>
-            </a:r>
-          </a:p>
-          <a:p>
-            <a:pPr marL="0" indent="0" algn="just">
-              <a:buNone/>
-            </a:pPr>
-            <a:r>
-              <a:rPr lang="pt-BR" sz="2400" dirty="0">
-                <a:solidFill>
-                  <a:schemeClr val="tx1"/>
-                </a:solidFill>
-                <a:latin typeface="Times New Roman" panose="02020603050405020304" pitchFamily="18" charset="0"/>
-                <a:cs typeface="Times New Roman" panose="02020603050405020304" pitchFamily="18" charset="0"/>
-              </a:rPr>
-              <a:t>              $('#</a:t>
-            </a:r>
-            <a:r>
-              <a:rPr lang="pt-BR" sz="2400" dirty="0" err="1">
-                <a:solidFill>
-                  <a:schemeClr val="tx1"/>
-                </a:solidFill>
-                <a:latin typeface="Times New Roman" panose="02020603050405020304" pitchFamily="18" charset="0"/>
-                <a:cs typeface="Times New Roman" panose="02020603050405020304" pitchFamily="18" charset="0"/>
-              </a:rPr>
-              <a:t>inputLogradouro</a:t>
+              <a:t>inputBairro</a:t>
             </a:r>
             <a:r>
               <a:rPr lang="pt-BR" sz="2400" dirty="0">
@@ -16527,84 +16722,9 @@
               <a:t>').</a:t>
             </a:r>
             <a:r>
-              <a:rPr lang="pt-BR" sz="2400" dirty="0" err="1">
-                <a:solidFill>
-                  <a:schemeClr val="tx1"/>
-                </a:solidFill>
-                <a:latin typeface="Times New Roman" panose="02020603050405020304" pitchFamily="18" charset="0"/>
-                <a:cs typeface="Times New Roman" panose="02020603050405020304" pitchFamily="18" charset="0"/>
-              </a:rPr>
-              <a:t>val</a:t>
-            </a:r>
-            <a:r>
-              <a:rPr lang="pt-BR" sz="2400" dirty="0">
-                <a:solidFill>
-                  <a:schemeClr val="tx1"/>
-                </a:solidFill>
-                <a:latin typeface="Times New Roman" panose="02020603050405020304" pitchFamily="18" charset="0"/>
-                <a:cs typeface="Times New Roman" panose="02020603050405020304" pitchFamily="18" charset="0"/>
-              </a:rPr>
-              <a:t>(</a:t>
-            </a:r>
-            <a:r>
-              <a:rPr lang="pt-BR" sz="2400" dirty="0" err="1">
-                <a:solidFill>
-                  <a:schemeClr val="tx1"/>
-                </a:solidFill>
-                <a:latin typeface="Times New Roman" panose="02020603050405020304" pitchFamily="18" charset="0"/>
-                <a:cs typeface="Times New Roman" panose="02020603050405020304" pitchFamily="18" charset="0"/>
-              </a:rPr>
-              <a:t>dadosCEP.logradouro</a:t>
-            </a:r>
-            <a:r>
-              <a:rPr lang="pt-BR" sz="2400" dirty="0">
-                <a:solidFill>
-                  <a:schemeClr val="tx1"/>
-                </a:solidFill>
-                <a:latin typeface="Times New Roman" panose="02020603050405020304" pitchFamily="18" charset="0"/>
-                <a:cs typeface="Times New Roman" panose="02020603050405020304" pitchFamily="18" charset="0"/>
-              </a:rPr>
-              <a:t>);</a:t>
-            </a:r>
-          </a:p>
-          <a:p>
-            <a:pPr marL="0" indent="0" algn="just">
-              <a:buNone/>
-            </a:pPr>
-            <a:r>
-              <a:rPr lang="pt-BR" sz="2400" dirty="0">
-                <a:solidFill>
-                  <a:schemeClr val="tx1"/>
-                </a:solidFill>
-                <a:latin typeface="Times New Roman" panose="02020603050405020304" pitchFamily="18" charset="0"/>
-                <a:cs typeface="Times New Roman" panose="02020603050405020304" pitchFamily="18" charset="0"/>
-              </a:rPr>
-              <a:t>              $('#</a:t>
-            </a:r>
-            <a:r>
-              <a:rPr lang="pt-BR" sz="2400" dirty="0" err="1">
-                <a:solidFill>
-                  <a:schemeClr val="tx1"/>
-                </a:solidFill>
-                <a:latin typeface="Times New Roman" panose="02020603050405020304" pitchFamily="18" charset="0"/>
-                <a:cs typeface="Times New Roman" panose="02020603050405020304" pitchFamily="18" charset="0"/>
-              </a:rPr>
-              <a:t>inputBairro</a:t>
-            </a:r>
-            <a:r>
-              <a:rPr lang="pt-BR" sz="2400" dirty="0">
-                <a:solidFill>
-                  <a:schemeClr val="tx1"/>
-                </a:solidFill>
-                <a:latin typeface="Times New Roman" panose="02020603050405020304" pitchFamily="18" charset="0"/>
-                <a:cs typeface="Times New Roman" panose="02020603050405020304" pitchFamily="18" charset="0"/>
-              </a:rPr>
-              <a:t>').</a:t>
-            </a:r>
-            <a:r>
-              <a:rPr lang="pt-BR" sz="2400" dirty="0" err="1">
-                <a:solidFill>
-                  <a:schemeClr val="tx1"/>
+              <a:rPr lang="pt-BR" sz="2400" b="1" dirty="0" err="1">
+                <a:solidFill>
+                  <a:srgbClr val="FF0000"/>
                 </a:solidFill>
                 <a:latin typeface="Times New Roman" panose="02020603050405020304" pitchFamily="18" charset="0"/>
                 <a:cs typeface="Times New Roman" panose="02020603050405020304" pitchFamily="18" charset="0"/>
@@ -16947,9 +17067,9 @@
               <a:t>).</a:t>
             </a:r>
             <a:r>
-              <a:rPr lang="pt-BR" sz="2400" dirty="0" err="1">
-                <a:solidFill>
-                  <a:schemeClr val="tx1"/>
+              <a:rPr lang="pt-BR" sz="2400" b="1" dirty="0" err="1">
+                <a:solidFill>
+                  <a:srgbClr val="FF0000"/>
                 </a:solidFill>
                 <a:latin typeface="Times New Roman" panose="02020603050405020304" pitchFamily="18" charset="0"/>
                 <a:cs typeface="Times New Roman" panose="02020603050405020304" pitchFamily="18" charset="0"/>
@@ -17290,9 +17410,9 @@
               <a:t>).</a:t>
             </a:r>
             <a:r>
-              <a:rPr lang="pt-BR" sz="2400" dirty="0" err="1">
-                <a:solidFill>
-                  <a:schemeClr val="tx1"/>
+              <a:rPr lang="pt-BR" sz="2400" b="1" dirty="0" err="1">
+                <a:solidFill>
+                  <a:srgbClr val="FF0000"/>
                 </a:solidFill>
                 <a:latin typeface="Times New Roman" panose="02020603050405020304" pitchFamily="18" charset="0"/>
                 <a:cs typeface="Times New Roman" panose="02020603050405020304" pitchFamily="18" charset="0"/>
@@ -17310,7 +17430,7 @@
               <a:t>(</a:t>
             </a:r>
             <a:r>
-              <a:rPr lang="pt-BR" sz="2400" dirty="0" err="1">
+              <a:rPr lang="pt-BR" sz="2400" b="1" dirty="0" err="1">
                 <a:solidFill>
                   <a:schemeClr val="tx1"/>
                 </a:solidFill>
@@ -21076,12 +21196,12 @@
           <a:lstStyle/>
           <a:p>
             <a:r>
-              <a:rPr lang="pt-BR" sz="4800" b="1">
+              <a:rPr lang="pt-BR" sz="4800" b="1" dirty="0">
                 <a:solidFill>
                   <a:schemeClr val="bg1"/>
                 </a:solidFill>
               </a:rPr>
-              <a:t>Desenvolvimento de Software </a:t>
+              <a:t>Desenvolvimento de Software</a:t>
             </a:r>
             <a:br>
               <a:rPr lang="pt-BR" sz="4800" b="1" dirty="0">

--- a/01 Classes/Aula 11 Desenvolvimento de Software  Java - JQuery.pptx
+++ b/01 Classes/Aula 11 Desenvolvimento de Software  Java - JQuery.pptx
@@ -6031,7 +6031,7 @@
               <a:t>( </a:t>
             </a:r>
             <a:r>
-              <a:rPr lang="pt-BR" sz="2400" dirty="0" err="1">
+              <a:rPr lang="pt-BR" sz="2400" b="1" dirty="0" err="1">
                 <a:solidFill>
                   <a:schemeClr val="tx1"/>
                 </a:solidFill>
@@ -6063,12 +6063,32 @@
                 <a:latin typeface="Times New Roman" panose="02020603050405020304" pitchFamily="18" charset="0"/>
                 <a:cs typeface="Times New Roman" panose="02020603050405020304" pitchFamily="18" charset="0"/>
               </a:rPr>
-              <a:t>          		$(‘p’).</a:t>
+              <a:t>          		$(‘</a:t>
+            </a:r>
+            <a:r>
+              <a:rPr lang="pt-BR" sz="2400" b="1" dirty="0">
+                <a:solidFill>
+                  <a:schemeClr val="tx1"/>
+                </a:solidFill>
+                <a:latin typeface="Times New Roman" panose="02020603050405020304" pitchFamily="18" charset="0"/>
+                <a:cs typeface="Times New Roman" panose="02020603050405020304" pitchFamily="18" charset="0"/>
+              </a:rPr>
+              <a:t>p</a:t>
+            </a:r>
+            <a:r>
+              <a:rPr lang="pt-BR" sz="2400" dirty="0">
+                <a:solidFill>
+                  <a:schemeClr val="tx1"/>
+                </a:solidFill>
+                <a:latin typeface="Times New Roman" panose="02020603050405020304" pitchFamily="18" charset="0"/>
+                <a:cs typeface="Times New Roman" panose="02020603050405020304" pitchFamily="18" charset="0"/>
+              </a:rPr>
+              <a:t>’).</a:t>
             </a:r>
             <a:r>
               <a:rPr lang="pt-BR" sz="2400" b="1" dirty="0" err="1">
                 <a:solidFill>
-                  <a:schemeClr val="tx1"/>
+                  <a:srgbClr val="FF0000"/>
                 </a:solidFill>
                 <a:latin typeface="Times New Roman" panose="02020603050405020304" pitchFamily="18" charset="0"/>
                 <a:cs typeface="Times New Roman" panose="02020603050405020304" pitchFamily="18" charset="0"/>
@@ -6083,7 +6103,17 @@
                 <a:latin typeface="Times New Roman" panose="02020603050405020304" pitchFamily="18" charset="0"/>
                 <a:cs typeface="Times New Roman" panose="02020603050405020304" pitchFamily="18" charset="0"/>
               </a:rPr>
-              <a:t>();</a:t>
+              <a:t>(); // </a:t>
+            </a:r>
+            <a:r>
+              <a:rPr lang="pt-BR" sz="2400" b="1" dirty="0">
+                <a:solidFill>
+                  <a:schemeClr val="tx1"/>
+                </a:solidFill>
+                <a:latin typeface="Times New Roman" panose="02020603050405020304" pitchFamily="18" charset="0"/>
+                <a:cs typeface="Times New Roman" panose="02020603050405020304" pitchFamily="18" charset="0"/>
+              </a:rPr>
+              <a:t>esconder</a:t>
             </a:r>
           </a:p>
           <a:p>
@@ -6426,7 +6456,7 @@
               <a:t>( </a:t>
             </a:r>
             <a:r>
-              <a:rPr lang="pt-BR" sz="2400" dirty="0" err="1">
+              <a:rPr lang="pt-BR" sz="2400" b="1" dirty="0" err="1">
                 <a:solidFill>
                   <a:schemeClr val="tx1"/>
                 </a:solidFill>
@@ -6481,9 +6511,9 @@
               <a:t>).</a:t>
             </a:r>
             <a:r>
-              <a:rPr lang="pt-BR" sz="2400" dirty="0" err="1">
-                <a:solidFill>
-                  <a:schemeClr val="tx1"/>
+              <a:rPr lang="pt-BR" sz="2400" b="1" dirty="0" err="1">
+                <a:solidFill>
+                  <a:srgbClr val="FF0000"/>
                 </a:solidFill>
                 <a:latin typeface="Times New Roman" panose="02020603050405020304" pitchFamily="18" charset="0"/>
                 <a:cs typeface="Times New Roman" panose="02020603050405020304" pitchFamily="18" charset="0"/>
@@ -6813,416 +6843,31 @@
                 <a:latin typeface="Times New Roman" panose="02020603050405020304" pitchFamily="18" charset="0"/>
                 <a:cs typeface="Times New Roman" panose="02020603050405020304" pitchFamily="18" charset="0"/>
               </a:rPr>
-              <a:t> () {</a:t>
-            </a:r>
-          </a:p>
-          <a:p>
-            <a:pPr marL="0" indent="0" algn="just">
-              <a:buNone/>
-            </a:pPr>
-            <a:r>
-              <a:rPr lang="pt-BR" sz="2000" dirty="0">
-                <a:solidFill>
-                  <a:schemeClr val="tx1"/>
-                </a:solidFill>
-                <a:latin typeface="Times New Roman" panose="02020603050405020304" pitchFamily="18" charset="0"/>
-                <a:cs typeface="Times New Roman" panose="02020603050405020304" pitchFamily="18" charset="0"/>
-              </a:rPr>
-              <a:t>        $("#</a:t>
+              <a:t> () { // </a:t>
+            </a:r>
+            <a:r>
+              <a:rPr lang="pt-BR" sz="2000" b="1" dirty="0">
+                <a:solidFill>
+                  <a:srgbClr val="FF0000"/>
+                </a:solidFill>
+                <a:latin typeface="Times New Roman" panose="02020603050405020304" pitchFamily="18" charset="0"/>
+                <a:cs typeface="Times New Roman" panose="02020603050405020304" pitchFamily="18" charset="0"/>
+              </a:rPr>
+              <a:t>1ª </a:t>
             </a:r>
             <a:r>
               <a:rPr lang="pt-BR" sz="2000" b="1" dirty="0" err="1">
                 <a:solidFill>
-                  <a:schemeClr val="tx1"/>
-                </a:solidFill>
-                <a:latin typeface="Times New Roman" panose="02020603050405020304" pitchFamily="18" charset="0"/>
-                <a:cs typeface="Times New Roman" panose="02020603050405020304" pitchFamily="18" charset="0"/>
-              </a:rPr>
-              <a:t>botaoHide</a:t>
-            </a:r>
-            <a:r>
-              <a:rPr lang="pt-BR" sz="2000" dirty="0">
-                <a:solidFill>
-                  <a:schemeClr val="tx1"/>
-                </a:solidFill>
-                <a:latin typeface="Times New Roman" panose="02020603050405020304" pitchFamily="18" charset="0"/>
-                <a:cs typeface="Times New Roman" panose="02020603050405020304" pitchFamily="18" charset="0"/>
-              </a:rPr>
-              <a:t>").</a:t>
-            </a:r>
-            <a:r>
-              <a:rPr lang="pt-BR" sz="2000" b="1" dirty="0">
-                <a:solidFill>
-                  <a:schemeClr val="tx1"/>
-                </a:solidFill>
-                <a:latin typeface="Times New Roman" panose="02020603050405020304" pitchFamily="18" charset="0"/>
-                <a:cs typeface="Times New Roman" panose="02020603050405020304" pitchFamily="18" charset="0"/>
-              </a:rPr>
-              <a:t>click</a:t>
-            </a:r>
-            <a:r>
-              <a:rPr lang="pt-BR" sz="2000" dirty="0">
-                <a:solidFill>
-                  <a:schemeClr val="tx1"/>
-                </a:solidFill>
-                <a:latin typeface="Times New Roman" panose="02020603050405020304" pitchFamily="18" charset="0"/>
-                <a:cs typeface="Times New Roman" panose="02020603050405020304" pitchFamily="18" charset="0"/>
-              </a:rPr>
-              <a:t>( </a:t>
-            </a:r>
-            <a:r>
-              <a:rPr lang="pt-BR" sz="2000" dirty="0" err="1">
-                <a:solidFill>
-                  <a:schemeClr val="tx1"/>
+                  <a:srgbClr val="FF0000"/>
                 </a:solidFill>
                 <a:latin typeface="Times New Roman" panose="02020603050405020304" pitchFamily="18" charset="0"/>
                 <a:cs typeface="Times New Roman" panose="02020603050405020304" pitchFamily="18" charset="0"/>
               </a:rPr>
               <a:t>function</a:t>
             </a:r>
-            <a:r>
-              <a:rPr lang="pt-BR" sz="2000" dirty="0">
-                <a:solidFill>
-                  <a:schemeClr val="tx1"/>
-                </a:solidFill>
-                <a:latin typeface="Times New Roman" panose="02020603050405020304" pitchFamily="18" charset="0"/>
-                <a:cs typeface="Times New Roman" panose="02020603050405020304" pitchFamily="18" charset="0"/>
-              </a:rPr>
-              <a:t> () {</a:t>
-            </a:r>
-          </a:p>
-          <a:p>
-            <a:pPr marL="0" indent="0" algn="just">
-              <a:buNone/>
-            </a:pPr>
-            <a:r>
-              <a:rPr lang="pt-BR" sz="2000" dirty="0">
-                <a:solidFill>
-                  <a:schemeClr val="tx1"/>
-                </a:solidFill>
-                <a:latin typeface="Times New Roman" panose="02020603050405020304" pitchFamily="18" charset="0"/>
-                <a:cs typeface="Times New Roman" panose="02020603050405020304" pitchFamily="18" charset="0"/>
-              </a:rPr>
-              <a:t>          $('.blue').</a:t>
-            </a:r>
-            <a:r>
-              <a:rPr lang="pt-BR" sz="2000" b="1" dirty="0" err="1">
-                <a:solidFill>
-                  <a:schemeClr val="tx1"/>
-                </a:solidFill>
-                <a:latin typeface="Times New Roman" panose="02020603050405020304" pitchFamily="18" charset="0"/>
-                <a:cs typeface="Times New Roman" panose="02020603050405020304" pitchFamily="18" charset="0"/>
-              </a:rPr>
-              <a:t>hide</a:t>
-            </a:r>
-            <a:r>
-              <a:rPr lang="pt-BR" sz="2000" dirty="0">
-                <a:solidFill>
-                  <a:schemeClr val="tx1"/>
-                </a:solidFill>
-                <a:latin typeface="Times New Roman" panose="02020603050405020304" pitchFamily="18" charset="0"/>
-                <a:cs typeface="Times New Roman" panose="02020603050405020304" pitchFamily="18" charset="0"/>
-              </a:rPr>
-              <a:t>(2000, </a:t>
-            </a:r>
-            <a:r>
-              <a:rPr lang="pt-BR" sz="2000" dirty="0" err="1">
-                <a:solidFill>
-                  <a:schemeClr val="tx1"/>
-                </a:solidFill>
-                <a:latin typeface="Times New Roman" panose="02020603050405020304" pitchFamily="18" charset="0"/>
-                <a:cs typeface="Times New Roman" panose="02020603050405020304" pitchFamily="18" charset="0"/>
-              </a:rPr>
-              <a:t>function</a:t>
-            </a:r>
-            <a:r>
-              <a:rPr lang="pt-BR" sz="2000" dirty="0">
-                <a:solidFill>
-                  <a:schemeClr val="tx1"/>
-                </a:solidFill>
-                <a:latin typeface="Times New Roman" panose="02020603050405020304" pitchFamily="18" charset="0"/>
-                <a:cs typeface="Times New Roman" panose="02020603050405020304" pitchFamily="18" charset="0"/>
-              </a:rPr>
-              <a:t>() {</a:t>
-            </a:r>
-          </a:p>
-          <a:p>
-            <a:pPr marL="0" indent="0" algn="just">
-              <a:buNone/>
-            </a:pPr>
-            <a:r>
-              <a:rPr lang="pt-BR" sz="2000" dirty="0">
-                <a:solidFill>
-                  <a:schemeClr val="tx1"/>
-                </a:solidFill>
-                <a:latin typeface="Times New Roman" panose="02020603050405020304" pitchFamily="18" charset="0"/>
-                <a:cs typeface="Times New Roman" panose="02020603050405020304" pitchFamily="18" charset="0"/>
-              </a:rPr>
-              <a:t>            </a:t>
-            </a:r>
-            <a:r>
-              <a:rPr lang="pt-BR" sz="2000" b="1" dirty="0" err="1">
-                <a:solidFill>
-                  <a:schemeClr val="tx1"/>
-                </a:solidFill>
-                <a:latin typeface="Times New Roman" panose="02020603050405020304" pitchFamily="18" charset="0"/>
-                <a:cs typeface="Times New Roman" panose="02020603050405020304" pitchFamily="18" charset="0"/>
-              </a:rPr>
-              <a:t>alert</a:t>
-            </a:r>
-            <a:r>
-              <a:rPr lang="pt-BR" sz="2000" dirty="0">
-                <a:solidFill>
-                  <a:schemeClr val="tx1"/>
-                </a:solidFill>
-                <a:latin typeface="Times New Roman" panose="02020603050405020304" pitchFamily="18" charset="0"/>
-                <a:cs typeface="Times New Roman" panose="02020603050405020304" pitchFamily="18" charset="0"/>
-              </a:rPr>
-              <a:t>('Terminou o processo!!!');</a:t>
-            </a:r>
-          </a:p>
-          <a:p>
-            <a:pPr marL="0" indent="0" algn="just">
-              <a:buNone/>
-            </a:pPr>
-            <a:r>
-              <a:rPr lang="pt-BR" sz="2000" dirty="0">
-                <a:solidFill>
-                  <a:schemeClr val="tx1"/>
-                </a:solidFill>
-                <a:latin typeface="Times New Roman" panose="02020603050405020304" pitchFamily="18" charset="0"/>
-                <a:cs typeface="Times New Roman" panose="02020603050405020304" pitchFamily="18" charset="0"/>
-              </a:rPr>
-              <a:t>          	}); //'</a:t>
-            </a:r>
-            <a:r>
-              <a:rPr lang="pt-BR" sz="2000" dirty="0" err="1">
-                <a:solidFill>
-                  <a:schemeClr val="tx1"/>
-                </a:solidFill>
-                <a:latin typeface="Times New Roman" panose="02020603050405020304" pitchFamily="18" charset="0"/>
-                <a:cs typeface="Times New Roman" panose="02020603050405020304" pitchFamily="18" charset="0"/>
-              </a:rPr>
-              <a:t>slow</a:t>
-            </a:r>
-            <a:r>
-              <a:rPr lang="pt-BR" sz="2000" dirty="0">
-                <a:solidFill>
-                  <a:schemeClr val="tx1"/>
-                </a:solidFill>
-                <a:latin typeface="Times New Roman" panose="02020603050405020304" pitchFamily="18" charset="0"/>
-                <a:cs typeface="Times New Roman" panose="02020603050405020304" pitchFamily="18" charset="0"/>
-              </a:rPr>
-              <a:t>';  'fast’; </a:t>
-            </a:r>
-            <a:r>
-              <a:rPr lang="pt-BR" sz="2000" b="1" dirty="0">
-                <a:solidFill>
-                  <a:schemeClr val="tx1"/>
-                </a:solidFill>
-                <a:latin typeface="Times New Roman" panose="02020603050405020304" pitchFamily="18" charset="0"/>
-                <a:cs typeface="Times New Roman" panose="02020603050405020304" pitchFamily="18" charset="0"/>
-              </a:rPr>
-              <a:t>eventos</a:t>
-            </a:r>
-            <a:r>
-              <a:rPr lang="pt-BR" sz="2000" dirty="0">
-                <a:solidFill>
-                  <a:schemeClr val="tx1"/>
-                </a:solidFill>
-                <a:latin typeface="Times New Roman" panose="02020603050405020304" pitchFamily="18" charset="0"/>
-                <a:cs typeface="Times New Roman" panose="02020603050405020304" pitchFamily="18" charset="0"/>
-              </a:rPr>
-              <a:t>: </a:t>
-            </a:r>
-            <a:r>
-              <a:rPr lang="pt-BR" sz="2000" dirty="0" err="1">
-                <a:solidFill>
-                  <a:srgbClr val="FF0000"/>
-                </a:solidFill>
-                <a:latin typeface="Times New Roman" panose="02020603050405020304" pitchFamily="18" charset="0"/>
-                <a:cs typeface="Times New Roman" panose="02020603050405020304" pitchFamily="18" charset="0"/>
-              </a:rPr>
-              <a:t>toggle:on</a:t>
-            </a:r>
-            <a:r>
-              <a:rPr lang="pt-BR" sz="2000" dirty="0">
-                <a:solidFill>
-                  <a:srgbClr val="FF0000"/>
-                </a:solidFill>
-                <a:latin typeface="Times New Roman" panose="02020603050405020304" pitchFamily="18" charset="0"/>
-                <a:cs typeface="Times New Roman" panose="02020603050405020304" pitchFamily="18" charset="0"/>
-              </a:rPr>
-              <a:t>/off; </a:t>
-            </a:r>
-            <a:r>
-              <a:rPr lang="pt-BR" sz="2000" dirty="0" err="1">
-                <a:solidFill>
-                  <a:srgbClr val="FF0000"/>
-                </a:solidFill>
-                <a:latin typeface="Times New Roman" panose="02020603050405020304" pitchFamily="18" charset="0"/>
-                <a:cs typeface="Times New Roman" panose="02020603050405020304" pitchFamily="18" charset="0"/>
-              </a:rPr>
-              <a:t>fadeOut</a:t>
-            </a:r>
-            <a:r>
-              <a:rPr lang="pt-BR" sz="2000" dirty="0">
-                <a:solidFill>
-                  <a:srgbClr val="FF0000"/>
-                </a:solidFill>
-                <a:latin typeface="Times New Roman" panose="02020603050405020304" pitchFamily="18" charset="0"/>
-                <a:cs typeface="Times New Roman" panose="02020603050405020304" pitchFamily="18" charset="0"/>
-              </a:rPr>
-              <a:t>(); </a:t>
-            </a:r>
-            <a:r>
-              <a:rPr lang="pt-BR" sz="2000" dirty="0" err="1">
-                <a:solidFill>
-                  <a:srgbClr val="FF0000"/>
-                </a:solidFill>
-                <a:latin typeface="Times New Roman" panose="02020603050405020304" pitchFamily="18" charset="0"/>
-                <a:cs typeface="Times New Roman" panose="02020603050405020304" pitchFamily="18" charset="0"/>
-              </a:rPr>
-              <a:t>fadeIn</a:t>
-            </a:r>
-            <a:r>
-              <a:rPr lang="pt-BR" sz="2000" dirty="0">
-                <a:solidFill>
-                  <a:srgbClr val="FF0000"/>
-                </a:solidFill>
-                <a:latin typeface="Times New Roman" panose="02020603050405020304" pitchFamily="18" charset="0"/>
-                <a:cs typeface="Times New Roman" panose="02020603050405020304" pitchFamily="18" charset="0"/>
-              </a:rPr>
-              <a:t>(); </a:t>
-            </a:r>
-            <a:r>
-              <a:rPr lang="pt-BR" sz="2000" dirty="0" err="1">
-                <a:solidFill>
-                  <a:srgbClr val="FF0000"/>
-                </a:solidFill>
-                <a:latin typeface="Times New Roman" panose="02020603050405020304" pitchFamily="18" charset="0"/>
-                <a:cs typeface="Times New Roman" panose="02020603050405020304" pitchFamily="18" charset="0"/>
-              </a:rPr>
-              <a:t>fadeToggle</a:t>
-            </a:r>
-            <a:r>
-              <a:rPr lang="pt-BR" sz="2000" dirty="0">
-                <a:solidFill>
-                  <a:srgbClr val="FF0000"/>
-                </a:solidFill>
-                <a:latin typeface="Times New Roman" panose="02020603050405020304" pitchFamily="18" charset="0"/>
-                <a:cs typeface="Times New Roman" panose="02020603050405020304" pitchFamily="18" charset="0"/>
-              </a:rPr>
-              <a:t>()</a:t>
-            </a:r>
-          </a:p>
-          <a:p>
-            <a:pPr marL="0" indent="0" algn="just">
-              <a:buNone/>
-            </a:pPr>
-            <a:r>
-              <a:rPr lang="pt-BR" sz="2000" dirty="0">
-                <a:solidFill>
-                  <a:schemeClr val="tx1"/>
-                </a:solidFill>
-                <a:latin typeface="Times New Roman" panose="02020603050405020304" pitchFamily="18" charset="0"/>
-                <a:cs typeface="Times New Roman" panose="02020603050405020304" pitchFamily="18" charset="0"/>
-              </a:rPr>
-              <a:t>        });</a:t>
-            </a:r>
-          </a:p>
-          <a:p>
-            <a:pPr marL="0" indent="0" algn="just">
-              <a:buNone/>
-            </a:pPr>
-            <a:r>
-              <a:rPr lang="pt-BR" sz="2000" dirty="0">
-                <a:solidFill>
-                  <a:schemeClr val="tx1"/>
-                </a:solidFill>
-                <a:latin typeface="Times New Roman" panose="02020603050405020304" pitchFamily="18" charset="0"/>
-                <a:cs typeface="Times New Roman" panose="02020603050405020304" pitchFamily="18" charset="0"/>
-              </a:rPr>
-              <a:t>        $("#</a:t>
-            </a:r>
-            <a:r>
-              <a:rPr lang="pt-BR" sz="2000" b="1" dirty="0" err="1">
-                <a:solidFill>
-                  <a:schemeClr val="tx1"/>
-                </a:solidFill>
-                <a:latin typeface="Times New Roman" panose="02020603050405020304" pitchFamily="18" charset="0"/>
-                <a:cs typeface="Times New Roman" panose="02020603050405020304" pitchFamily="18" charset="0"/>
-              </a:rPr>
-              <a:t>botaoShow</a:t>
-            </a:r>
-            <a:r>
-              <a:rPr lang="pt-BR" sz="2000" dirty="0">
-                <a:solidFill>
-                  <a:schemeClr val="tx1"/>
-                </a:solidFill>
-                <a:latin typeface="Times New Roman" panose="02020603050405020304" pitchFamily="18" charset="0"/>
-                <a:cs typeface="Times New Roman" panose="02020603050405020304" pitchFamily="18" charset="0"/>
-              </a:rPr>
-              <a:t>").click(</a:t>
-            </a:r>
-            <a:r>
-              <a:rPr lang="pt-BR" sz="2000" dirty="0" err="1">
-                <a:solidFill>
-                  <a:schemeClr val="tx1"/>
-                </a:solidFill>
-                <a:latin typeface="Times New Roman" panose="02020603050405020304" pitchFamily="18" charset="0"/>
-                <a:cs typeface="Times New Roman" panose="02020603050405020304" pitchFamily="18" charset="0"/>
-              </a:rPr>
-              <a:t>function</a:t>
-            </a:r>
-            <a:r>
-              <a:rPr lang="pt-BR" sz="2000" dirty="0">
-                <a:solidFill>
-                  <a:schemeClr val="tx1"/>
-                </a:solidFill>
-                <a:latin typeface="Times New Roman" panose="02020603050405020304" pitchFamily="18" charset="0"/>
-                <a:cs typeface="Times New Roman" panose="02020603050405020304" pitchFamily="18" charset="0"/>
-              </a:rPr>
-              <a:t> () {</a:t>
-            </a:r>
-          </a:p>
-          <a:p>
-            <a:pPr marL="0" indent="0" algn="just">
-              <a:buNone/>
-            </a:pPr>
-            <a:r>
-              <a:rPr lang="pt-BR" sz="2000" dirty="0">
-                <a:solidFill>
-                  <a:schemeClr val="tx1"/>
-                </a:solidFill>
-                <a:latin typeface="Times New Roman" panose="02020603050405020304" pitchFamily="18" charset="0"/>
-                <a:cs typeface="Times New Roman" panose="02020603050405020304" pitchFamily="18" charset="0"/>
-              </a:rPr>
-              <a:t>          $(".blue").show(3000);     });</a:t>
-            </a:r>
-          </a:p>
-          <a:p>
-            <a:pPr marL="0" indent="0" algn="just">
-              <a:buNone/>
-            </a:pPr>
-            <a:r>
-              <a:rPr lang="pt-BR" sz="2000" dirty="0">
-                <a:solidFill>
-                  <a:schemeClr val="tx1"/>
-                </a:solidFill>
-                <a:latin typeface="Times New Roman" panose="02020603050405020304" pitchFamily="18" charset="0"/>
-                <a:cs typeface="Times New Roman" panose="02020603050405020304" pitchFamily="18" charset="0"/>
-              </a:rPr>
-              <a:t>      });</a:t>
-            </a:r>
-          </a:p>
-          <a:p>
-            <a:pPr marL="0" indent="0" algn="just">
-              <a:buNone/>
-            </a:pPr>
-            <a:endParaRPr lang="pt-BR" sz="2400" dirty="0">
+            <a:endParaRPr lang="pt-BR" sz="2000" b="1" dirty="0">
               <a:solidFill>
-                <a:schemeClr val="tx1"/>
+                <a:srgbClr val="FF0000"/>
               </a:solidFill>
               <a:latin typeface="Times New Roman" panose="02020603050405020304" pitchFamily="18" charset="0"/>
               <a:cs typeface="Times New Roman" panose="02020603050405020304" pitchFamily="18" charset="0"/>
@@ -7232,9 +6877,548 @@
             <a:pPr marL="0" indent="0" algn="just">
               <a:buNone/>
             </a:pPr>
-            <a:endParaRPr lang="pt-BR" sz="2400" dirty="0">
+            <a:r>
+              <a:rPr lang="pt-BR" sz="2000" dirty="0">
+                <a:solidFill>
+                  <a:schemeClr val="tx1"/>
+                </a:solidFill>
+                <a:latin typeface="Times New Roman" panose="02020603050405020304" pitchFamily="18" charset="0"/>
+                <a:cs typeface="Times New Roman" panose="02020603050405020304" pitchFamily="18" charset="0"/>
+              </a:rPr>
+              <a:t>        $("#</a:t>
+            </a:r>
+            <a:r>
+              <a:rPr lang="pt-BR" sz="2000" b="1" dirty="0" err="1">
+                <a:solidFill>
+                  <a:schemeClr val="tx1"/>
+                </a:solidFill>
+                <a:latin typeface="Times New Roman" panose="02020603050405020304" pitchFamily="18" charset="0"/>
+                <a:cs typeface="Times New Roman" panose="02020603050405020304" pitchFamily="18" charset="0"/>
+              </a:rPr>
+              <a:t>botaoHide</a:t>
+            </a:r>
+            <a:r>
+              <a:rPr lang="pt-BR" sz="2000" dirty="0">
+                <a:solidFill>
+                  <a:schemeClr val="tx1"/>
+                </a:solidFill>
+                <a:latin typeface="Times New Roman" panose="02020603050405020304" pitchFamily="18" charset="0"/>
+                <a:cs typeface="Times New Roman" panose="02020603050405020304" pitchFamily="18" charset="0"/>
+              </a:rPr>
+              <a:t>").</a:t>
+            </a:r>
+            <a:r>
+              <a:rPr lang="pt-BR" sz="2000" b="1" dirty="0">
+                <a:solidFill>
+                  <a:srgbClr val="FF0000"/>
+                </a:solidFill>
+                <a:latin typeface="Times New Roman" panose="02020603050405020304" pitchFamily="18" charset="0"/>
+                <a:cs typeface="Times New Roman" panose="02020603050405020304" pitchFamily="18" charset="0"/>
+              </a:rPr>
+              <a:t>click</a:t>
+            </a:r>
+            <a:r>
+              <a:rPr lang="pt-BR" sz="2000" dirty="0">
+                <a:solidFill>
+                  <a:schemeClr val="tx1"/>
+                </a:solidFill>
+                <a:latin typeface="Times New Roman" panose="02020603050405020304" pitchFamily="18" charset="0"/>
+                <a:cs typeface="Times New Roman" panose="02020603050405020304" pitchFamily="18" charset="0"/>
+              </a:rPr>
+              <a:t>( </a:t>
+            </a:r>
+            <a:r>
+              <a:rPr lang="pt-BR" sz="2000" b="1" dirty="0" err="1">
+                <a:solidFill>
+                  <a:schemeClr val="tx1"/>
+                </a:solidFill>
+                <a:latin typeface="Times New Roman" panose="02020603050405020304" pitchFamily="18" charset="0"/>
+                <a:cs typeface="Times New Roman" panose="02020603050405020304" pitchFamily="18" charset="0"/>
+              </a:rPr>
+              <a:t>function</a:t>
+            </a:r>
+            <a:r>
+              <a:rPr lang="pt-BR" sz="2000" dirty="0">
+                <a:solidFill>
+                  <a:schemeClr val="tx1"/>
+                </a:solidFill>
+                <a:latin typeface="Times New Roman" panose="02020603050405020304" pitchFamily="18" charset="0"/>
+                <a:cs typeface="Times New Roman" panose="02020603050405020304" pitchFamily="18" charset="0"/>
+              </a:rPr>
+              <a:t> () {// </a:t>
+            </a:r>
+            <a:r>
+              <a:rPr lang="pt-BR" sz="2000" b="1" dirty="0">
+                <a:solidFill>
+                  <a:srgbClr val="FF0000"/>
+                </a:solidFill>
+                <a:latin typeface="Times New Roman" panose="02020603050405020304" pitchFamily="18" charset="0"/>
+                <a:cs typeface="Times New Roman" panose="02020603050405020304" pitchFamily="18" charset="0"/>
+              </a:rPr>
+              <a:t>2ª </a:t>
+            </a:r>
+            <a:r>
+              <a:rPr lang="pt-BR" sz="2000" b="1" dirty="0" err="1">
+                <a:solidFill>
+                  <a:srgbClr val="FF0000"/>
+                </a:solidFill>
+                <a:latin typeface="Times New Roman" panose="02020603050405020304" pitchFamily="18" charset="0"/>
+                <a:cs typeface="Times New Roman" panose="02020603050405020304" pitchFamily="18" charset="0"/>
+              </a:rPr>
+              <a:t>function</a:t>
+            </a:r>
+            <a:endParaRPr lang="pt-BR" sz="2000" b="1" dirty="0">
               <a:solidFill>
-                <a:schemeClr val="tx1"/>
+                <a:srgbClr val="FF0000"/>
+              </a:solidFill>
+              <a:latin typeface="Times New Roman" panose="02020603050405020304" pitchFamily="18" charset="0"/>
+              <a:cs typeface="Times New Roman" panose="02020603050405020304" pitchFamily="18" charset="0"/>
+            </a:endParaRPr>
+          </a:p>
+          <a:p>
+            <a:pPr marL="0" indent="0" algn="just">
+              <a:buNone/>
+            </a:pPr>
+            <a:r>
+              <a:rPr lang="pt-BR" sz="2000" dirty="0">
+                <a:solidFill>
+                  <a:schemeClr val="tx1"/>
+                </a:solidFill>
+                <a:latin typeface="Times New Roman" panose="02020603050405020304" pitchFamily="18" charset="0"/>
+                <a:cs typeface="Times New Roman" panose="02020603050405020304" pitchFamily="18" charset="0"/>
+              </a:rPr>
+              <a:t>          	$('.blue').</a:t>
+            </a:r>
+            <a:r>
+              <a:rPr lang="pt-BR" sz="2000" b="1" dirty="0" err="1">
+                <a:solidFill>
+                  <a:srgbClr val="FF0000"/>
+                </a:solidFill>
+                <a:latin typeface="Times New Roman" panose="02020603050405020304" pitchFamily="18" charset="0"/>
+                <a:cs typeface="Times New Roman" panose="02020603050405020304" pitchFamily="18" charset="0"/>
+              </a:rPr>
+              <a:t>hide</a:t>
+            </a:r>
+            <a:r>
+              <a:rPr lang="pt-BR" sz="2000" dirty="0">
+                <a:solidFill>
+                  <a:schemeClr val="tx1"/>
+                </a:solidFill>
+                <a:latin typeface="Times New Roman" panose="02020603050405020304" pitchFamily="18" charset="0"/>
+                <a:cs typeface="Times New Roman" panose="02020603050405020304" pitchFamily="18" charset="0"/>
+              </a:rPr>
+              <a:t>(2000, </a:t>
+            </a:r>
+            <a:r>
+              <a:rPr lang="pt-BR" sz="2000" b="1" dirty="0" err="1">
+                <a:solidFill>
+                  <a:schemeClr val="tx1"/>
+                </a:solidFill>
+                <a:latin typeface="Times New Roman" panose="02020603050405020304" pitchFamily="18" charset="0"/>
+                <a:cs typeface="Times New Roman" panose="02020603050405020304" pitchFamily="18" charset="0"/>
+              </a:rPr>
+              <a:t>function</a:t>
+            </a:r>
+            <a:r>
+              <a:rPr lang="pt-BR" sz="2000" dirty="0">
+                <a:solidFill>
+                  <a:schemeClr val="tx1"/>
+                </a:solidFill>
+                <a:latin typeface="Times New Roman" panose="02020603050405020304" pitchFamily="18" charset="0"/>
+                <a:cs typeface="Times New Roman" panose="02020603050405020304" pitchFamily="18" charset="0"/>
+              </a:rPr>
+              <a:t>() {</a:t>
+            </a:r>
+          </a:p>
+          <a:p>
+            <a:pPr marL="0" indent="0" algn="just">
+              <a:buNone/>
+            </a:pPr>
+            <a:r>
+              <a:rPr lang="pt-BR" sz="2000" dirty="0">
+                <a:solidFill>
+                  <a:schemeClr val="tx1"/>
+                </a:solidFill>
+                <a:latin typeface="Times New Roman" panose="02020603050405020304" pitchFamily="18" charset="0"/>
+                <a:cs typeface="Times New Roman" panose="02020603050405020304" pitchFamily="18" charset="0"/>
+              </a:rPr>
+              <a:t>              		</a:t>
+            </a:r>
+            <a:r>
+              <a:rPr lang="pt-BR" sz="2000" b="1" dirty="0" err="1">
+                <a:solidFill>
+                  <a:schemeClr val="tx1"/>
+                </a:solidFill>
+                <a:latin typeface="Times New Roman" panose="02020603050405020304" pitchFamily="18" charset="0"/>
+                <a:cs typeface="Times New Roman" panose="02020603050405020304" pitchFamily="18" charset="0"/>
+              </a:rPr>
+              <a:t>alert</a:t>
+            </a:r>
+            <a:r>
+              <a:rPr lang="pt-BR" sz="2000" dirty="0">
+                <a:solidFill>
+                  <a:schemeClr val="tx1"/>
+                </a:solidFill>
+                <a:latin typeface="Times New Roman" panose="02020603050405020304" pitchFamily="18" charset="0"/>
+                <a:cs typeface="Times New Roman" panose="02020603050405020304" pitchFamily="18" charset="0"/>
+              </a:rPr>
+              <a:t>('Terminou o processo!!!');</a:t>
+            </a:r>
+          </a:p>
+          <a:p>
+            <a:pPr marL="0" indent="0" algn="just">
+              <a:buNone/>
+            </a:pPr>
+            <a:r>
+              <a:rPr lang="pt-BR" sz="2000" dirty="0">
+                <a:solidFill>
+                  <a:schemeClr val="tx1"/>
+                </a:solidFill>
+                <a:latin typeface="Times New Roman" panose="02020603050405020304" pitchFamily="18" charset="0"/>
+                <a:cs typeface="Times New Roman" panose="02020603050405020304" pitchFamily="18" charset="0"/>
+              </a:rPr>
+              <a:t>          	}); //</a:t>
+            </a:r>
+            <a:r>
+              <a:rPr lang="pt-BR" sz="2000" b="1" dirty="0">
+                <a:solidFill>
+                  <a:schemeClr val="tx1"/>
+                </a:solidFill>
+                <a:latin typeface="Times New Roman" panose="02020603050405020304" pitchFamily="18" charset="0"/>
+                <a:cs typeface="Times New Roman" panose="02020603050405020304" pitchFamily="18" charset="0"/>
+              </a:rPr>
+              <a:t>'</a:t>
+            </a:r>
+            <a:r>
+              <a:rPr lang="pt-BR" sz="2000" b="1" dirty="0" err="1">
+                <a:solidFill>
+                  <a:schemeClr val="tx1"/>
+                </a:solidFill>
+                <a:latin typeface="Times New Roman" panose="02020603050405020304" pitchFamily="18" charset="0"/>
+                <a:cs typeface="Times New Roman" panose="02020603050405020304" pitchFamily="18" charset="0"/>
+              </a:rPr>
+              <a:t>slow</a:t>
+            </a:r>
+            <a:r>
+              <a:rPr lang="pt-BR" sz="2000" dirty="0">
+                <a:solidFill>
+                  <a:schemeClr val="tx1"/>
+                </a:solidFill>
+                <a:latin typeface="Times New Roman" panose="02020603050405020304" pitchFamily="18" charset="0"/>
+                <a:cs typeface="Times New Roman" panose="02020603050405020304" pitchFamily="18" charset="0"/>
+              </a:rPr>
+              <a:t>';  </a:t>
+            </a:r>
+            <a:r>
+              <a:rPr lang="pt-BR" sz="2000" b="1" dirty="0">
+                <a:solidFill>
+                  <a:schemeClr val="tx1"/>
+                </a:solidFill>
+                <a:latin typeface="Times New Roman" panose="02020603050405020304" pitchFamily="18" charset="0"/>
+                <a:cs typeface="Times New Roman" panose="02020603050405020304" pitchFamily="18" charset="0"/>
+              </a:rPr>
+              <a:t>'fast</a:t>
+            </a:r>
+            <a:r>
+              <a:rPr lang="pt-BR" sz="2000" dirty="0">
+                <a:solidFill>
+                  <a:schemeClr val="tx1"/>
+                </a:solidFill>
+                <a:latin typeface="Times New Roman" panose="02020603050405020304" pitchFamily="18" charset="0"/>
+                <a:cs typeface="Times New Roman" panose="02020603050405020304" pitchFamily="18" charset="0"/>
+              </a:rPr>
+              <a:t>’; </a:t>
+            </a:r>
+            <a:r>
+              <a:rPr lang="pt-BR" sz="2000" b="1" dirty="0">
+                <a:solidFill>
+                  <a:schemeClr val="tx1"/>
+                </a:solidFill>
+                <a:latin typeface="Times New Roman" panose="02020603050405020304" pitchFamily="18" charset="0"/>
+                <a:cs typeface="Times New Roman" panose="02020603050405020304" pitchFamily="18" charset="0"/>
+              </a:rPr>
+              <a:t>eventos</a:t>
+            </a:r>
+            <a:r>
+              <a:rPr lang="pt-BR" sz="2000" dirty="0">
+                <a:solidFill>
+                  <a:schemeClr val="tx1"/>
+                </a:solidFill>
+                <a:latin typeface="Times New Roman" panose="02020603050405020304" pitchFamily="18" charset="0"/>
+                <a:cs typeface="Times New Roman" panose="02020603050405020304" pitchFamily="18" charset="0"/>
+              </a:rPr>
+              <a:t>: </a:t>
+            </a:r>
+            <a:r>
+              <a:rPr lang="pt-BR" sz="2000" dirty="0" err="1">
+                <a:solidFill>
+                  <a:srgbClr val="FF0000"/>
+                </a:solidFill>
+                <a:latin typeface="Times New Roman" panose="02020603050405020304" pitchFamily="18" charset="0"/>
+                <a:cs typeface="Times New Roman" panose="02020603050405020304" pitchFamily="18" charset="0"/>
+              </a:rPr>
+              <a:t>toggle:on</a:t>
+            </a:r>
+            <a:r>
+              <a:rPr lang="pt-BR" sz="2000" dirty="0">
+                <a:solidFill>
+                  <a:srgbClr val="FF0000"/>
+                </a:solidFill>
+                <a:latin typeface="Times New Roman" panose="02020603050405020304" pitchFamily="18" charset="0"/>
+                <a:cs typeface="Times New Roman" panose="02020603050405020304" pitchFamily="18" charset="0"/>
+              </a:rPr>
+              <a:t>/off; </a:t>
+            </a:r>
+            <a:r>
+              <a:rPr lang="pt-BR" sz="2000" dirty="0" err="1">
+                <a:solidFill>
+                  <a:srgbClr val="FF0000"/>
+                </a:solidFill>
+                <a:latin typeface="Times New Roman" panose="02020603050405020304" pitchFamily="18" charset="0"/>
+                <a:cs typeface="Times New Roman" panose="02020603050405020304" pitchFamily="18" charset="0"/>
+              </a:rPr>
+              <a:t>fadeOut</a:t>
+            </a:r>
+            <a:r>
+              <a:rPr lang="pt-BR" sz="2000" dirty="0">
+                <a:solidFill>
+                  <a:srgbClr val="FF0000"/>
+                </a:solidFill>
+                <a:latin typeface="Times New Roman" panose="02020603050405020304" pitchFamily="18" charset="0"/>
+                <a:cs typeface="Times New Roman" panose="02020603050405020304" pitchFamily="18" charset="0"/>
+              </a:rPr>
+              <a:t>(); </a:t>
+            </a:r>
+            <a:r>
+              <a:rPr lang="pt-BR" sz="2000" dirty="0" err="1">
+                <a:solidFill>
+                  <a:srgbClr val="FF0000"/>
+                </a:solidFill>
+                <a:latin typeface="Times New Roman" panose="02020603050405020304" pitchFamily="18" charset="0"/>
+                <a:cs typeface="Times New Roman" panose="02020603050405020304" pitchFamily="18" charset="0"/>
+              </a:rPr>
+              <a:t>fadeIn</a:t>
+            </a:r>
+            <a:r>
+              <a:rPr lang="pt-BR" sz="2000" dirty="0">
+                <a:solidFill>
+                  <a:srgbClr val="FF0000"/>
+                </a:solidFill>
+                <a:latin typeface="Times New Roman" panose="02020603050405020304" pitchFamily="18" charset="0"/>
+                <a:cs typeface="Times New Roman" panose="02020603050405020304" pitchFamily="18" charset="0"/>
+              </a:rPr>
+              <a:t>(); </a:t>
+            </a:r>
+            <a:r>
+              <a:rPr lang="pt-BR" sz="2000" dirty="0" err="1">
+                <a:solidFill>
+                  <a:srgbClr val="FF0000"/>
+                </a:solidFill>
+                <a:latin typeface="Times New Roman" panose="02020603050405020304" pitchFamily="18" charset="0"/>
+                <a:cs typeface="Times New Roman" panose="02020603050405020304" pitchFamily="18" charset="0"/>
+              </a:rPr>
+              <a:t>fadeToggle</a:t>
+            </a:r>
+            <a:r>
+              <a:rPr lang="pt-BR" sz="2000" dirty="0">
+                <a:solidFill>
+                  <a:srgbClr val="FF0000"/>
+                </a:solidFill>
+                <a:latin typeface="Times New Roman" panose="02020603050405020304" pitchFamily="18" charset="0"/>
+                <a:cs typeface="Times New Roman" panose="02020603050405020304" pitchFamily="18" charset="0"/>
+              </a:rPr>
+              <a:t>()</a:t>
+            </a:r>
+          </a:p>
+          <a:p>
+            <a:pPr marL="0" indent="0" algn="just">
+              <a:buNone/>
+            </a:pPr>
+            <a:r>
+              <a:rPr lang="pt-BR" sz="2000" dirty="0">
+                <a:solidFill>
+                  <a:schemeClr val="tx1"/>
+                </a:solidFill>
+                <a:latin typeface="Times New Roman" panose="02020603050405020304" pitchFamily="18" charset="0"/>
+                <a:cs typeface="Times New Roman" panose="02020603050405020304" pitchFamily="18" charset="0"/>
+              </a:rPr>
+              <a:t>        }); // </a:t>
+            </a:r>
+            <a:r>
+              <a:rPr lang="pt-BR" sz="2000" b="1" dirty="0">
+                <a:solidFill>
+                  <a:srgbClr val="FF0000"/>
+                </a:solidFill>
+                <a:latin typeface="Times New Roman" panose="02020603050405020304" pitchFamily="18" charset="0"/>
+                <a:cs typeface="Times New Roman" panose="02020603050405020304" pitchFamily="18" charset="0"/>
+              </a:rPr>
+              <a:t>fecha 2ª </a:t>
+            </a:r>
+            <a:r>
+              <a:rPr lang="pt-BR" sz="2000" b="1" dirty="0" err="1">
+                <a:solidFill>
+                  <a:srgbClr val="FF0000"/>
+                </a:solidFill>
+                <a:latin typeface="Times New Roman" panose="02020603050405020304" pitchFamily="18" charset="0"/>
+                <a:cs typeface="Times New Roman" panose="02020603050405020304" pitchFamily="18" charset="0"/>
+              </a:rPr>
+              <a:t>function</a:t>
+            </a:r>
+            <a:endParaRPr lang="pt-BR" sz="2000" dirty="0">
+              <a:solidFill>
+                <a:srgbClr val="FF0000"/>
+              </a:solidFill>
+              <a:latin typeface="Times New Roman" panose="02020603050405020304" pitchFamily="18" charset="0"/>
+              <a:cs typeface="Times New Roman" panose="02020603050405020304" pitchFamily="18" charset="0"/>
+            </a:endParaRPr>
+          </a:p>
+          <a:p>
+            <a:pPr marL="0" indent="0" algn="just">
+              <a:buNone/>
+            </a:pPr>
+            <a:r>
+              <a:rPr lang="pt-BR" sz="2000" dirty="0">
+                <a:solidFill>
+                  <a:schemeClr val="tx1"/>
+                </a:solidFill>
+                <a:latin typeface="Times New Roman" panose="02020603050405020304" pitchFamily="18" charset="0"/>
+                <a:cs typeface="Times New Roman" panose="02020603050405020304" pitchFamily="18" charset="0"/>
+              </a:rPr>
+              <a:t>        $("#</a:t>
+            </a:r>
+            <a:r>
+              <a:rPr lang="pt-BR" sz="2000" b="1" dirty="0" err="1">
+                <a:solidFill>
+                  <a:schemeClr val="tx1"/>
+                </a:solidFill>
+                <a:latin typeface="Times New Roman" panose="02020603050405020304" pitchFamily="18" charset="0"/>
+                <a:cs typeface="Times New Roman" panose="02020603050405020304" pitchFamily="18" charset="0"/>
+              </a:rPr>
+              <a:t>botaoShow</a:t>
+            </a:r>
+            <a:r>
+              <a:rPr lang="pt-BR" sz="2000" dirty="0">
+                <a:solidFill>
+                  <a:schemeClr val="tx1"/>
+                </a:solidFill>
+                <a:latin typeface="Times New Roman" panose="02020603050405020304" pitchFamily="18" charset="0"/>
+                <a:cs typeface="Times New Roman" panose="02020603050405020304" pitchFamily="18" charset="0"/>
+              </a:rPr>
+              <a:t>").</a:t>
+            </a:r>
+            <a:r>
+              <a:rPr lang="pt-BR" sz="2000" b="1" dirty="0">
+                <a:solidFill>
+                  <a:srgbClr val="FF0000"/>
+                </a:solidFill>
+                <a:latin typeface="Times New Roman" panose="02020603050405020304" pitchFamily="18" charset="0"/>
+                <a:cs typeface="Times New Roman" panose="02020603050405020304" pitchFamily="18" charset="0"/>
+              </a:rPr>
+              <a:t>click</a:t>
+            </a:r>
+            <a:r>
+              <a:rPr lang="pt-BR" sz="2000" dirty="0">
+                <a:solidFill>
+                  <a:schemeClr val="tx1"/>
+                </a:solidFill>
+                <a:latin typeface="Times New Roman" panose="02020603050405020304" pitchFamily="18" charset="0"/>
+                <a:cs typeface="Times New Roman" panose="02020603050405020304" pitchFamily="18" charset="0"/>
+              </a:rPr>
+              <a:t>(</a:t>
+            </a:r>
+            <a:r>
+              <a:rPr lang="pt-BR" sz="2000" b="1" dirty="0" err="1">
+                <a:solidFill>
+                  <a:schemeClr val="tx1"/>
+                </a:solidFill>
+                <a:latin typeface="Times New Roman" panose="02020603050405020304" pitchFamily="18" charset="0"/>
+                <a:cs typeface="Times New Roman" panose="02020603050405020304" pitchFamily="18" charset="0"/>
+              </a:rPr>
+              <a:t>function</a:t>
+            </a:r>
+            <a:r>
+              <a:rPr lang="pt-BR" sz="2000" dirty="0">
+                <a:solidFill>
+                  <a:schemeClr val="tx1"/>
+                </a:solidFill>
+                <a:latin typeface="Times New Roman" panose="02020603050405020304" pitchFamily="18" charset="0"/>
+                <a:cs typeface="Times New Roman" panose="02020603050405020304" pitchFamily="18" charset="0"/>
+              </a:rPr>
+              <a:t> () {</a:t>
+            </a:r>
+          </a:p>
+          <a:p>
+            <a:pPr marL="0" indent="0" algn="just">
+              <a:buNone/>
+            </a:pPr>
+            <a:r>
+              <a:rPr lang="pt-BR" sz="2000" dirty="0">
+                <a:solidFill>
+                  <a:schemeClr val="tx1"/>
+                </a:solidFill>
+                <a:latin typeface="Times New Roman" panose="02020603050405020304" pitchFamily="18" charset="0"/>
+                <a:cs typeface="Times New Roman" panose="02020603050405020304" pitchFamily="18" charset="0"/>
+              </a:rPr>
+              <a:t>          $(".blue").</a:t>
+            </a:r>
+            <a:r>
+              <a:rPr lang="pt-BR" sz="2000" b="1" dirty="0">
+                <a:solidFill>
+                  <a:schemeClr val="tx1"/>
+                </a:solidFill>
+                <a:latin typeface="Times New Roman" panose="02020603050405020304" pitchFamily="18" charset="0"/>
+                <a:cs typeface="Times New Roman" panose="02020603050405020304" pitchFamily="18" charset="0"/>
+              </a:rPr>
+              <a:t>show</a:t>
+            </a:r>
+            <a:r>
+              <a:rPr lang="pt-BR" sz="2000" dirty="0">
+                <a:solidFill>
+                  <a:schemeClr val="tx1"/>
+                </a:solidFill>
+                <a:latin typeface="Times New Roman" panose="02020603050405020304" pitchFamily="18" charset="0"/>
+                <a:cs typeface="Times New Roman" panose="02020603050405020304" pitchFamily="18" charset="0"/>
+              </a:rPr>
+              <a:t>(3000);     });</a:t>
+            </a:r>
+          </a:p>
+          <a:p>
+            <a:pPr marL="0" indent="0" algn="just">
+              <a:buNone/>
+            </a:pPr>
+            <a:r>
+              <a:rPr lang="pt-BR" sz="2000" dirty="0">
+                <a:solidFill>
+                  <a:schemeClr val="tx1"/>
+                </a:solidFill>
+                <a:latin typeface="Times New Roman" panose="02020603050405020304" pitchFamily="18" charset="0"/>
+                <a:cs typeface="Times New Roman" panose="02020603050405020304" pitchFamily="18" charset="0"/>
+              </a:rPr>
+              <a:t> }); // </a:t>
+            </a:r>
+            <a:r>
+              <a:rPr lang="pt-BR" sz="2000" b="1" dirty="0">
+                <a:solidFill>
+                  <a:srgbClr val="FF0000"/>
+                </a:solidFill>
+                <a:latin typeface="Times New Roman" panose="02020603050405020304" pitchFamily="18" charset="0"/>
+                <a:cs typeface="Times New Roman" panose="02020603050405020304" pitchFamily="18" charset="0"/>
+              </a:rPr>
+              <a:t>fecha 1ª </a:t>
+            </a:r>
+            <a:r>
+              <a:rPr lang="pt-BR" sz="2000" b="1" dirty="0" err="1">
+                <a:solidFill>
+                  <a:srgbClr val="FF0000"/>
+                </a:solidFill>
+                <a:latin typeface="Times New Roman" panose="02020603050405020304" pitchFamily="18" charset="0"/>
+                <a:cs typeface="Times New Roman" panose="02020603050405020304" pitchFamily="18" charset="0"/>
+              </a:rPr>
+              <a:t>function</a:t>
+            </a:r>
+            <a:endParaRPr lang="pt-BR" sz="2400" b="1" dirty="0">
+              <a:solidFill>
+                <a:srgbClr val="FF0000"/>
               </a:solidFill>
               <a:latin typeface="Times New Roman" panose="02020603050405020304" pitchFamily="18" charset="0"/>
               <a:cs typeface="Times New Roman" panose="02020603050405020304" pitchFamily="18" charset="0"/>
@@ -7406,7 +7590,37 @@
                 <a:latin typeface="Times New Roman" panose="02020603050405020304" pitchFamily="18" charset="0"/>
                 <a:cs typeface="Times New Roman" panose="02020603050405020304" pitchFamily="18" charset="0"/>
               </a:rPr>
-              <a:t>;</a:t>
+              <a:t> (uma dentro da outra, </a:t>
+            </a:r>
+            <a:r>
+              <a:rPr lang="pt-BR" sz="2400" b="1" dirty="0">
+                <a:solidFill>
+                  <a:srgbClr val="FF0000"/>
+                </a:solidFill>
+                <a:latin typeface="Times New Roman" panose="02020603050405020304" pitchFamily="18" charset="0"/>
+                <a:cs typeface="Times New Roman" panose="02020603050405020304" pitchFamily="18" charset="0"/>
+              </a:rPr>
+              <a:t>a interna </a:t>
+            </a:r>
+            <a:r>
+              <a:rPr lang="pt-BR" sz="2400" b="1" dirty="0" err="1">
+                <a:solidFill>
+                  <a:srgbClr val="FF0000"/>
+                </a:solidFill>
+                <a:latin typeface="Times New Roman" panose="02020603050405020304" pitchFamily="18" charset="0"/>
+                <a:cs typeface="Times New Roman" panose="02020603050405020304" pitchFamily="18" charset="0"/>
+              </a:rPr>
+              <a:t>hidden</a:t>
+            </a:r>
+            <a:r>
+              <a:rPr lang="pt-BR" sz="2400" b="1" dirty="0">
+                <a:solidFill>
+                  <a:schemeClr val="tx1"/>
+                </a:solidFill>
+                <a:latin typeface="Times New Roman" panose="02020603050405020304" pitchFamily="18" charset="0"/>
+                <a:cs typeface="Times New Roman" panose="02020603050405020304" pitchFamily="18" charset="0"/>
+              </a:rPr>
+              <a:t>);</a:t>
             </a:r>
           </a:p>
           <a:p>
@@ -9749,7 +9963,7 @@
               <a:t>button</a:t>
             </a:r>
             <a:r>
-              <a:rPr lang="pt-BR" sz="2000" b="1">
+              <a:rPr lang="pt-BR" sz="2000" b="1" dirty="0">
                 <a:solidFill>
                   <a:schemeClr val="tx1"/>
                 </a:solidFill>
@@ -9801,6 +10015,41 @@
               <a:t>').click(</a:t>
             </a:r>
             <a:r>
+              <a:rPr lang="pt-BR" sz="2000" b="1" dirty="0" err="1">
+                <a:solidFill>
+                  <a:schemeClr val="tx1"/>
+                </a:solidFill>
+                <a:latin typeface="Times New Roman" panose="02020603050405020304" pitchFamily="18" charset="0"/>
+                <a:cs typeface="Times New Roman" panose="02020603050405020304" pitchFamily="18" charset="0"/>
+              </a:rPr>
+              <a:t>function</a:t>
+            </a:r>
+            <a:r>
+              <a:rPr lang="pt-BR" sz="2000" dirty="0">
+                <a:solidFill>
+                  <a:schemeClr val="tx1"/>
+                </a:solidFill>
+                <a:latin typeface="Times New Roman" panose="02020603050405020304" pitchFamily="18" charset="0"/>
+                <a:cs typeface="Times New Roman" panose="02020603050405020304" pitchFamily="18" charset="0"/>
+              </a:rPr>
+              <a:t> () {</a:t>
+            </a:r>
+          </a:p>
+          <a:p>
+            <a:pPr marL="0" indent="0" algn="just">
+              <a:buNone/>
+            </a:pPr>
+            <a:r>
+              <a:rPr lang="pt-BR" sz="2000" dirty="0">
+                <a:solidFill>
+                  <a:schemeClr val="tx1"/>
+                </a:solidFill>
+                <a:latin typeface="Times New Roman" panose="02020603050405020304" pitchFamily="18" charset="0"/>
+                <a:cs typeface="Times New Roman" panose="02020603050405020304" pitchFamily="18" charset="0"/>
+              </a:rPr>
+              <a:t>          </a:t>
+            </a:r>
+            <a:r>
               <a:rPr lang="pt-BR" sz="2000" dirty="0" err="1">
                 <a:solidFill>
                   <a:schemeClr val="tx1"/>
@@ -9808,7 +10057,7 @@
                 <a:latin typeface="Times New Roman" panose="02020603050405020304" pitchFamily="18" charset="0"/>
                 <a:cs typeface="Times New Roman" panose="02020603050405020304" pitchFamily="18" charset="0"/>
               </a:rPr>
-              <a:t>function</a:t>
+              <a:t>let</a:t>
             </a:r>
             <a:r>
               <a:rPr lang="pt-BR" sz="2000" dirty="0">
@@ -9818,7 +10067,7 @@
                 <a:latin typeface="Times New Roman" panose="02020603050405020304" pitchFamily="18" charset="0"/>
                 <a:cs typeface="Times New Roman" panose="02020603050405020304" pitchFamily="18" charset="0"/>
               </a:rPr>
-              <a:t> () {</a:t>
+              <a:t> h2 = $('h2');</a:t>
             </a:r>
           </a:p>
           <a:p>
@@ -9833,17 +10082,17 @@
                 <a:latin typeface="Times New Roman" panose="02020603050405020304" pitchFamily="18" charset="0"/>
                 <a:cs typeface="Times New Roman" panose="02020603050405020304" pitchFamily="18" charset="0"/>
               </a:rPr>
-              <a:t>          </a:t>
-            </a:r>
-            <a:r>
-              <a:rPr lang="pt-BR" sz="2000" dirty="0" err="1">
-                <a:solidFill>
-                  <a:schemeClr val="tx1"/>
-                </a:solidFill>
-                <a:latin typeface="Times New Roman" panose="02020603050405020304" pitchFamily="18" charset="0"/>
-                <a:cs typeface="Times New Roman" panose="02020603050405020304" pitchFamily="18" charset="0"/>
-              </a:rPr>
-              <a:t>let</a:t>
+              <a:t>          h2.</a:t>
+            </a:r>
+            <a:r>
+              <a:rPr lang="pt-BR" sz="2000" b="1" dirty="0">
+                <a:solidFill>
+                  <a:schemeClr val="tx1"/>
+                </a:solidFill>
+                <a:latin typeface="Times New Roman" panose="02020603050405020304" pitchFamily="18" charset="0"/>
+                <a:cs typeface="Times New Roman" panose="02020603050405020304" pitchFamily="18" charset="0"/>
+              </a:rPr>
+              <a:t>append</a:t>
             </a:r>
             <a:r>
               <a:rPr lang="pt-BR" sz="2000" dirty="0">
@@ -9853,22 +10102,7 @@
                 <a:latin typeface="Times New Roman" panose="02020603050405020304" pitchFamily="18" charset="0"/>
                 <a:cs typeface="Times New Roman" panose="02020603050405020304" pitchFamily="18" charset="0"/>
               </a:rPr>
-              <a:t> h2 = $('h2');</a:t>
-            </a:r>
-          </a:p>
-          <a:p>
-            <a:pPr marL="0" indent="0" algn="just">
-              <a:buNone/>
-            </a:pPr>
-            <a:r>
-              <a:rPr lang="pt-BR" sz="2000" dirty="0">
-                <a:solidFill>
-                  <a:schemeClr val="tx1"/>
-                </a:solidFill>
-                <a:latin typeface="Times New Roman" panose="02020603050405020304" pitchFamily="18" charset="0"/>
-                <a:cs typeface="Times New Roman" panose="02020603050405020304" pitchFamily="18" charset="0"/>
-              </a:rPr>
-              <a:t>          h2.append(' Acrescentando mais texto no h2');</a:t>
+              <a:t>(' Acrescentando mais texto no h2');</a:t>
             </a:r>
           </a:p>
           <a:p>
@@ -9933,6 +10167,41 @@
               <a:t>').click(</a:t>
             </a:r>
             <a:r>
+              <a:rPr lang="pt-BR" sz="2000" b="1" dirty="0" err="1">
+                <a:solidFill>
+                  <a:schemeClr val="tx1"/>
+                </a:solidFill>
+                <a:latin typeface="Times New Roman" panose="02020603050405020304" pitchFamily="18" charset="0"/>
+                <a:cs typeface="Times New Roman" panose="02020603050405020304" pitchFamily="18" charset="0"/>
+              </a:rPr>
+              <a:t>function</a:t>
+            </a:r>
+            <a:r>
+              <a:rPr lang="pt-BR" sz="2000" dirty="0">
+                <a:solidFill>
+                  <a:schemeClr val="tx1"/>
+                </a:solidFill>
+                <a:latin typeface="Times New Roman" panose="02020603050405020304" pitchFamily="18" charset="0"/>
+                <a:cs typeface="Times New Roman" panose="02020603050405020304" pitchFamily="18" charset="0"/>
+              </a:rPr>
+              <a:t> () {</a:t>
+            </a:r>
+          </a:p>
+          <a:p>
+            <a:pPr marL="0" indent="0" algn="just">
+              <a:buNone/>
+            </a:pPr>
+            <a:r>
+              <a:rPr lang="pt-BR" sz="2000" dirty="0">
+                <a:solidFill>
+                  <a:schemeClr val="tx1"/>
+                </a:solidFill>
+                <a:latin typeface="Times New Roman" panose="02020603050405020304" pitchFamily="18" charset="0"/>
+                <a:cs typeface="Times New Roman" panose="02020603050405020304" pitchFamily="18" charset="0"/>
+              </a:rPr>
+              <a:t>          </a:t>
+            </a:r>
+            <a:r>
               <a:rPr lang="pt-BR" sz="2000" dirty="0" err="1">
                 <a:solidFill>
                   <a:schemeClr val="tx1"/>
@@ -9940,7 +10209,7 @@
                 <a:latin typeface="Times New Roman" panose="02020603050405020304" pitchFamily="18" charset="0"/>
                 <a:cs typeface="Times New Roman" panose="02020603050405020304" pitchFamily="18" charset="0"/>
               </a:rPr>
-              <a:t>function</a:t>
+              <a:t>let</a:t>
             </a:r>
             <a:r>
               <a:rPr lang="pt-BR" sz="2000" dirty="0">
@@ -9950,7 +10219,7 @@
                 <a:latin typeface="Times New Roman" panose="02020603050405020304" pitchFamily="18" charset="0"/>
                 <a:cs typeface="Times New Roman" panose="02020603050405020304" pitchFamily="18" charset="0"/>
               </a:rPr>
-              <a:t> () {</a:t>
+              <a:t> h3 = $('h3');</a:t>
             </a:r>
           </a:p>
           <a:p>
@@ -9965,17 +10234,17 @@
                 <a:latin typeface="Times New Roman" panose="02020603050405020304" pitchFamily="18" charset="0"/>
                 <a:cs typeface="Times New Roman" panose="02020603050405020304" pitchFamily="18" charset="0"/>
               </a:rPr>
-              <a:t>          </a:t>
-            </a:r>
-            <a:r>
-              <a:rPr lang="pt-BR" sz="2000" dirty="0" err="1">
-                <a:solidFill>
-                  <a:schemeClr val="tx1"/>
-                </a:solidFill>
-                <a:latin typeface="Times New Roman" panose="02020603050405020304" pitchFamily="18" charset="0"/>
-                <a:cs typeface="Times New Roman" panose="02020603050405020304" pitchFamily="18" charset="0"/>
-              </a:rPr>
-              <a:t>let</a:t>
+              <a:t>          h3.</a:t>
+            </a:r>
+            <a:r>
+              <a:rPr lang="pt-BR" sz="2000" b="1" dirty="0">
+                <a:solidFill>
+                  <a:schemeClr val="tx1"/>
+                </a:solidFill>
+                <a:latin typeface="Times New Roman" panose="02020603050405020304" pitchFamily="18" charset="0"/>
+                <a:cs typeface="Times New Roman" panose="02020603050405020304" pitchFamily="18" charset="0"/>
+              </a:rPr>
+              <a:t>html</a:t>
             </a:r>
             <a:r>
               <a:rPr lang="pt-BR" sz="2000" dirty="0">
@@ -9985,22 +10254,7 @@
                 <a:latin typeface="Times New Roman" panose="02020603050405020304" pitchFamily="18" charset="0"/>
                 <a:cs typeface="Times New Roman" panose="02020603050405020304" pitchFamily="18" charset="0"/>
               </a:rPr>
-              <a:t> h3 = $('h3');</a:t>
-            </a:r>
-          </a:p>
-          <a:p>
-            <a:pPr marL="0" indent="0" algn="just">
-              <a:buNone/>
-            </a:pPr>
-            <a:r>
-              <a:rPr lang="pt-BR" sz="2000" dirty="0">
-                <a:solidFill>
-                  <a:schemeClr val="tx1"/>
-                </a:solidFill>
-                <a:latin typeface="Times New Roman" panose="02020603050405020304" pitchFamily="18" charset="0"/>
-                <a:cs typeface="Times New Roman" panose="02020603050405020304" pitchFamily="18" charset="0"/>
-              </a:rPr>
-              <a:t>          h3.html('&lt;b&gt;Alterou&lt;/</a:t>
+              <a:t>('&lt;b&gt;Alterou&lt;/</a:t>
             </a:r>
             <a:r>
               <a:rPr lang="pt-BR" sz="2000" dirty="0" err="1">
@@ -10216,6 +10470,61 @@
               <a:t>').click(</a:t>
             </a:r>
             <a:r>
+              <a:rPr lang="pt-BR" sz="2000" b="1" dirty="0" err="1">
+                <a:solidFill>
+                  <a:schemeClr val="tx1"/>
+                </a:solidFill>
+                <a:latin typeface="Times New Roman" panose="02020603050405020304" pitchFamily="18" charset="0"/>
+                <a:cs typeface="Times New Roman" panose="02020603050405020304" pitchFamily="18" charset="0"/>
+              </a:rPr>
+              <a:t>function</a:t>
+            </a:r>
+            <a:r>
+              <a:rPr lang="pt-BR" sz="2000" dirty="0">
+                <a:solidFill>
+                  <a:schemeClr val="tx1"/>
+                </a:solidFill>
+                <a:latin typeface="Times New Roman" panose="02020603050405020304" pitchFamily="18" charset="0"/>
+                <a:cs typeface="Times New Roman" panose="02020603050405020304" pitchFamily="18" charset="0"/>
+              </a:rPr>
+              <a:t> () {</a:t>
+            </a:r>
+          </a:p>
+          <a:p>
+            <a:pPr marL="0" indent="0" algn="just">
+              <a:buNone/>
+            </a:pPr>
+            <a:r>
+              <a:rPr lang="pt-BR" sz="2000" dirty="0">
+                <a:solidFill>
+                  <a:schemeClr val="tx1"/>
+                </a:solidFill>
+                <a:latin typeface="Times New Roman" panose="02020603050405020304" pitchFamily="18" charset="0"/>
+                <a:cs typeface="Times New Roman" panose="02020603050405020304" pitchFamily="18" charset="0"/>
+              </a:rPr>
+              <a:t>          </a:t>
+            </a:r>
+            <a:r>
+              <a:rPr lang="pt-BR" sz="2000" b="1" dirty="0" err="1">
+                <a:solidFill>
+                  <a:schemeClr val="tx1"/>
+                </a:solidFill>
+                <a:latin typeface="Times New Roman" panose="02020603050405020304" pitchFamily="18" charset="0"/>
+                <a:cs typeface="Times New Roman" panose="02020603050405020304" pitchFamily="18" charset="0"/>
+              </a:rPr>
+              <a:t>let</a:t>
+            </a:r>
+            <a:r>
+              <a:rPr lang="pt-BR" sz="2000" dirty="0">
+                <a:solidFill>
+                  <a:schemeClr val="tx1"/>
+                </a:solidFill>
+                <a:latin typeface="Times New Roman" panose="02020603050405020304" pitchFamily="18" charset="0"/>
+                <a:cs typeface="Times New Roman" panose="02020603050405020304" pitchFamily="18" charset="0"/>
+              </a:rPr>
+              <a:t> </a:t>
+            </a:r>
+            <a:r>
               <a:rPr lang="pt-BR" sz="2000" dirty="0" err="1">
                 <a:solidFill>
                   <a:schemeClr val="tx1"/>
@@ -10223,6 +10532,141 @@
                 <a:latin typeface="Times New Roman" panose="02020603050405020304" pitchFamily="18" charset="0"/>
                 <a:cs typeface="Times New Roman" panose="02020603050405020304" pitchFamily="18" charset="0"/>
               </a:rPr>
+              <a:t>inputText</a:t>
+            </a:r>
+            <a:r>
+              <a:rPr lang="pt-BR" sz="2000" dirty="0">
+                <a:solidFill>
+                  <a:schemeClr val="tx1"/>
+                </a:solidFill>
+                <a:latin typeface="Times New Roman" panose="02020603050405020304" pitchFamily="18" charset="0"/>
+                <a:cs typeface="Times New Roman" panose="02020603050405020304" pitchFamily="18" charset="0"/>
+              </a:rPr>
+              <a:t> = $('#</a:t>
+            </a:r>
+            <a:r>
+              <a:rPr lang="pt-BR" sz="2000" dirty="0" err="1">
+                <a:solidFill>
+                  <a:schemeClr val="tx1"/>
+                </a:solidFill>
+                <a:latin typeface="Times New Roman" panose="02020603050405020304" pitchFamily="18" charset="0"/>
+                <a:cs typeface="Times New Roman" panose="02020603050405020304" pitchFamily="18" charset="0"/>
+              </a:rPr>
+              <a:t>inputText</a:t>
+            </a:r>
+            <a:r>
+              <a:rPr lang="pt-BR" sz="2000" dirty="0">
+                <a:solidFill>
+                  <a:schemeClr val="tx1"/>
+                </a:solidFill>
+                <a:latin typeface="Times New Roman" panose="02020603050405020304" pitchFamily="18" charset="0"/>
+                <a:cs typeface="Times New Roman" panose="02020603050405020304" pitchFamily="18" charset="0"/>
+              </a:rPr>
+              <a:t>');</a:t>
+            </a:r>
+          </a:p>
+          <a:p>
+            <a:pPr marL="0" indent="0" algn="just">
+              <a:buNone/>
+            </a:pPr>
+            <a:r>
+              <a:rPr lang="pt-BR" sz="2000" dirty="0">
+                <a:solidFill>
+                  <a:schemeClr val="tx1"/>
+                </a:solidFill>
+                <a:latin typeface="Times New Roman" panose="02020603050405020304" pitchFamily="18" charset="0"/>
+                <a:cs typeface="Times New Roman" panose="02020603050405020304" pitchFamily="18" charset="0"/>
+              </a:rPr>
+              <a:t>          </a:t>
+            </a:r>
+            <a:r>
+              <a:rPr lang="pt-BR" sz="2000" dirty="0" err="1">
+                <a:solidFill>
+                  <a:schemeClr val="tx1"/>
+                </a:solidFill>
+                <a:latin typeface="Times New Roman" panose="02020603050405020304" pitchFamily="18" charset="0"/>
+                <a:cs typeface="Times New Roman" panose="02020603050405020304" pitchFamily="18" charset="0"/>
+              </a:rPr>
+              <a:t>inputText.</a:t>
+            </a:r>
+            <a:r>
+              <a:rPr lang="pt-BR" sz="2000" b="1" dirty="0" err="1">
+                <a:solidFill>
+                  <a:schemeClr val="tx1"/>
+                </a:solidFill>
+                <a:latin typeface="Times New Roman" panose="02020603050405020304" pitchFamily="18" charset="0"/>
+                <a:cs typeface="Times New Roman" panose="02020603050405020304" pitchFamily="18" charset="0"/>
+              </a:rPr>
+              <a:t>val</a:t>
+            </a:r>
+            <a:r>
+              <a:rPr lang="pt-BR" sz="2000" dirty="0">
+                <a:solidFill>
+                  <a:schemeClr val="tx1"/>
+                </a:solidFill>
+                <a:latin typeface="Times New Roman" panose="02020603050405020304" pitchFamily="18" charset="0"/>
+                <a:cs typeface="Times New Roman" panose="02020603050405020304" pitchFamily="18" charset="0"/>
+              </a:rPr>
+              <a:t>('Julia Cardoso');</a:t>
+            </a:r>
+          </a:p>
+          <a:p>
+            <a:pPr marL="0" indent="0" algn="just">
+              <a:buNone/>
+            </a:pPr>
+            <a:r>
+              <a:rPr lang="pt-BR" sz="2000" dirty="0">
+                <a:solidFill>
+                  <a:schemeClr val="tx1"/>
+                </a:solidFill>
+                <a:latin typeface="Times New Roman" panose="02020603050405020304" pitchFamily="18" charset="0"/>
+                <a:cs typeface="Times New Roman" panose="02020603050405020304" pitchFamily="18" charset="0"/>
+              </a:rPr>
+              <a:t>        });</a:t>
+            </a:r>
+          </a:p>
+          <a:p>
+            <a:pPr marL="0" indent="0" algn="just">
+              <a:buNone/>
+            </a:pPr>
+            <a:r>
+              <a:rPr lang="pt-BR" sz="2000" dirty="0">
+                <a:solidFill>
+                  <a:schemeClr val="tx1"/>
+                </a:solidFill>
+                <a:latin typeface="Times New Roman" panose="02020603050405020304" pitchFamily="18" charset="0"/>
+                <a:cs typeface="Times New Roman" panose="02020603050405020304" pitchFamily="18" charset="0"/>
+              </a:rPr>
+              <a:t>        $('#</a:t>
+            </a:r>
+            <a:r>
+              <a:rPr lang="pt-BR" sz="2000" b="1" dirty="0">
+                <a:solidFill>
+                  <a:schemeClr val="tx1"/>
+                </a:solidFill>
+                <a:latin typeface="Times New Roman" panose="02020603050405020304" pitchFamily="18" charset="0"/>
+                <a:cs typeface="Times New Roman" panose="02020603050405020304" pitchFamily="18" charset="0"/>
+              </a:rPr>
+              <a:t>inputButton4</a:t>
+            </a:r>
+            <a:r>
+              <a:rPr lang="pt-BR" sz="2000" dirty="0">
+                <a:solidFill>
+                  <a:schemeClr val="tx1"/>
+                </a:solidFill>
+                <a:latin typeface="Times New Roman" panose="02020603050405020304" pitchFamily="18" charset="0"/>
+                <a:cs typeface="Times New Roman" panose="02020603050405020304" pitchFamily="18" charset="0"/>
+              </a:rPr>
+              <a:t>').click(</a:t>
+            </a:r>
+            <a:r>
+              <a:rPr lang="pt-BR" sz="2000" b="1" dirty="0" err="1">
+                <a:solidFill>
+                  <a:schemeClr val="tx1"/>
+                </a:solidFill>
+                <a:latin typeface="Times New Roman" panose="02020603050405020304" pitchFamily="18" charset="0"/>
+                <a:cs typeface="Times New Roman" panose="02020603050405020304" pitchFamily="18" charset="0"/>
+              </a:rPr>
               <a:t>function</a:t>
             </a:r>
             <a:r>
@@ -10251,6 +10695,41 @@
               <a:t>          </a:t>
             </a:r>
             <a:r>
+              <a:rPr lang="pt-BR" sz="2000" b="1" dirty="0" err="1">
+                <a:solidFill>
+                  <a:schemeClr val="tx1"/>
+                </a:solidFill>
+                <a:latin typeface="Times New Roman" panose="02020603050405020304" pitchFamily="18" charset="0"/>
+                <a:cs typeface="Times New Roman" panose="02020603050405020304" pitchFamily="18" charset="0"/>
+              </a:rPr>
+              <a:t>let</a:t>
+            </a:r>
+            <a:r>
+              <a:rPr lang="pt-BR" sz="2000" dirty="0">
+                <a:solidFill>
+                  <a:schemeClr val="tx1"/>
+                </a:solidFill>
+                <a:latin typeface="Times New Roman" panose="02020603050405020304" pitchFamily="18" charset="0"/>
+                <a:cs typeface="Times New Roman" panose="02020603050405020304" pitchFamily="18" charset="0"/>
+              </a:rPr>
+              <a:t> link = $('#link');</a:t>
+            </a:r>
+          </a:p>
+          <a:p>
+            <a:pPr marL="0" indent="0" algn="just">
+              <a:buNone/>
+            </a:pPr>
+            <a:r>
+              <a:rPr lang="pt-BR" sz="2000" dirty="0">
+                <a:solidFill>
+                  <a:schemeClr val="tx1"/>
+                </a:solidFill>
+                <a:latin typeface="Times New Roman" panose="02020603050405020304" pitchFamily="18" charset="0"/>
+                <a:cs typeface="Times New Roman" panose="02020603050405020304" pitchFamily="18" charset="0"/>
+              </a:rPr>
+              <a:t>          </a:t>
+            </a:r>
+            <a:r>
               <a:rPr lang="pt-BR" sz="2000" dirty="0" err="1">
                 <a:solidFill>
                   <a:schemeClr val="tx1"/>
@@ -10258,7 +10737,17 @@
                 <a:latin typeface="Times New Roman" panose="02020603050405020304" pitchFamily="18" charset="0"/>
                 <a:cs typeface="Times New Roman" panose="02020603050405020304" pitchFamily="18" charset="0"/>
               </a:rPr>
-              <a:t>let</a:t>
+              <a:t>link.</a:t>
+            </a:r>
+            <a:r>
+              <a:rPr lang="pt-BR" sz="2000" b="1" dirty="0" err="1">
+                <a:solidFill>
+                  <a:schemeClr val="tx1"/>
+                </a:solidFill>
+                <a:latin typeface="Times New Roman" panose="02020603050405020304" pitchFamily="18" charset="0"/>
+                <a:cs typeface="Times New Roman" panose="02020603050405020304" pitchFamily="18" charset="0"/>
+              </a:rPr>
+              <a:t>attr</a:t>
             </a:r>
             <a:r>
               <a:rPr lang="pt-BR" sz="2000" dirty="0">
@@ -10268,7 +10757,7 @@
                 <a:latin typeface="Times New Roman" panose="02020603050405020304" pitchFamily="18" charset="0"/>
                 <a:cs typeface="Times New Roman" panose="02020603050405020304" pitchFamily="18" charset="0"/>
               </a:rPr>
-              <a:t> </a:t>
+              <a:t>('</a:t>
             </a:r>
             <a:r>
               <a:rPr lang="pt-BR" sz="2000" dirty="0" err="1">
@@ -10278,7 +10767,7 @@
                 <a:latin typeface="Times New Roman" panose="02020603050405020304" pitchFamily="18" charset="0"/>
                 <a:cs typeface="Times New Roman" panose="02020603050405020304" pitchFamily="18" charset="0"/>
               </a:rPr>
-              <a:t>inputText</a:t>
+              <a:t>href</a:t>
             </a:r>
             <a:r>
               <a:rPr lang="pt-BR" sz="2000" dirty="0">
@@ -10288,18 +10777,13 @@
                 <a:latin typeface="Times New Roman" panose="02020603050405020304" pitchFamily="18" charset="0"/>
                 <a:cs typeface="Times New Roman" panose="02020603050405020304" pitchFamily="18" charset="0"/>
               </a:rPr>
-              <a:t> = $('#</a:t>
-            </a:r>
-            <a:r>
-              <a:rPr lang="pt-BR" sz="2000" dirty="0" err="1">
-                <a:solidFill>
-                  <a:schemeClr val="tx1"/>
-                </a:solidFill>
-                <a:latin typeface="Times New Roman" panose="02020603050405020304" pitchFamily="18" charset="0"/>
-                <a:cs typeface="Times New Roman" panose="02020603050405020304" pitchFamily="18" charset="0"/>
-              </a:rPr>
-              <a:t>inputText</a:t>
-            </a:r>
+              <a:t>', 'https://www.globo.com/');</a:t>
+            </a:r>
+          </a:p>
+          <a:p>
+            <a:pPr marL="0" indent="0" algn="just">
+              <a:buNone/>
+            </a:pPr>
             <a:r>
               <a:rPr lang="pt-BR" sz="2000" dirty="0">
                 <a:solidFill>
@@ -10308,13 +10792,18 @@
                 <a:latin typeface="Times New Roman" panose="02020603050405020304" pitchFamily="18" charset="0"/>
                 <a:cs typeface="Times New Roman" panose="02020603050405020304" pitchFamily="18" charset="0"/>
               </a:rPr>
-              <a:t>');</a:t>
-            </a:r>
-          </a:p>
-          <a:p>
-            <a:pPr marL="0" indent="0" algn="just">
-              <a:buNone/>
-            </a:pPr>
+              <a:t>           link.</a:t>
+            </a:r>
+            <a:r>
+              <a:rPr lang="pt-BR" sz="2000" b="1" dirty="0">
+                <a:solidFill>
+                  <a:schemeClr val="tx1"/>
+                </a:solidFill>
+                <a:latin typeface="Times New Roman" panose="02020603050405020304" pitchFamily="18" charset="0"/>
+                <a:cs typeface="Times New Roman" panose="02020603050405020304" pitchFamily="18" charset="0"/>
+              </a:rPr>
+              <a:t>html</a:t>
+            </a:r>
             <a:r>
               <a:rPr lang="pt-BR" sz="2000" dirty="0">
                 <a:solidFill>
@@ -10323,202 +10812,7 @@
                 <a:latin typeface="Times New Roman" panose="02020603050405020304" pitchFamily="18" charset="0"/>
                 <a:cs typeface="Times New Roman" panose="02020603050405020304" pitchFamily="18" charset="0"/>
               </a:rPr>
-              <a:t>          </a:t>
-            </a:r>
-            <a:r>
-              <a:rPr lang="pt-BR" sz="2000" dirty="0" err="1">
-                <a:solidFill>
-                  <a:schemeClr val="tx1"/>
-                </a:solidFill>
-                <a:latin typeface="Times New Roman" panose="02020603050405020304" pitchFamily="18" charset="0"/>
-                <a:cs typeface="Times New Roman" panose="02020603050405020304" pitchFamily="18" charset="0"/>
-              </a:rPr>
-              <a:t>inputText.val</a:t>
-            </a:r>
-            <a:r>
-              <a:rPr lang="pt-BR" sz="2000" dirty="0">
-                <a:solidFill>
-                  <a:schemeClr val="tx1"/>
-                </a:solidFill>
-                <a:latin typeface="Times New Roman" panose="02020603050405020304" pitchFamily="18" charset="0"/>
-                <a:cs typeface="Times New Roman" panose="02020603050405020304" pitchFamily="18" charset="0"/>
-              </a:rPr>
-              <a:t>('Julia Cardoso');</a:t>
-            </a:r>
-          </a:p>
-          <a:p>
-            <a:pPr marL="0" indent="0" algn="just">
-              <a:buNone/>
-            </a:pPr>
-            <a:r>
-              <a:rPr lang="pt-BR" sz="2000" dirty="0">
-                <a:solidFill>
-                  <a:schemeClr val="tx1"/>
-                </a:solidFill>
-                <a:latin typeface="Times New Roman" panose="02020603050405020304" pitchFamily="18" charset="0"/>
-                <a:cs typeface="Times New Roman" panose="02020603050405020304" pitchFamily="18" charset="0"/>
-              </a:rPr>
-              <a:t>        });</a:t>
-            </a:r>
-          </a:p>
-          <a:p>
-            <a:pPr marL="0" indent="0" algn="just">
-              <a:buNone/>
-            </a:pPr>
-            <a:r>
-              <a:rPr lang="pt-BR" sz="2000" dirty="0">
-                <a:solidFill>
-                  <a:schemeClr val="tx1"/>
-                </a:solidFill>
-                <a:latin typeface="Times New Roman" panose="02020603050405020304" pitchFamily="18" charset="0"/>
-                <a:cs typeface="Times New Roman" panose="02020603050405020304" pitchFamily="18" charset="0"/>
-              </a:rPr>
-              <a:t>        $('#</a:t>
-            </a:r>
-            <a:r>
-              <a:rPr lang="pt-BR" sz="2000" b="1" dirty="0">
-                <a:solidFill>
-                  <a:schemeClr val="tx1"/>
-                </a:solidFill>
-                <a:latin typeface="Times New Roman" panose="02020603050405020304" pitchFamily="18" charset="0"/>
-                <a:cs typeface="Times New Roman" panose="02020603050405020304" pitchFamily="18" charset="0"/>
-              </a:rPr>
-              <a:t>inputButton4</a:t>
-            </a:r>
-            <a:r>
-              <a:rPr lang="pt-BR" sz="2000" dirty="0">
-                <a:solidFill>
-                  <a:schemeClr val="tx1"/>
-                </a:solidFill>
-                <a:latin typeface="Times New Roman" panose="02020603050405020304" pitchFamily="18" charset="0"/>
-                <a:cs typeface="Times New Roman" panose="02020603050405020304" pitchFamily="18" charset="0"/>
-              </a:rPr>
-              <a:t>').click(</a:t>
-            </a:r>
-            <a:r>
-              <a:rPr lang="pt-BR" sz="2000" dirty="0" err="1">
-                <a:solidFill>
-                  <a:schemeClr val="tx1"/>
-                </a:solidFill>
-                <a:latin typeface="Times New Roman" panose="02020603050405020304" pitchFamily="18" charset="0"/>
-                <a:cs typeface="Times New Roman" panose="02020603050405020304" pitchFamily="18" charset="0"/>
-              </a:rPr>
-              <a:t>function</a:t>
-            </a:r>
-            <a:r>
-              <a:rPr lang="pt-BR" sz="2000" dirty="0">
-                <a:solidFill>
-                  <a:schemeClr val="tx1"/>
-                </a:solidFill>
-                <a:latin typeface="Times New Roman" panose="02020603050405020304" pitchFamily="18" charset="0"/>
-                <a:cs typeface="Times New Roman" panose="02020603050405020304" pitchFamily="18" charset="0"/>
-              </a:rPr>
-              <a:t> () {</a:t>
-            </a:r>
-          </a:p>
-          <a:p>
-            <a:pPr marL="0" indent="0" algn="just">
-              <a:buNone/>
-            </a:pPr>
-            <a:r>
-              <a:rPr lang="pt-BR" sz="2000" dirty="0">
-                <a:solidFill>
-                  <a:schemeClr val="tx1"/>
-                </a:solidFill>
-                <a:latin typeface="Times New Roman" panose="02020603050405020304" pitchFamily="18" charset="0"/>
-                <a:cs typeface="Times New Roman" panose="02020603050405020304" pitchFamily="18" charset="0"/>
-              </a:rPr>
-              <a:t>          </a:t>
-            </a:r>
-            <a:r>
-              <a:rPr lang="pt-BR" sz="2000" dirty="0" err="1">
-                <a:solidFill>
-                  <a:schemeClr val="tx1"/>
-                </a:solidFill>
-                <a:latin typeface="Times New Roman" panose="02020603050405020304" pitchFamily="18" charset="0"/>
-                <a:cs typeface="Times New Roman" panose="02020603050405020304" pitchFamily="18" charset="0"/>
-              </a:rPr>
-              <a:t>let</a:t>
-            </a:r>
-            <a:r>
-              <a:rPr lang="pt-BR" sz="2000" dirty="0">
-                <a:solidFill>
-                  <a:schemeClr val="tx1"/>
-                </a:solidFill>
-                <a:latin typeface="Times New Roman" panose="02020603050405020304" pitchFamily="18" charset="0"/>
-                <a:cs typeface="Times New Roman" panose="02020603050405020304" pitchFamily="18" charset="0"/>
-              </a:rPr>
-              <a:t> link = $('#link');</a:t>
-            </a:r>
-          </a:p>
-          <a:p>
-            <a:pPr marL="0" indent="0" algn="just">
-              <a:buNone/>
-            </a:pPr>
-            <a:r>
-              <a:rPr lang="pt-BR" sz="2000" dirty="0">
-                <a:solidFill>
-                  <a:schemeClr val="tx1"/>
-                </a:solidFill>
-                <a:latin typeface="Times New Roman" panose="02020603050405020304" pitchFamily="18" charset="0"/>
-                <a:cs typeface="Times New Roman" panose="02020603050405020304" pitchFamily="18" charset="0"/>
-              </a:rPr>
-              <a:t>          </a:t>
-            </a:r>
-            <a:r>
-              <a:rPr lang="pt-BR" sz="2000" dirty="0" err="1">
-                <a:solidFill>
-                  <a:schemeClr val="tx1"/>
-                </a:solidFill>
-                <a:latin typeface="Times New Roman" panose="02020603050405020304" pitchFamily="18" charset="0"/>
-                <a:cs typeface="Times New Roman" panose="02020603050405020304" pitchFamily="18" charset="0"/>
-              </a:rPr>
-              <a:t>link.attr</a:t>
-            </a:r>
-            <a:r>
-              <a:rPr lang="pt-BR" sz="2000" dirty="0">
-                <a:solidFill>
-                  <a:schemeClr val="tx1"/>
-                </a:solidFill>
-                <a:latin typeface="Times New Roman" panose="02020603050405020304" pitchFamily="18" charset="0"/>
-                <a:cs typeface="Times New Roman" panose="02020603050405020304" pitchFamily="18" charset="0"/>
-              </a:rPr>
-              <a:t>('</a:t>
-            </a:r>
-            <a:r>
-              <a:rPr lang="pt-BR" sz="2000" dirty="0" err="1">
-                <a:solidFill>
-                  <a:schemeClr val="tx1"/>
-                </a:solidFill>
-                <a:latin typeface="Times New Roman" panose="02020603050405020304" pitchFamily="18" charset="0"/>
-                <a:cs typeface="Times New Roman" panose="02020603050405020304" pitchFamily="18" charset="0"/>
-              </a:rPr>
-              <a:t>href</a:t>
-            </a:r>
-            <a:r>
-              <a:rPr lang="pt-BR" sz="2000" dirty="0">
-                <a:solidFill>
-                  <a:schemeClr val="tx1"/>
-                </a:solidFill>
-                <a:latin typeface="Times New Roman" panose="02020603050405020304" pitchFamily="18" charset="0"/>
-                <a:cs typeface="Times New Roman" panose="02020603050405020304" pitchFamily="18" charset="0"/>
-              </a:rPr>
-              <a:t>', 'https://www.globo.com/');</a:t>
-            </a:r>
-          </a:p>
-          <a:p>
-            <a:pPr marL="0" indent="0" algn="just">
-              <a:buNone/>
-            </a:pPr>
-            <a:r>
-              <a:rPr lang="pt-BR" sz="2000" dirty="0">
-                <a:solidFill>
-                  <a:schemeClr val="tx1"/>
-                </a:solidFill>
-                <a:latin typeface="Times New Roman" panose="02020603050405020304" pitchFamily="18" charset="0"/>
-                <a:cs typeface="Times New Roman" panose="02020603050405020304" pitchFamily="18" charset="0"/>
-              </a:rPr>
-              <a:t>           link.html('Globo');</a:t>
+              <a:t>('Globo');</a:t>
             </a:r>
           </a:p>
           <a:p>
@@ -11176,7 +11470,7 @@
               <a:t>').click(</a:t>
             </a:r>
             <a:r>
-              <a:rPr lang="pt-BR" sz="2000" dirty="0" err="1">
+              <a:rPr lang="pt-BR" sz="2000" b="1" dirty="0" err="1">
                 <a:solidFill>
                   <a:schemeClr val="tx1"/>
                 </a:solidFill>
@@ -11211,7 +11505,7 @@
               <a:t>          </a:t>
             </a:r>
             <a:r>
-              <a:rPr lang="pt-BR" sz="2000" dirty="0" err="1">
+              <a:rPr lang="pt-BR" sz="2000" b="1" dirty="0" err="1">
                 <a:solidFill>
                   <a:schemeClr val="tx1"/>
                 </a:solidFill>
@@ -11368,6 +11662,61 @@
               <a:t>').click(</a:t>
             </a:r>
             <a:r>
+              <a:rPr lang="pt-BR" sz="2000" b="1" dirty="0" err="1">
+                <a:solidFill>
+                  <a:schemeClr val="tx1"/>
+                </a:solidFill>
+                <a:latin typeface="Times New Roman" panose="02020603050405020304" pitchFamily="18" charset="0"/>
+                <a:cs typeface="Times New Roman" panose="02020603050405020304" pitchFamily="18" charset="0"/>
+              </a:rPr>
+              <a:t>function</a:t>
+            </a:r>
+            <a:r>
+              <a:rPr lang="pt-BR" sz="2000" dirty="0">
+                <a:solidFill>
+                  <a:schemeClr val="tx1"/>
+                </a:solidFill>
+                <a:latin typeface="Times New Roman" panose="02020603050405020304" pitchFamily="18" charset="0"/>
+                <a:cs typeface="Times New Roman" panose="02020603050405020304" pitchFamily="18" charset="0"/>
+              </a:rPr>
+              <a:t> () {</a:t>
+            </a:r>
+          </a:p>
+          <a:p>
+            <a:pPr marL="0" indent="0" algn="just">
+              <a:buNone/>
+            </a:pPr>
+            <a:r>
+              <a:rPr lang="pt-BR" sz="2000" dirty="0">
+                <a:solidFill>
+                  <a:schemeClr val="tx1"/>
+                </a:solidFill>
+                <a:latin typeface="Times New Roman" panose="02020603050405020304" pitchFamily="18" charset="0"/>
+                <a:cs typeface="Times New Roman" panose="02020603050405020304" pitchFamily="18" charset="0"/>
+              </a:rPr>
+              <a:t>          $(</a:t>
+            </a:r>
+            <a:r>
+              <a:rPr lang="pt-BR" sz="2000" b="1" dirty="0">
+                <a:solidFill>
+                  <a:schemeClr val="tx1"/>
+                </a:solidFill>
+                <a:latin typeface="Times New Roman" panose="02020603050405020304" pitchFamily="18" charset="0"/>
+                <a:cs typeface="Times New Roman" panose="02020603050405020304" pitchFamily="18" charset="0"/>
+              </a:rPr>
+              <a:t>'body</a:t>
+            </a:r>
+            <a:r>
+              <a:rPr lang="pt-BR" sz="2000" dirty="0">
+                <a:solidFill>
+                  <a:schemeClr val="tx1"/>
+                </a:solidFill>
+                <a:latin typeface="Times New Roman" panose="02020603050405020304" pitchFamily="18" charset="0"/>
+                <a:cs typeface="Times New Roman" panose="02020603050405020304" pitchFamily="18" charset="0"/>
+              </a:rPr>
+              <a:t>').</a:t>
+            </a:r>
+            <a:r>
               <a:rPr lang="pt-BR" sz="2000" dirty="0" err="1">
                 <a:solidFill>
                   <a:schemeClr val="tx1"/>
@@ -11375,7 +11724,7 @@
                 <a:latin typeface="Times New Roman" panose="02020603050405020304" pitchFamily="18" charset="0"/>
                 <a:cs typeface="Times New Roman" panose="02020603050405020304" pitchFamily="18" charset="0"/>
               </a:rPr>
-              <a:t>function</a:t>
+              <a:t>prepend</a:t>
             </a:r>
             <a:r>
               <a:rPr lang="pt-BR" sz="2000" dirty="0">
@@ -11385,45 +11734,10 @@
                 <a:latin typeface="Times New Roman" panose="02020603050405020304" pitchFamily="18" charset="0"/>
                 <a:cs typeface="Times New Roman" panose="02020603050405020304" pitchFamily="18" charset="0"/>
               </a:rPr>
-              <a:t> () {</a:t>
-            </a:r>
-          </a:p>
-          <a:p>
-            <a:pPr marL="0" indent="0" algn="just">
-              <a:buNone/>
-            </a:pPr>
-            <a:r>
-              <a:rPr lang="pt-BR" sz="2000" dirty="0">
-                <a:solidFill>
-                  <a:schemeClr val="tx1"/>
-                </a:solidFill>
-                <a:latin typeface="Times New Roman" panose="02020603050405020304" pitchFamily="18" charset="0"/>
-                <a:cs typeface="Times New Roman" panose="02020603050405020304" pitchFamily="18" charset="0"/>
-              </a:rPr>
-              <a:t>          $('body').</a:t>
-            </a:r>
-            <a:r>
-              <a:rPr lang="pt-BR" sz="2000" dirty="0" err="1">
-                <a:solidFill>
-                  <a:schemeClr val="tx1"/>
-                </a:solidFill>
-                <a:latin typeface="Times New Roman" panose="02020603050405020304" pitchFamily="18" charset="0"/>
-                <a:cs typeface="Times New Roman" panose="02020603050405020304" pitchFamily="18" charset="0"/>
-              </a:rPr>
-              <a:t>prepend</a:t>
-            </a:r>
-            <a:r>
-              <a:rPr lang="pt-BR" sz="2000" dirty="0">
-                <a:solidFill>
-                  <a:schemeClr val="tx1"/>
-                </a:solidFill>
-                <a:latin typeface="Times New Roman" panose="02020603050405020304" pitchFamily="18" charset="0"/>
-                <a:cs typeface="Times New Roman" panose="02020603050405020304" pitchFamily="18" charset="0"/>
-              </a:rPr>
               <a:t>('&lt;</a:t>
             </a:r>
             <a:r>
-              <a:rPr lang="pt-BR" sz="2000" dirty="0" err="1">
+              <a:rPr lang="pt-BR" sz="2000" b="1" dirty="0" err="1">
                 <a:solidFill>
                   <a:schemeClr val="tx1"/>
                 </a:solidFill>
@@ -11718,7 +12032,7 @@
               <a:t>').click(</a:t>
             </a:r>
             <a:r>
-              <a:rPr lang="pt-BR" sz="2000" dirty="0" err="1">
+              <a:rPr lang="pt-BR" sz="2000" b="1" dirty="0" err="1">
                 <a:solidFill>
                   <a:schemeClr val="tx1"/>
                 </a:solidFill>
@@ -11815,7 +12129,7 @@
               <a:t>').click(</a:t>
             </a:r>
             <a:r>
-              <a:rPr lang="pt-BR" sz="2000" dirty="0" err="1">
+              <a:rPr lang="pt-BR" sz="2000" b="1" dirty="0" err="1">
                 <a:solidFill>
                   <a:schemeClr val="tx1"/>
                 </a:solidFill>
@@ -12242,7 +12556,7 @@
               <a:t>(</a:t>
             </a:r>
             <a:r>
-              <a:rPr lang="pt-BR" sz="2000" dirty="0" err="1">
+              <a:rPr lang="pt-BR" sz="2000" b="1" dirty="0" err="1">
                 <a:solidFill>
                   <a:schemeClr val="tx1"/>
                 </a:solidFill>
@@ -12919,7 +13233,7 @@
               <a:t>(</a:t>
             </a:r>
             <a:r>
-              <a:rPr lang="pt-BR" sz="2000" dirty="0" err="1">
+              <a:rPr lang="pt-BR" sz="2000" b="1" dirty="0" err="1">
                 <a:solidFill>
                   <a:schemeClr val="tx1"/>
                 </a:solidFill>
@@ -14851,7 +15165,134 @@
                 <a:latin typeface="Times New Roman" panose="02020603050405020304" pitchFamily="18" charset="0"/>
                 <a:cs typeface="Times New Roman" panose="02020603050405020304" pitchFamily="18" charset="0"/>
               </a:rPr>
-              <a:t>: Acesso para arquivo externo precisa de permissão, senão dar erro de </a:t>
+              <a:t>: </a:t>
+            </a:r>
+            <a:r>
+              <a:rPr lang="pt-BR" sz="2400" b="1" dirty="0">
+                <a:solidFill>
+                  <a:srgbClr val="FF0000"/>
+                </a:solidFill>
+                <a:latin typeface="Times New Roman" panose="02020603050405020304" pitchFamily="18" charset="0"/>
+                <a:cs typeface="Times New Roman" panose="02020603050405020304" pitchFamily="18" charset="0"/>
+              </a:rPr>
+              <a:t>Acesso</a:t>
+            </a:r>
+            <a:r>
+              <a:rPr lang="pt-BR" sz="2400" dirty="0">
+                <a:solidFill>
+                  <a:schemeClr val="tx1"/>
+                </a:solidFill>
+                <a:latin typeface="Times New Roman" panose="02020603050405020304" pitchFamily="18" charset="0"/>
+                <a:cs typeface="Times New Roman" panose="02020603050405020304" pitchFamily="18" charset="0"/>
+              </a:rPr>
+              <a:t> para arquivo </a:t>
+            </a:r>
+            <a:r>
+              <a:rPr lang="pt-BR" sz="2400" b="1" dirty="0">
+                <a:solidFill>
+                  <a:srgbClr val="FF0000"/>
+                </a:solidFill>
+                <a:latin typeface="Times New Roman" panose="02020603050405020304" pitchFamily="18" charset="0"/>
+                <a:cs typeface="Times New Roman" panose="02020603050405020304" pitchFamily="18" charset="0"/>
+              </a:rPr>
+              <a:t>externo</a:t>
+            </a:r>
+            <a:r>
+              <a:rPr lang="pt-BR" sz="2400" dirty="0">
+                <a:solidFill>
+                  <a:schemeClr val="tx1"/>
+                </a:solidFill>
+                <a:latin typeface="Times New Roman" panose="02020603050405020304" pitchFamily="18" charset="0"/>
+                <a:cs typeface="Times New Roman" panose="02020603050405020304" pitchFamily="18" charset="0"/>
+              </a:rPr>
+              <a:t> precisa de </a:t>
+            </a:r>
+            <a:r>
+              <a:rPr lang="pt-BR" sz="2400" b="1" dirty="0">
+                <a:solidFill>
+                  <a:srgbClr val="FF0000"/>
+                </a:solidFill>
+                <a:latin typeface="Times New Roman" panose="02020603050405020304" pitchFamily="18" charset="0"/>
+                <a:cs typeface="Times New Roman" panose="02020603050405020304" pitchFamily="18" charset="0"/>
+              </a:rPr>
+              <a:t>permissão</a:t>
+            </a:r>
+            <a:r>
+              <a:rPr lang="pt-BR" sz="2400" dirty="0">
+                <a:solidFill>
+                  <a:schemeClr val="tx1"/>
+                </a:solidFill>
+                <a:latin typeface="Times New Roman" panose="02020603050405020304" pitchFamily="18" charset="0"/>
+                <a:cs typeface="Times New Roman" panose="02020603050405020304" pitchFamily="18" charset="0"/>
+              </a:rPr>
+              <a:t>, senão dar erro de </a:t>
+            </a:r>
+            <a:r>
+              <a:rPr lang="pt-BR" sz="2400" b="1" dirty="0" err="1">
+                <a:solidFill>
+                  <a:srgbClr val="FF0000"/>
+                </a:solidFill>
+                <a:latin typeface="Times New Roman" panose="02020603050405020304" pitchFamily="18" charset="0"/>
+                <a:cs typeface="Times New Roman" panose="02020603050405020304" pitchFamily="18" charset="0"/>
+              </a:rPr>
+              <a:t>Cors</a:t>
+            </a:r>
+            <a:endParaRPr lang="pt-BR" sz="2400" b="1" dirty="0">
+              <a:solidFill>
+                <a:srgbClr val="FF0000"/>
+              </a:solidFill>
+              <a:latin typeface="Times New Roman" panose="02020603050405020304" pitchFamily="18" charset="0"/>
+              <a:cs typeface="Times New Roman" panose="02020603050405020304" pitchFamily="18" charset="0"/>
+            </a:endParaRPr>
+          </a:p>
+          <a:p>
+            <a:pPr marL="0" indent="0" algn="just">
+              <a:buNone/>
+            </a:pPr>
+            <a:r>
+              <a:rPr lang="pt-BR" sz="2400" dirty="0">
+                <a:solidFill>
+                  <a:schemeClr val="tx1"/>
+                </a:solidFill>
+                <a:latin typeface="Times New Roman" panose="02020603050405020304" pitchFamily="18" charset="0"/>
+                <a:cs typeface="Times New Roman" panose="02020603050405020304" pitchFamily="18" charset="0"/>
+              </a:rPr>
+              <a:t> </a:t>
+            </a:r>
+          </a:p>
+          <a:p>
+            <a:pPr marL="0" indent="0" algn="just">
+              <a:buNone/>
+            </a:pPr>
+            <a:r>
+              <a:rPr lang="pt-BR" sz="2400" dirty="0">
+                <a:solidFill>
+                  <a:schemeClr val="tx1"/>
+                </a:solidFill>
+                <a:latin typeface="Times New Roman" panose="02020603050405020304" pitchFamily="18" charset="0"/>
+                <a:cs typeface="Times New Roman" panose="02020603050405020304" pitchFamily="18" charset="0"/>
+              </a:rPr>
+              <a:t>	$(</a:t>
+            </a:r>
+            <a:r>
+              <a:rPr lang="pt-BR" sz="2400" b="1" dirty="0" err="1">
+                <a:solidFill>
+                  <a:schemeClr val="tx1"/>
+                </a:solidFill>
+                <a:latin typeface="Times New Roman" panose="02020603050405020304" pitchFamily="18" charset="0"/>
+                <a:cs typeface="Times New Roman" panose="02020603050405020304" pitchFamily="18" charset="0"/>
+              </a:rPr>
+              <a:t>document</a:t>
+            </a:r>
+            <a:r>
+              <a:rPr lang="pt-BR" sz="2400" dirty="0">
+                <a:solidFill>
+                  <a:schemeClr val="tx1"/>
+                </a:solidFill>
+                <a:latin typeface="Times New Roman" panose="02020603050405020304" pitchFamily="18" charset="0"/>
+                <a:cs typeface="Times New Roman" panose="02020603050405020304" pitchFamily="18" charset="0"/>
+              </a:rPr>
+              <a:t>).</a:t>
             </a:r>
             <a:r>
               <a:rPr lang="pt-BR" sz="2400" dirty="0" err="1">
@@ -14861,8 +15302,350 @@
                 <a:latin typeface="Times New Roman" panose="02020603050405020304" pitchFamily="18" charset="0"/>
                 <a:cs typeface="Times New Roman" panose="02020603050405020304" pitchFamily="18" charset="0"/>
               </a:rPr>
-              <a:t>Cors</a:t>
-            </a:r>
+              <a:t>ready</a:t>
+            </a:r>
+            <a:r>
+              <a:rPr lang="pt-BR" sz="2400" dirty="0">
+                <a:solidFill>
+                  <a:schemeClr val="tx1"/>
+                </a:solidFill>
+                <a:latin typeface="Times New Roman" panose="02020603050405020304" pitchFamily="18" charset="0"/>
+                <a:cs typeface="Times New Roman" panose="02020603050405020304" pitchFamily="18" charset="0"/>
+              </a:rPr>
+              <a:t>(</a:t>
+            </a:r>
+            <a:r>
+              <a:rPr lang="pt-BR" sz="2400" b="1" dirty="0" err="1">
+                <a:solidFill>
+                  <a:schemeClr val="tx1"/>
+                </a:solidFill>
+                <a:latin typeface="Times New Roman" panose="02020603050405020304" pitchFamily="18" charset="0"/>
+                <a:cs typeface="Times New Roman" panose="02020603050405020304" pitchFamily="18" charset="0"/>
+              </a:rPr>
+              <a:t>function</a:t>
+            </a:r>
+            <a:r>
+              <a:rPr lang="pt-BR" sz="2400" dirty="0">
+                <a:solidFill>
+                  <a:schemeClr val="tx1"/>
+                </a:solidFill>
+                <a:latin typeface="Times New Roman" panose="02020603050405020304" pitchFamily="18" charset="0"/>
+                <a:cs typeface="Times New Roman" panose="02020603050405020304" pitchFamily="18" charset="0"/>
+              </a:rPr>
+              <a:t> () { // </a:t>
+            </a:r>
+            <a:r>
+              <a:rPr lang="pt-BR" sz="2400" b="1" dirty="0" err="1">
+                <a:solidFill>
+                  <a:schemeClr val="tx1"/>
+                </a:solidFill>
+                <a:latin typeface="Times New Roman" panose="02020603050405020304" pitchFamily="18" charset="0"/>
+                <a:cs typeface="Times New Roman" panose="02020603050405020304" pitchFamily="18" charset="0"/>
+              </a:rPr>
+              <a:t>div</a:t>
+            </a:r>
+            <a:r>
+              <a:rPr lang="pt-BR" sz="2400" dirty="0">
+                <a:solidFill>
+                  <a:schemeClr val="tx1"/>
+                </a:solidFill>
+                <a:latin typeface="Times New Roman" panose="02020603050405020304" pitchFamily="18" charset="0"/>
+                <a:cs typeface="Times New Roman" panose="02020603050405020304" pitchFamily="18" charset="0"/>
+              </a:rPr>
+              <a:t> ; </a:t>
+            </a:r>
+            <a:r>
+              <a:rPr lang="pt-BR" sz="2400" b="1" dirty="0" err="1">
+                <a:solidFill>
+                  <a:schemeClr val="tx1"/>
+                </a:solidFill>
+                <a:latin typeface="Times New Roman" panose="02020603050405020304" pitchFamily="18" charset="0"/>
+                <a:cs typeface="Times New Roman" panose="02020603050405020304" pitchFamily="18" charset="0"/>
+              </a:rPr>
+              <a:t>pre</a:t>
+            </a:r>
+            <a:r>
+              <a:rPr lang="pt-BR" sz="2400" b="1" dirty="0">
+                <a:solidFill>
+                  <a:schemeClr val="tx1"/>
+                </a:solidFill>
+                <a:latin typeface="Times New Roman" panose="02020603050405020304" pitchFamily="18" charset="0"/>
+                <a:cs typeface="Times New Roman" panose="02020603050405020304" pitchFamily="18" charset="0"/>
+              </a:rPr>
+              <a:t> ; </a:t>
+            </a:r>
+            <a:r>
+              <a:rPr lang="pt-BR" sz="2400" b="1" dirty="0" err="1">
+                <a:solidFill>
+                  <a:schemeClr val="tx1"/>
+                </a:solidFill>
+                <a:latin typeface="Times New Roman" panose="02020603050405020304" pitchFamily="18" charset="0"/>
+                <a:cs typeface="Times New Roman" panose="02020603050405020304" pitchFamily="18" charset="0"/>
+              </a:rPr>
+              <a:t>input:</a:t>
+            </a:r>
+            <a:r>
+              <a:rPr lang="pt-BR" sz="2400" b="1" dirty="0" err="1">
+                <a:solidFill>
+                  <a:srgbClr val="FF0000"/>
+                </a:solidFill>
+                <a:latin typeface="Times New Roman" panose="02020603050405020304" pitchFamily="18" charset="0"/>
+                <a:cs typeface="Times New Roman" panose="02020603050405020304" pitchFamily="18" charset="0"/>
+              </a:rPr>
+              <a:t>button</a:t>
+            </a:r>
+            <a:r>
+              <a:rPr lang="pt-BR" sz="2400" b="1" dirty="0">
+                <a:solidFill>
+                  <a:schemeClr val="tx1"/>
+                </a:solidFill>
+                <a:latin typeface="Times New Roman" panose="02020603050405020304" pitchFamily="18" charset="0"/>
+                <a:cs typeface="Times New Roman" panose="02020603050405020304" pitchFamily="18" charset="0"/>
+              </a:rPr>
+              <a:t> </a:t>
+            </a:r>
+          </a:p>
+          <a:p>
+            <a:pPr marL="0" indent="0" algn="just">
+              <a:buNone/>
+            </a:pPr>
+            <a:r>
+              <a:rPr lang="pt-BR" sz="2400" dirty="0">
+                <a:solidFill>
+                  <a:schemeClr val="tx1"/>
+                </a:solidFill>
+                <a:latin typeface="Times New Roman" panose="02020603050405020304" pitchFamily="18" charset="0"/>
+                <a:cs typeface="Times New Roman" panose="02020603050405020304" pitchFamily="18" charset="0"/>
+              </a:rPr>
+              <a:t>        	$(‘#</a:t>
+            </a:r>
+            <a:r>
+              <a:rPr lang="pt-BR" sz="2400" b="1" dirty="0" err="1">
+                <a:solidFill>
+                  <a:schemeClr val="tx1"/>
+                </a:solidFill>
+                <a:latin typeface="Times New Roman" panose="02020603050405020304" pitchFamily="18" charset="0"/>
+                <a:cs typeface="Times New Roman" panose="02020603050405020304" pitchFamily="18" charset="0"/>
+              </a:rPr>
+              <a:t>idInput</a:t>
+            </a:r>
+            <a:r>
+              <a:rPr lang="pt-BR" sz="2400" dirty="0">
+                <a:solidFill>
+                  <a:schemeClr val="tx1"/>
+                </a:solidFill>
+                <a:latin typeface="Times New Roman" panose="02020603050405020304" pitchFamily="18" charset="0"/>
+                <a:cs typeface="Times New Roman" panose="02020603050405020304" pitchFamily="18" charset="0"/>
+              </a:rPr>
+              <a:t>').</a:t>
+            </a:r>
+            <a:r>
+              <a:rPr lang="pt-BR" sz="2400" b="1" dirty="0">
+                <a:solidFill>
+                  <a:srgbClr val="FF0000"/>
+                </a:solidFill>
+                <a:latin typeface="Times New Roman" panose="02020603050405020304" pitchFamily="18" charset="0"/>
+                <a:cs typeface="Times New Roman" panose="02020603050405020304" pitchFamily="18" charset="0"/>
+              </a:rPr>
+              <a:t>click</a:t>
+            </a:r>
+            <a:r>
+              <a:rPr lang="pt-BR" sz="2400" dirty="0">
+                <a:solidFill>
+                  <a:schemeClr val="tx1"/>
+                </a:solidFill>
+                <a:latin typeface="Times New Roman" panose="02020603050405020304" pitchFamily="18" charset="0"/>
+                <a:cs typeface="Times New Roman" panose="02020603050405020304" pitchFamily="18" charset="0"/>
+              </a:rPr>
+              <a:t>(</a:t>
+            </a:r>
+            <a:r>
+              <a:rPr lang="pt-BR" sz="2400" b="1" dirty="0" err="1">
+                <a:solidFill>
+                  <a:schemeClr val="tx1"/>
+                </a:solidFill>
+                <a:latin typeface="Times New Roman" panose="02020603050405020304" pitchFamily="18" charset="0"/>
+                <a:cs typeface="Times New Roman" panose="02020603050405020304" pitchFamily="18" charset="0"/>
+              </a:rPr>
+              <a:t>function</a:t>
+            </a:r>
+            <a:r>
+              <a:rPr lang="pt-BR" sz="2400" dirty="0">
+                <a:solidFill>
+                  <a:schemeClr val="tx1"/>
+                </a:solidFill>
+                <a:latin typeface="Times New Roman" panose="02020603050405020304" pitchFamily="18" charset="0"/>
+                <a:cs typeface="Times New Roman" panose="02020603050405020304" pitchFamily="18" charset="0"/>
+              </a:rPr>
+              <a:t>() { // </a:t>
+            </a:r>
+            <a:r>
+              <a:rPr lang="pt-BR" sz="2400" b="1" dirty="0">
+                <a:solidFill>
+                  <a:schemeClr val="tx1"/>
+                </a:solidFill>
+                <a:latin typeface="Times New Roman" panose="02020603050405020304" pitchFamily="18" charset="0"/>
+                <a:cs typeface="Times New Roman" panose="02020603050405020304" pitchFamily="18" charset="0"/>
+              </a:rPr>
+              <a:t>h1</a:t>
+            </a:r>
+            <a:r>
+              <a:rPr lang="pt-BR" sz="2400" dirty="0">
+                <a:solidFill>
+                  <a:schemeClr val="tx1"/>
+                </a:solidFill>
+                <a:latin typeface="Times New Roman" panose="02020603050405020304" pitchFamily="18" charset="0"/>
+                <a:cs typeface="Times New Roman" panose="02020603050405020304" pitchFamily="18" charset="0"/>
+              </a:rPr>
+              <a:t> c/ </a:t>
+            </a:r>
+            <a:r>
+              <a:rPr lang="pt-BR" sz="2400" dirty="0" err="1">
+                <a:solidFill>
+                  <a:schemeClr val="tx1"/>
+                </a:solidFill>
+                <a:latin typeface="Times New Roman" panose="02020603050405020304" pitchFamily="18" charset="0"/>
+                <a:cs typeface="Times New Roman" panose="02020603050405020304" pitchFamily="18" charset="0"/>
+              </a:rPr>
+              <a:t>mét</a:t>
+            </a:r>
+            <a:r>
+              <a:rPr lang="pt-BR" sz="2400" dirty="0">
+                <a:solidFill>
+                  <a:schemeClr val="tx1"/>
+                </a:solidFill>
+                <a:latin typeface="Times New Roman" panose="02020603050405020304" pitchFamily="18" charset="0"/>
+                <a:cs typeface="Times New Roman" panose="02020603050405020304" pitchFamily="18" charset="0"/>
+              </a:rPr>
+              <a:t>. </a:t>
+            </a:r>
+            <a:r>
+              <a:rPr lang="pt-BR" sz="2400" b="1" dirty="0" err="1">
+                <a:solidFill>
+                  <a:schemeClr val="tx1"/>
+                </a:solidFill>
+                <a:latin typeface="Times New Roman" panose="02020603050405020304" pitchFamily="18" charset="0"/>
+                <a:cs typeface="Times New Roman" panose="02020603050405020304" pitchFamily="18" charset="0"/>
+              </a:rPr>
+              <a:t>mouseover</a:t>
+            </a:r>
+            <a:endParaRPr lang="pt-BR" sz="2400" b="1" dirty="0">
+              <a:solidFill>
+                <a:schemeClr val="tx1"/>
+              </a:solidFill>
+              <a:latin typeface="Times New Roman" panose="02020603050405020304" pitchFamily="18" charset="0"/>
+              <a:cs typeface="Times New Roman" panose="02020603050405020304" pitchFamily="18" charset="0"/>
+            </a:endParaRPr>
+          </a:p>
+          <a:p>
+            <a:pPr marL="0" indent="0" algn="just">
+              <a:buNone/>
+            </a:pPr>
+            <a:r>
+              <a:rPr lang="pt-BR" sz="2400" dirty="0">
+                <a:solidFill>
+                  <a:schemeClr val="tx1"/>
+                </a:solidFill>
+                <a:latin typeface="Times New Roman" panose="02020603050405020304" pitchFamily="18" charset="0"/>
+                <a:cs typeface="Times New Roman" panose="02020603050405020304" pitchFamily="18" charset="0"/>
+              </a:rPr>
+              <a:t>          		$('#</a:t>
+            </a:r>
+            <a:r>
+              <a:rPr lang="pt-BR" sz="2400" b="1" dirty="0">
+                <a:solidFill>
+                  <a:schemeClr val="tx1"/>
+                </a:solidFill>
+                <a:latin typeface="Times New Roman" panose="02020603050405020304" pitchFamily="18" charset="0"/>
+                <a:cs typeface="Times New Roman" panose="02020603050405020304" pitchFamily="18" charset="0"/>
+              </a:rPr>
+              <a:t>teste</a:t>
+            </a:r>
+            <a:r>
+              <a:rPr lang="pt-BR" sz="2400" dirty="0">
+                <a:solidFill>
+                  <a:schemeClr val="tx1"/>
+                </a:solidFill>
+                <a:latin typeface="Times New Roman" panose="02020603050405020304" pitchFamily="18" charset="0"/>
+                <a:cs typeface="Times New Roman" panose="02020603050405020304" pitchFamily="18" charset="0"/>
+              </a:rPr>
+              <a:t>').</a:t>
+            </a:r>
+            <a:r>
+              <a:rPr lang="pt-BR" sz="2400" b="1" dirty="0" err="1">
+                <a:solidFill>
+                  <a:srgbClr val="FF0000"/>
+                </a:solidFill>
+                <a:latin typeface="Times New Roman" panose="02020603050405020304" pitchFamily="18" charset="0"/>
+                <a:cs typeface="Times New Roman" panose="02020603050405020304" pitchFamily="18" charset="0"/>
+              </a:rPr>
+              <a:t>load</a:t>
+            </a:r>
+            <a:r>
+              <a:rPr lang="pt-BR" sz="2400" dirty="0">
+                <a:solidFill>
+                  <a:schemeClr val="tx1"/>
+                </a:solidFill>
+                <a:latin typeface="Times New Roman" panose="02020603050405020304" pitchFamily="18" charset="0"/>
+                <a:cs typeface="Times New Roman" panose="02020603050405020304" pitchFamily="18" charset="0"/>
+              </a:rPr>
+              <a:t>('./</a:t>
+            </a:r>
+            <a:r>
+              <a:rPr lang="pt-BR" sz="2400" b="1" dirty="0">
+                <a:solidFill>
+                  <a:srgbClr val="FF0000"/>
+                </a:solidFill>
+                <a:latin typeface="Times New Roman" panose="02020603050405020304" pitchFamily="18" charset="0"/>
+                <a:cs typeface="Times New Roman" panose="02020603050405020304" pitchFamily="18" charset="0"/>
+              </a:rPr>
+              <a:t>teste</a:t>
+            </a:r>
+            <a:r>
+              <a:rPr lang="pt-BR" sz="2400" dirty="0">
+                <a:solidFill>
+                  <a:schemeClr val="tx1"/>
+                </a:solidFill>
+                <a:latin typeface="Times New Roman" panose="02020603050405020304" pitchFamily="18" charset="0"/>
+                <a:cs typeface="Times New Roman" panose="02020603050405020304" pitchFamily="18" charset="0"/>
+              </a:rPr>
+              <a:t>.txt');</a:t>
+            </a:r>
+          </a:p>
+          <a:p>
+            <a:pPr marL="0" indent="0" algn="just">
+              <a:buNone/>
+            </a:pPr>
+            <a:r>
+              <a:rPr lang="pt-BR" sz="2400" dirty="0">
+                <a:solidFill>
+                  <a:schemeClr val="tx1"/>
+                </a:solidFill>
+                <a:latin typeface="Times New Roman" panose="02020603050405020304" pitchFamily="18" charset="0"/>
+                <a:cs typeface="Times New Roman" panose="02020603050405020304" pitchFamily="18" charset="0"/>
+              </a:rPr>
+              <a:t> 		}); 	</a:t>
+            </a:r>
+          </a:p>
+          <a:p>
+            <a:pPr marL="0" indent="0" algn="just">
+              <a:buNone/>
+            </a:pPr>
+            <a:r>
+              <a:rPr lang="pt-BR" sz="2400" dirty="0">
+                <a:solidFill>
+                  <a:schemeClr val="tx1"/>
+                </a:solidFill>
+                <a:latin typeface="Times New Roman" panose="02020603050405020304" pitchFamily="18" charset="0"/>
+                <a:cs typeface="Times New Roman" panose="02020603050405020304" pitchFamily="18" charset="0"/>
+              </a:rPr>
+              <a:t>	});</a:t>
+            </a:r>
+          </a:p>
+          <a:p>
+            <a:pPr marL="0" indent="0" algn="just">
+              <a:buNone/>
+            </a:pPr>
             <a:endParaRPr lang="pt-BR" sz="2400" dirty="0">
               <a:solidFill>
                 <a:schemeClr val="tx1"/>
@@ -14870,405 +15653,6 @@
               <a:latin typeface="Times New Roman" panose="02020603050405020304" pitchFamily="18" charset="0"/>
               <a:cs typeface="Times New Roman" panose="02020603050405020304" pitchFamily="18" charset="0"/>
             </a:endParaRPr>
-          </a:p>
-          <a:p>
-            <a:pPr marL="0" indent="0" algn="just">
-              <a:buNone/>
-            </a:pPr>
-            <a:r>
-              <a:rPr lang="pt-BR" sz="2400" dirty="0">
-                <a:solidFill>
-                  <a:schemeClr val="tx1"/>
-                </a:solidFill>
-                <a:latin typeface="Times New Roman" panose="02020603050405020304" pitchFamily="18" charset="0"/>
-                <a:cs typeface="Times New Roman" panose="02020603050405020304" pitchFamily="18" charset="0"/>
-              </a:rPr>
-              <a:t> </a:t>
-            </a:r>
-          </a:p>
-          <a:p>
-            <a:pPr marL="0" indent="0" algn="just">
-              <a:buNone/>
-            </a:pPr>
-            <a:r>
-              <a:rPr lang="pt-BR" sz="2400" dirty="0">
-                <a:solidFill>
-                  <a:schemeClr val="tx1"/>
-                </a:solidFill>
-                <a:latin typeface="Times New Roman" panose="02020603050405020304" pitchFamily="18" charset="0"/>
-                <a:cs typeface="Times New Roman" panose="02020603050405020304" pitchFamily="18" charset="0"/>
-              </a:rPr>
-              <a:t>	$(</a:t>
-            </a:r>
-            <a:r>
-              <a:rPr lang="pt-BR" sz="2400" b="1" dirty="0" err="1">
-                <a:solidFill>
-                  <a:schemeClr val="tx1"/>
-                </a:solidFill>
-                <a:latin typeface="Times New Roman" panose="02020603050405020304" pitchFamily="18" charset="0"/>
-                <a:cs typeface="Times New Roman" panose="02020603050405020304" pitchFamily="18" charset="0"/>
-              </a:rPr>
-              <a:t>document</a:t>
-            </a:r>
-            <a:r>
-              <a:rPr lang="pt-BR" sz="2400" dirty="0">
-                <a:solidFill>
-                  <a:schemeClr val="tx1"/>
-                </a:solidFill>
-                <a:latin typeface="Times New Roman" panose="02020603050405020304" pitchFamily="18" charset="0"/>
-                <a:cs typeface="Times New Roman" panose="02020603050405020304" pitchFamily="18" charset="0"/>
-              </a:rPr>
-              <a:t>).</a:t>
-            </a:r>
-            <a:r>
-              <a:rPr lang="pt-BR" sz="2400" dirty="0" err="1">
-                <a:solidFill>
-                  <a:schemeClr val="tx1"/>
-                </a:solidFill>
-                <a:latin typeface="Times New Roman" panose="02020603050405020304" pitchFamily="18" charset="0"/>
-                <a:cs typeface="Times New Roman" panose="02020603050405020304" pitchFamily="18" charset="0"/>
-              </a:rPr>
-              <a:t>ready</a:t>
-            </a:r>
-            <a:r>
-              <a:rPr lang="pt-BR" sz="2400" dirty="0">
-                <a:solidFill>
-                  <a:schemeClr val="tx1"/>
-                </a:solidFill>
-                <a:latin typeface="Times New Roman" panose="02020603050405020304" pitchFamily="18" charset="0"/>
-                <a:cs typeface="Times New Roman" panose="02020603050405020304" pitchFamily="18" charset="0"/>
-              </a:rPr>
-              <a:t>(</a:t>
-            </a:r>
-            <a:r>
-              <a:rPr lang="pt-BR" sz="2400" dirty="0" err="1">
-                <a:solidFill>
-                  <a:schemeClr val="tx1"/>
-                </a:solidFill>
-                <a:latin typeface="Times New Roman" panose="02020603050405020304" pitchFamily="18" charset="0"/>
-                <a:cs typeface="Times New Roman" panose="02020603050405020304" pitchFamily="18" charset="0"/>
-              </a:rPr>
-              <a:t>function</a:t>
-            </a:r>
-            <a:r>
-              <a:rPr lang="pt-BR" sz="2400" dirty="0">
-                <a:solidFill>
-                  <a:schemeClr val="tx1"/>
-                </a:solidFill>
-                <a:latin typeface="Times New Roman" panose="02020603050405020304" pitchFamily="18" charset="0"/>
-                <a:cs typeface="Times New Roman" panose="02020603050405020304" pitchFamily="18" charset="0"/>
-              </a:rPr>
-              <a:t> () { // </a:t>
-            </a:r>
-            <a:r>
-              <a:rPr lang="pt-BR" sz="2400" b="1" dirty="0" err="1">
-                <a:solidFill>
-                  <a:schemeClr val="tx1"/>
-                </a:solidFill>
-                <a:latin typeface="Times New Roman" panose="02020603050405020304" pitchFamily="18" charset="0"/>
-                <a:cs typeface="Times New Roman" panose="02020603050405020304" pitchFamily="18" charset="0"/>
-              </a:rPr>
-              <a:t>div</a:t>
-            </a:r>
-            <a:r>
-              <a:rPr lang="pt-BR" sz="2400" dirty="0">
-                <a:solidFill>
-                  <a:schemeClr val="tx1"/>
-                </a:solidFill>
-                <a:latin typeface="Times New Roman" panose="02020603050405020304" pitchFamily="18" charset="0"/>
-                <a:cs typeface="Times New Roman" panose="02020603050405020304" pitchFamily="18" charset="0"/>
-              </a:rPr>
-              <a:t> ; </a:t>
-            </a:r>
-            <a:r>
-              <a:rPr lang="pt-BR" sz="2400" b="1" dirty="0">
-                <a:solidFill>
-                  <a:schemeClr val="tx1"/>
-                </a:solidFill>
-                <a:latin typeface="Times New Roman" panose="02020603050405020304" pitchFamily="18" charset="0"/>
-                <a:cs typeface="Times New Roman" panose="02020603050405020304" pitchFamily="18" charset="0"/>
-              </a:rPr>
-              <a:t>p ; input/</a:t>
-            </a:r>
-            <a:r>
-              <a:rPr lang="pt-BR" sz="2400" b="1" dirty="0" err="1">
-                <a:solidFill>
-                  <a:schemeClr val="tx1"/>
-                </a:solidFill>
-                <a:latin typeface="Times New Roman" panose="02020603050405020304" pitchFamily="18" charset="0"/>
-                <a:cs typeface="Times New Roman" panose="02020603050405020304" pitchFamily="18" charset="0"/>
-              </a:rPr>
-              <a:t>button</a:t>
-            </a:r>
-            <a:r>
-              <a:rPr lang="pt-BR" sz="2400" b="1" dirty="0">
-                <a:solidFill>
-                  <a:schemeClr val="tx1"/>
-                </a:solidFill>
-                <a:latin typeface="Times New Roman" panose="02020603050405020304" pitchFamily="18" charset="0"/>
-                <a:cs typeface="Times New Roman" panose="02020603050405020304" pitchFamily="18" charset="0"/>
-              </a:rPr>
-              <a:t> </a:t>
-            </a:r>
-          </a:p>
-          <a:p>
-            <a:pPr marL="0" indent="0" algn="just">
-              <a:buNone/>
-            </a:pPr>
-            <a:r>
-              <a:rPr lang="pt-BR" sz="2400" dirty="0">
-                <a:solidFill>
-                  <a:schemeClr val="tx1"/>
-                </a:solidFill>
-                <a:latin typeface="Times New Roman" panose="02020603050405020304" pitchFamily="18" charset="0"/>
-                <a:cs typeface="Times New Roman" panose="02020603050405020304" pitchFamily="18" charset="0"/>
-              </a:rPr>
-              <a:t>        	$('#</a:t>
-            </a:r>
-            <a:r>
-              <a:rPr lang="pt-BR" sz="2400" b="1" dirty="0">
-                <a:solidFill>
-                  <a:schemeClr val="tx1"/>
-                </a:solidFill>
-                <a:latin typeface="Times New Roman" panose="02020603050405020304" pitchFamily="18" charset="0"/>
-                <a:cs typeface="Times New Roman" panose="02020603050405020304" pitchFamily="18" charset="0"/>
-              </a:rPr>
-              <a:t>inputButton1</a:t>
-            </a:r>
-            <a:r>
-              <a:rPr lang="pt-BR" sz="2400" dirty="0">
-                <a:solidFill>
-                  <a:schemeClr val="tx1"/>
-                </a:solidFill>
-                <a:latin typeface="Times New Roman" panose="02020603050405020304" pitchFamily="18" charset="0"/>
-                <a:cs typeface="Times New Roman" panose="02020603050405020304" pitchFamily="18" charset="0"/>
-              </a:rPr>
-              <a:t>').click(</a:t>
-            </a:r>
-            <a:r>
-              <a:rPr lang="pt-BR" sz="2400" dirty="0" err="1">
-                <a:solidFill>
-                  <a:schemeClr val="tx1"/>
-                </a:solidFill>
-                <a:latin typeface="Times New Roman" panose="02020603050405020304" pitchFamily="18" charset="0"/>
-                <a:cs typeface="Times New Roman" panose="02020603050405020304" pitchFamily="18" charset="0"/>
-              </a:rPr>
-              <a:t>function</a:t>
-            </a:r>
-            <a:r>
-              <a:rPr lang="pt-BR" sz="2400" dirty="0">
-                <a:solidFill>
-                  <a:schemeClr val="tx1"/>
-                </a:solidFill>
-                <a:latin typeface="Times New Roman" panose="02020603050405020304" pitchFamily="18" charset="0"/>
-                <a:cs typeface="Times New Roman" panose="02020603050405020304" pitchFamily="18" charset="0"/>
-              </a:rPr>
-              <a:t>() { //h1 c/ método </a:t>
-            </a:r>
-            <a:r>
-              <a:rPr lang="pt-BR" sz="2400" dirty="0" err="1">
-                <a:solidFill>
-                  <a:schemeClr val="tx1"/>
-                </a:solidFill>
-                <a:latin typeface="Times New Roman" panose="02020603050405020304" pitchFamily="18" charset="0"/>
-                <a:cs typeface="Times New Roman" panose="02020603050405020304" pitchFamily="18" charset="0"/>
-              </a:rPr>
-              <a:t>mouseover</a:t>
-            </a:r>
-            <a:endParaRPr lang="pt-BR" sz="2400" dirty="0">
-              <a:solidFill>
-                <a:schemeClr val="tx1"/>
-              </a:solidFill>
-              <a:latin typeface="Times New Roman" panose="02020603050405020304" pitchFamily="18" charset="0"/>
-              <a:cs typeface="Times New Roman" panose="02020603050405020304" pitchFamily="18" charset="0"/>
-            </a:endParaRPr>
-          </a:p>
-          <a:p>
-            <a:pPr marL="0" indent="0" algn="just">
-              <a:buNone/>
-            </a:pPr>
-            <a:r>
-              <a:rPr lang="pt-BR" sz="2400" dirty="0">
-                <a:solidFill>
-                  <a:schemeClr val="tx1"/>
-                </a:solidFill>
-                <a:latin typeface="Times New Roman" panose="02020603050405020304" pitchFamily="18" charset="0"/>
-                <a:cs typeface="Times New Roman" panose="02020603050405020304" pitchFamily="18" charset="0"/>
-              </a:rPr>
-              <a:t>          	$('#</a:t>
-            </a:r>
-            <a:r>
-              <a:rPr lang="pt-BR" sz="2400" b="1" dirty="0">
-                <a:solidFill>
-                  <a:schemeClr val="tx1"/>
-                </a:solidFill>
-                <a:latin typeface="Times New Roman" panose="02020603050405020304" pitchFamily="18" charset="0"/>
-                <a:cs typeface="Times New Roman" panose="02020603050405020304" pitchFamily="18" charset="0"/>
-              </a:rPr>
-              <a:t>teste</a:t>
-            </a:r>
-            <a:r>
-              <a:rPr lang="pt-BR" sz="2400" dirty="0">
-                <a:solidFill>
-                  <a:schemeClr val="tx1"/>
-                </a:solidFill>
-                <a:latin typeface="Times New Roman" panose="02020603050405020304" pitchFamily="18" charset="0"/>
-                <a:cs typeface="Times New Roman" panose="02020603050405020304" pitchFamily="18" charset="0"/>
-              </a:rPr>
-              <a:t>').</a:t>
-            </a:r>
-            <a:r>
-              <a:rPr lang="pt-BR" sz="2400" b="1" dirty="0" err="1">
-                <a:solidFill>
-                  <a:srgbClr val="FF0000"/>
-                </a:solidFill>
-                <a:latin typeface="Times New Roman" panose="02020603050405020304" pitchFamily="18" charset="0"/>
-                <a:cs typeface="Times New Roman" panose="02020603050405020304" pitchFamily="18" charset="0"/>
-              </a:rPr>
-              <a:t>load</a:t>
-            </a:r>
-            <a:r>
-              <a:rPr lang="pt-BR" sz="2400" dirty="0">
-                <a:solidFill>
-                  <a:schemeClr val="tx1"/>
-                </a:solidFill>
-                <a:latin typeface="Times New Roman" panose="02020603050405020304" pitchFamily="18" charset="0"/>
-                <a:cs typeface="Times New Roman" panose="02020603050405020304" pitchFamily="18" charset="0"/>
-              </a:rPr>
-              <a:t>('./</a:t>
-            </a:r>
-            <a:r>
-              <a:rPr lang="pt-BR" sz="2400" b="1" dirty="0">
-                <a:solidFill>
-                  <a:srgbClr val="FF0000"/>
-                </a:solidFill>
-                <a:latin typeface="Times New Roman" panose="02020603050405020304" pitchFamily="18" charset="0"/>
-                <a:cs typeface="Times New Roman" panose="02020603050405020304" pitchFamily="18" charset="0"/>
-              </a:rPr>
-              <a:t>teste</a:t>
-            </a:r>
-            <a:r>
-              <a:rPr lang="pt-BR" sz="2400" dirty="0">
-                <a:solidFill>
-                  <a:schemeClr val="tx1"/>
-                </a:solidFill>
-                <a:latin typeface="Times New Roman" panose="02020603050405020304" pitchFamily="18" charset="0"/>
-                <a:cs typeface="Times New Roman" panose="02020603050405020304" pitchFamily="18" charset="0"/>
-              </a:rPr>
-              <a:t>.txt');</a:t>
-            </a:r>
-          </a:p>
-          <a:p>
-            <a:pPr marL="0" indent="0" algn="just">
-              <a:buNone/>
-            </a:pPr>
-            <a:r>
-              <a:rPr lang="pt-BR" sz="2400" dirty="0">
-                <a:solidFill>
-                  <a:schemeClr val="tx1"/>
-                </a:solidFill>
-                <a:latin typeface="Times New Roman" panose="02020603050405020304" pitchFamily="18" charset="0"/>
-                <a:cs typeface="Times New Roman" panose="02020603050405020304" pitchFamily="18" charset="0"/>
-              </a:rPr>
-              <a:t>        });</a:t>
-            </a:r>
-          </a:p>
-          <a:p>
-            <a:pPr marL="0" indent="0" algn="just">
-              <a:buNone/>
-            </a:pPr>
-            <a:endParaRPr lang="pt-BR" sz="2400" dirty="0">
-              <a:solidFill>
-                <a:schemeClr val="tx1"/>
-              </a:solidFill>
-              <a:latin typeface="Times New Roman" panose="02020603050405020304" pitchFamily="18" charset="0"/>
-              <a:cs typeface="Times New Roman" panose="02020603050405020304" pitchFamily="18" charset="0"/>
-            </a:endParaRPr>
-          </a:p>
-          <a:p>
-            <a:pPr marL="0" indent="0" algn="just">
-              <a:buNone/>
-            </a:pPr>
-            <a:r>
-              <a:rPr lang="pt-BR" sz="2400" b="1" dirty="0">
-                <a:solidFill>
-                  <a:schemeClr val="tx1"/>
-                </a:solidFill>
-                <a:latin typeface="Times New Roman" panose="02020603050405020304" pitchFamily="18" charset="0"/>
-                <a:cs typeface="Times New Roman" panose="02020603050405020304" pitchFamily="18" charset="0"/>
-              </a:rPr>
-              <a:t>Nota</a:t>
-            </a:r>
-            <a:r>
-              <a:rPr lang="pt-BR" sz="2400" dirty="0">
-                <a:solidFill>
-                  <a:schemeClr val="tx1"/>
-                </a:solidFill>
-                <a:latin typeface="Times New Roman" panose="02020603050405020304" pitchFamily="18" charset="0"/>
-                <a:cs typeface="Times New Roman" panose="02020603050405020304" pitchFamily="18" charset="0"/>
-              </a:rPr>
-              <a:t>: </a:t>
-            </a:r>
-            <a:r>
-              <a:rPr lang="pt-BR" sz="2400" b="1" dirty="0">
-                <a:solidFill>
-                  <a:srgbClr val="FF0000"/>
-                </a:solidFill>
-                <a:latin typeface="Times New Roman" panose="02020603050405020304" pitchFamily="18" charset="0"/>
-                <a:cs typeface="Times New Roman" panose="02020603050405020304" pitchFamily="18" charset="0"/>
-              </a:rPr>
-              <a:t>teste</a:t>
-            </a:r>
-            <a:r>
-              <a:rPr lang="pt-BR" sz="2400" dirty="0">
-                <a:solidFill>
-                  <a:schemeClr val="tx1"/>
-                </a:solidFill>
-                <a:latin typeface="Times New Roman" panose="02020603050405020304" pitchFamily="18" charset="0"/>
-                <a:cs typeface="Times New Roman" panose="02020603050405020304" pitchFamily="18" charset="0"/>
-              </a:rPr>
-              <a:t>.txt (</a:t>
-            </a:r>
-            <a:r>
-              <a:rPr lang="pt-BR" sz="2400" b="1" dirty="0">
-                <a:solidFill>
-                  <a:schemeClr val="tx1"/>
-                </a:solidFill>
-                <a:latin typeface="Times New Roman" panose="02020603050405020304" pitchFamily="18" charset="0"/>
-                <a:cs typeface="Times New Roman" panose="02020603050405020304" pitchFamily="18" charset="0"/>
-              </a:rPr>
-              <a:t>exemplo</a:t>
-            </a:r>
-            <a:r>
-              <a:rPr lang="pt-BR" sz="2400" dirty="0">
-                <a:solidFill>
-                  <a:schemeClr val="tx1"/>
-                </a:solidFill>
-                <a:latin typeface="Times New Roman" panose="02020603050405020304" pitchFamily="18" charset="0"/>
-                <a:cs typeface="Times New Roman" panose="02020603050405020304" pitchFamily="18" charset="0"/>
-              </a:rPr>
-              <a:t>: h2; p; script/</a:t>
-            </a:r>
-            <a:r>
-              <a:rPr lang="pt-BR" sz="2400" dirty="0" err="1">
-                <a:solidFill>
-                  <a:schemeClr val="tx1"/>
-                </a:solidFill>
-                <a:latin typeface="Times New Roman" panose="02020603050405020304" pitchFamily="18" charset="0"/>
-                <a:cs typeface="Times New Roman" panose="02020603050405020304" pitchFamily="18" charset="0"/>
-              </a:rPr>
-              <a:t>alert</a:t>
-            </a:r>
-            <a:r>
-              <a:rPr lang="pt-BR" sz="2400" dirty="0">
-                <a:solidFill>
-                  <a:schemeClr val="tx1"/>
-                </a:solidFill>
-                <a:latin typeface="Times New Roman" panose="02020603050405020304" pitchFamily="18" charset="0"/>
-                <a:cs typeface="Times New Roman" panose="02020603050405020304" pitchFamily="18" charset="0"/>
-              </a:rPr>
-              <a:t>() )</a:t>
-            </a:r>
           </a:p>
           <a:p>
             <a:pPr marL="0" indent="0" algn="just">
@@ -15385,77 +15769,38 @@
               <a:buNone/>
             </a:pPr>
             <a:r>
-              <a:rPr lang="pt-BR" sz="2400" dirty="0">
-                <a:solidFill>
-                  <a:schemeClr val="tx1"/>
-                </a:solidFill>
-                <a:latin typeface="Times New Roman" panose="02020603050405020304" pitchFamily="18" charset="0"/>
-                <a:cs typeface="Times New Roman" panose="02020603050405020304" pitchFamily="18" charset="0"/>
-              </a:rPr>
-              <a:t>	$(</a:t>
-            </a:r>
-            <a:r>
-              <a:rPr lang="pt-BR" sz="2400" b="1" dirty="0" err="1">
-                <a:solidFill>
-                  <a:schemeClr val="tx1"/>
-                </a:solidFill>
-                <a:latin typeface="Times New Roman" panose="02020603050405020304" pitchFamily="18" charset="0"/>
-                <a:cs typeface="Times New Roman" panose="02020603050405020304" pitchFamily="18" charset="0"/>
-              </a:rPr>
-              <a:t>document</a:t>
-            </a:r>
-            <a:r>
-              <a:rPr lang="pt-BR" sz="2400" dirty="0">
-                <a:solidFill>
-                  <a:schemeClr val="tx1"/>
-                </a:solidFill>
-                <a:latin typeface="Times New Roman" panose="02020603050405020304" pitchFamily="18" charset="0"/>
-                <a:cs typeface="Times New Roman" panose="02020603050405020304" pitchFamily="18" charset="0"/>
-              </a:rPr>
-              <a:t>).</a:t>
-            </a:r>
-            <a:r>
-              <a:rPr lang="pt-BR" sz="2400" dirty="0" err="1">
-                <a:solidFill>
-                  <a:schemeClr val="tx1"/>
-                </a:solidFill>
-                <a:latin typeface="Times New Roman" panose="02020603050405020304" pitchFamily="18" charset="0"/>
-                <a:cs typeface="Times New Roman" panose="02020603050405020304" pitchFamily="18" charset="0"/>
-              </a:rPr>
-              <a:t>ready</a:t>
-            </a:r>
-            <a:r>
-              <a:rPr lang="pt-BR" sz="2400" dirty="0">
-                <a:solidFill>
-                  <a:schemeClr val="tx1"/>
-                </a:solidFill>
-                <a:latin typeface="Times New Roman" panose="02020603050405020304" pitchFamily="18" charset="0"/>
-                <a:cs typeface="Times New Roman" panose="02020603050405020304" pitchFamily="18" charset="0"/>
-              </a:rPr>
-              <a:t>(</a:t>
-            </a:r>
-            <a:r>
-              <a:rPr lang="pt-BR" sz="2400" dirty="0" err="1">
-                <a:solidFill>
-                  <a:schemeClr val="tx1"/>
-                </a:solidFill>
-                <a:latin typeface="Times New Roman" panose="02020603050405020304" pitchFamily="18" charset="0"/>
-                <a:cs typeface="Times New Roman" panose="02020603050405020304" pitchFamily="18" charset="0"/>
-              </a:rPr>
-              <a:t>function</a:t>
-            </a:r>
-            <a:r>
-              <a:rPr lang="pt-BR" sz="2400" dirty="0">
-                <a:solidFill>
-                  <a:schemeClr val="tx1"/>
-                </a:solidFill>
-                <a:latin typeface="Times New Roman" panose="02020603050405020304" pitchFamily="18" charset="0"/>
-                <a:cs typeface="Times New Roman" panose="02020603050405020304" pitchFamily="18" charset="0"/>
-              </a:rPr>
-              <a:t>(){ //</a:t>
-            </a:r>
-            <a:r>
-              <a:rPr lang="pt-BR" sz="2400" b="1" dirty="0" err="1">
+              <a:rPr lang="pt-BR" sz="2000" dirty="0">
+                <a:solidFill>
+                  <a:schemeClr val="tx1"/>
+                </a:solidFill>
+                <a:latin typeface="Times New Roman" panose="02020603050405020304" pitchFamily="18" charset="0"/>
+                <a:cs typeface="Times New Roman" panose="02020603050405020304" pitchFamily="18" charset="0"/>
+              </a:rPr>
+              <a:t>	// </a:t>
+            </a:r>
+            <a:r>
+              <a:rPr lang="pt-BR" sz="2000" dirty="0">
+                <a:solidFill>
+                  <a:schemeClr val="tx1"/>
+                </a:solidFill>
+                <a:latin typeface="Times New Roman" panose="02020603050405020304" pitchFamily="18" charset="0"/>
+                <a:cs typeface="Times New Roman" panose="02020603050405020304" pitchFamily="18" charset="0"/>
+                <a:hlinkClick r:id="rId3"/>
+              </a:rPr>
+              <a:t>https://viacep.com.br/ws/40040470/json/</a:t>
+            </a:r>
+            <a:r>
+              <a:rPr lang="pt-BR" sz="2000" dirty="0">
+                <a:solidFill>
+                  <a:schemeClr val="tx1"/>
+                </a:solidFill>
+                <a:latin typeface="Times New Roman" panose="02020603050405020304" pitchFamily="18" charset="0"/>
+                <a:cs typeface="Times New Roman" panose="02020603050405020304" pitchFamily="18" charset="0"/>
+              </a:rPr>
+              <a:t> //</a:t>
+            </a:r>
+            <a:r>
+              <a:rPr lang="pt-BR" sz="2000" b="1" dirty="0" err="1">
                 <a:solidFill>
                   <a:schemeClr val="tx1"/>
                 </a:solidFill>
@@ -15465,7 +15810,7 @@
               <a:t>div</a:t>
             </a:r>
             <a:r>
-              <a:rPr lang="pt-BR" sz="2400" dirty="0" err="1">
+              <a:rPr lang="pt-BR" sz="2000" dirty="0" err="1">
                 <a:solidFill>
                   <a:schemeClr val="tx1"/>
                 </a:solidFill>
@@ -15475,17 +15820,37 @@
               <a:t>;</a:t>
             </a:r>
             <a:r>
-              <a:rPr lang="pt-BR" sz="2400" b="1" dirty="0" err="1">
-                <a:solidFill>
-                  <a:schemeClr val="tx1"/>
-                </a:solidFill>
-                <a:latin typeface="Times New Roman" panose="02020603050405020304" pitchFamily="18" charset="0"/>
-                <a:cs typeface="Times New Roman" panose="02020603050405020304" pitchFamily="18" charset="0"/>
-              </a:rPr>
-              <a:t>p;input</a:t>
-            </a:r>
-            <a:r>
-              <a:rPr lang="pt-BR" sz="2400" b="1" dirty="0">
+              <a:rPr lang="pt-BR" sz="2000" b="1" dirty="0" err="1">
+                <a:solidFill>
+                  <a:schemeClr val="tx1"/>
+                </a:solidFill>
+                <a:latin typeface="Times New Roman" panose="02020603050405020304" pitchFamily="18" charset="0"/>
+                <a:cs typeface="Times New Roman" panose="02020603050405020304" pitchFamily="18" charset="0"/>
+              </a:rPr>
+              <a:t>pre;input:</a:t>
+            </a:r>
+            <a:r>
+              <a:rPr lang="pt-BR" sz="2000" b="1" dirty="0" err="1">
+                <a:solidFill>
+                  <a:srgbClr val="FF0000"/>
+                </a:solidFill>
+                <a:latin typeface="Times New Roman" panose="02020603050405020304" pitchFamily="18" charset="0"/>
+                <a:cs typeface="Times New Roman" panose="02020603050405020304" pitchFamily="18" charset="0"/>
+              </a:rPr>
+              <a:t>text</a:t>
+            </a:r>
+            <a:r>
+              <a:rPr lang="pt-BR" sz="2000" b="1" dirty="0" err="1">
+                <a:solidFill>
+                  <a:schemeClr val="tx1"/>
+                </a:solidFill>
+                <a:latin typeface="Times New Roman" panose="02020603050405020304" pitchFamily="18" charset="0"/>
+                <a:cs typeface="Times New Roman" panose="02020603050405020304" pitchFamily="18" charset="0"/>
+              </a:rPr>
+              <a:t>;input</a:t>
+            </a:r>
+            <a:r>
+              <a:rPr lang="pt-BR" sz="2000" b="1" dirty="0">
                 <a:solidFill>
                   <a:schemeClr val="tx1"/>
                 </a:solidFill>
@@ -15495,29 +15860,9 @@
               <a:t>/</a:t>
             </a:r>
             <a:r>
-              <a:rPr lang="pt-BR" sz="2400" b="1" dirty="0" err="1">
-                <a:solidFill>
-                  <a:schemeClr val="tx1"/>
-                </a:solidFill>
-                <a:latin typeface="Times New Roman" panose="02020603050405020304" pitchFamily="18" charset="0"/>
-                <a:cs typeface="Times New Roman" panose="02020603050405020304" pitchFamily="18" charset="0"/>
-              </a:rPr>
-              <a:t>text;input</a:t>
-            </a:r>
-            <a:r>
-              <a:rPr lang="pt-BR" sz="2400" b="1" dirty="0">
-                <a:solidFill>
-                  <a:schemeClr val="tx1"/>
-                </a:solidFill>
-                <a:latin typeface="Times New Roman" panose="02020603050405020304" pitchFamily="18" charset="0"/>
-                <a:cs typeface="Times New Roman" panose="02020603050405020304" pitchFamily="18" charset="0"/>
-              </a:rPr>
-              <a:t>/</a:t>
-            </a:r>
-            <a:r>
-              <a:rPr lang="pt-BR" sz="2400" b="1" dirty="0" err="1">
-                <a:solidFill>
-                  <a:schemeClr val="tx1"/>
+              <a:rPr lang="pt-BR" sz="2000" b="1" dirty="0" err="1">
+                <a:solidFill>
+                  <a:srgbClr val="FF0000"/>
                 </a:solidFill>
                 <a:latin typeface="Times New Roman" panose="02020603050405020304" pitchFamily="18" charset="0"/>
                 <a:cs typeface="Times New Roman" panose="02020603050405020304" pitchFamily="18" charset="0"/>
@@ -15525,42 +15870,16 @@
               <a:t>button</a:t>
             </a:r>
             <a:r>
-              <a:rPr lang="pt-BR" sz="2400" b="1" dirty="0">
-                <a:solidFill>
-                  <a:schemeClr val="tx1"/>
-                </a:solidFill>
-                <a:latin typeface="Times New Roman" panose="02020603050405020304" pitchFamily="18" charset="0"/>
-                <a:cs typeface="Times New Roman" panose="02020603050405020304" pitchFamily="18" charset="0"/>
-              </a:rPr>
-              <a:t>;  </a:t>
-            </a:r>
-          </a:p>
-          <a:p>
-            <a:pPr marL="0" indent="0" algn="just">
-              <a:buNone/>
-            </a:pPr>
-            <a:r>
-              <a:rPr lang="pt-BR" sz="2400" dirty="0">
-                <a:solidFill>
-                  <a:schemeClr val="tx1"/>
-                </a:solidFill>
-                <a:latin typeface="Times New Roman" panose="02020603050405020304" pitchFamily="18" charset="0"/>
-                <a:cs typeface="Times New Roman" panose="02020603050405020304" pitchFamily="18" charset="0"/>
-              </a:rPr>
-              <a:t>	// </a:t>
-            </a:r>
-            <a:r>
-              <a:rPr lang="pt-BR" sz="2400" dirty="0">
-                <a:solidFill>
-                  <a:schemeClr val="tx1"/>
-                </a:solidFill>
-                <a:latin typeface="Times New Roman" panose="02020603050405020304" pitchFamily="18" charset="0"/>
-                <a:cs typeface="Times New Roman" panose="02020603050405020304" pitchFamily="18" charset="0"/>
-                <a:hlinkClick r:id="rId3"/>
-              </a:rPr>
-              <a:t>https://viacep.com.br/ws/40040470/json/</a:t>
-            </a:r>
-            <a:endParaRPr lang="pt-BR" sz="2400" dirty="0">
+              <a:rPr lang="pt-BR" sz="2000" b="1" dirty="0">
+                <a:solidFill>
+                  <a:schemeClr val="tx1"/>
+                </a:solidFill>
+                <a:latin typeface="Times New Roman" panose="02020603050405020304" pitchFamily="18" charset="0"/>
+                <a:cs typeface="Times New Roman" panose="02020603050405020304" pitchFamily="18" charset="0"/>
+              </a:rPr>
+              <a:t>; </a:t>
+            </a:r>
+            <a:endParaRPr lang="pt-BR" sz="2000" dirty="0">
               <a:solidFill>
                 <a:schemeClr val="tx1"/>
               </a:solidFill>
@@ -15573,37 +15892,57 @@
               <a:buNone/>
             </a:pPr>
             <a:r>
-              <a:rPr lang="pt-BR" sz="2400" dirty="0">
-                <a:solidFill>
-                  <a:schemeClr val="tx1"/>
-                </a:solidFill>
-                <a:latin typeface="Times New Roman" panose="02020603050405020304" pitchFamily="18" charset="0"/>
-                <a:cs typeface="Times New Roman" panose="02020603050405020304" pitchFamily="18" charset="0"/>
-              </a:rPr>
-              <a:t>        $('#</a:t>
-            </a:r>
-            <a:r>
-              <a:rPr lang="pt-BR" sz="2400" b="1" dirty="0">
-                <a:solidFill>
-                  <a:schemeClr val="tx1"/>
-                </a:solidFill>
-                <a:latin typeface="Times New Roman" panose="02020603050405020304" pitchFamily="18" charset="0"/>
-                <a:cs typeface="Times New Roman" panose="02020603050405020304" pitchFamily="18" charset="0"/>
-              </a:rPr>
-              <a:t>inputButton2</a:t>
-            </a:r>
-            <a:r>
-              <a:rPr lang="pt-BR" sz="2400" dirty="0">
-                <a:solidFill>
-                  <a:schemeClr val="tx1"/>
-                </a:solidFill>
-                <a:latin typeface="Times New Roman" panose="02020603050405020304" pitchFamily="18" charset="0"/>
-                <a:cs typeface="Times New Roman" panose="02020603050405020304" pitchFamily="18" charset="0"/>
-              </a:rPr>
-              <a:t>').click(</a:t>
-            </a:r>
-            <a:r>
-              <a:rPr lang="pt-BR" sz="2400" dirty="0" err="1">
+              <a:rPr lang="pt-BR" sz="2000" dirty="0">
+                <a:solidFill>
+                  <a:schemeClr val="tx1"/>
+                </a:solidFill>
+                <a:latin typeface="Times New Roman" panose="02020603050405020304" pitchFamily="18" charset="0"/>
+                <a:cs typeface="Times New Roman" panose="02020603050405020304" pitchFamily="18" charset="0"/>
+              </a:rPr>
+              <a:t>	$(</a:t>
+            </a:r>
+            <a:r>
+              <a:rPr lang="pt-BR" sz="2000" b="1" dirty="0" err="1">
+                <a:solidFill>
+                  <a:schemeClr val="tx1"/>
+                </a:solidFill>
+                <a:latin typeface="Times New Roman" panose="02020603050405020304" pitchFamily="18" charset="0"/>
+                <a:cs typeface="Times New Roman" panose="02020603050405020304" pitchFamily="18" charset="0"/>
+              </a:rPr>
+              <a:t>document</a:t>
+            </a:r>
+            <a:r>
+              <a:rPr lang="pt-BR" sz="2000" dirty="0">
+                <a:solidFill>
+                  <a:schemeClr val="tx1"/>
+                </a:solidFill>
+                <a:latin typeface="Times New Roman" panose="02020603050405020304" pitchFamily="18" charset="0"/>
+                <a:cs typeface="Times New Roman" panose="02020603050405020304" pitchFamily="18" charset="0"/>
+              </a:rPr>
+              <a:t>).</a:t>
+            </a:r>
+            <a:r>
+              <a:rPr lang="pt-BR" sz="2000" dirty="0" err="1">
+                <a:solidFill>
+                  <a:srgbClr val="FF0000"/>
+                </a:solidFill>
+                <a:latin typeface="Times New Roman" panose="02020603050405020304" pitchFamily="18" charset="0"/>
+                <a:cs typeface="Times New Roman" panose="02020603050405020304" pitchFamily="18" charset="0"/>
+              </a:rPr>
+              <a:t>ready</a:t>
+            </a:r>
+            <a:r>
+              <a:rPr lang="pt-BR" sz="2000" dirty="0">
+                <a:solidFill>
+                  <a:schemeClr val="tx1"/>
+                </a:solidFill>
+                <a:latin typeface="Times New Roman" panose="02020603050405020304" pitchFamily="18" charset="0"/>
+                <a:cs typeface="Times New Roman" panose="02020603050405020304" pitchFamily="18" charset="0"/>
+              </a:rPr>
+              <a:t>(</a:t>
+            </a:r>
+            <a:r>
+              <a:rPr lang="pt-BR" sz="2000" b="1" dirty="0" err="1">
                 <a:solidFill>
                   <a:schemeClr val="tx1"/>
                 </a:solidFill>
@@ -15613,7 +15952,92 @@
               <a:t>function</a:t>
             </a:r>
             <a:r>
-              <a:rPr lang="pt-BR" sz="2400" dirty="0">
+              <a:rPr lang="pt-BR" sz="2000" dirty="0">
+                <a:solidFill>
+                  <a:schemeClr val="tx1"/>
+                </a:solidFill>
+                <a:latin typeface="Times New Roman" panose="02020603050405020304" pitchFamily="18" charset="0"/>
+                <a:cs typeface="Times New Roman" panose="02020603050405020304" pitchFamily="18" charset="0"/>
+              </a:rPr>
+              <a:t>(){ </a:t>
+            </a:r>
+            <a:r>
+              <a:rPr lang="pt-BR" sz="2000" b="1" dirty="0">
+                <a:solidFill>
+                  <a:schemeClr val="tx1"/>
+                </a:solidFill>
+                <a:latin typeface="Times New Roman" panose="02020603050405020304" pitchFamily="18" charset="0"/>
+                <a:cs typeface="Times New Roman" panose="02020603050405020304" pitchFamily="18" charset="0"/>
+              </a:rPr>
+              <a:t> </a:t>
+            </a:r>
+          </a:p>
+          <a:p>
+            <a:pPr marL="0" indent="0" algn="just">
+              <a:buNone/>
+            </a:pPr>
+            <a:r>
+              <a:rPr lang="pt-BR" sz="2000" dirty="0">
+                <a:solidFill>
+                  <a:schemeClr val="tx1"/>
+                </a:solidFill>
+                <a:latin typeface="Times New Roman" panose="02020603050405020304" pitchFamily="18" charset="0"/>
+                <a:cs typeface="Times New Roman" panose="02020603050405020304" pitchFamily="18" charset="0"/>
+              </a:rPr>
+              <a:t>		$(‘#</a:t>
+            </a:r>
+            <a:r>
+              <a:rPr lang="pt-BR" sz="2000" b="1" dirty="0" err="1">
+                <a:solidFill>
+                  <a:schemeClr val="tx1"/>
+                </a:solidFill>
+                <a:latin typeface="Times New Roman" panose="02020603050405020304" pitchFamily="18" charset="0"/>
+                <a:cs typeface="Times New Roman" panose="02020603050405020304" pitchFamily="18" charset="0"/>
+              </a:rPr>
+              <a:t>idInputButton</a:t>
+            </a:r>
+            <a:r>
+              <a:rPr lang="pt-BR" sz="2000" dirty="0">
+                <a:solidFill>
+                  <a:schemeClr val="tx1"/>
+                </a:solidFill>
+                <a:latin typeface="Times New Roman" panose="02020603050405020304" pitchFamily="18" charset="0"/>
+                <a:cs typeface="Times New Roman" panose="02020603050405020304" pitchFamily="18" charset="0"/>
+              </a:rPr>
+              <a:t>').</a:t>
+            </a:r>
+            <a:r>
+              <a:rPr lang="pt-BR" sz="2000" b="1" dirty="0">
+                <a:solidFill>
+                  <a:srgbClr val="FF0000"/>
+                </a:solidFill>
+                <a:latin typeface="Times New Roman" panose="02020603050405020304" pitchFamily="18" charset="0"/>
+                <a:cs typeface="Times New Roman" panose="02020603050405020304" pitchFamily="18" charset="0"/>
+              </a:rPr>
+              <a:t>click</a:t>
+            </a:r>
+            <a:r>
+              <a:rPr lang="pt-BR" sz="2000" dirty="0">
+                <a:solidFill>
+                  <a:schemeClr val="tx1"/>
+                </a:solidFill>
+                <a:latin typeface="Times New Roman" panose="02020603050405020304" pitchFamily="18" charset="0"/>
+                <a:cs typeface="Times New Roman" panose="02020603050405020304" pitchFamily="18" charset="0"/>
+              </a:rPr>
+              <a:t>( </a:t>
+            </a:r>
+            <a:r>
+              <a:rPr lang="pt-BR" sz="2000" b="1" dirty="0" err="1">
+                <a:solidFill>
+                  <a:schemeClr val="tx1"/>
+                </a:solidFill>
+                <a:latin typeface="Times New Roman" panose="02020603050405020304" pitchFamily="18" charset="0"/>
+                <a:cs typeface="Times New Roman" panose="02020603050405020304" pitchFamily="18" charset="0"/>
+              </a:rPr>
+              <a:t>function</a:t>
+            </a:r>
+            <a:r>
+              <a:rPr lang="pt-BR" sz="2000" dirty="0">
                 <a:solidFill>
                   <a:schemeClr val="tx1"/>
                 </a:solidFill>
@@ -15623,19 +16047,9 @@
               <a:t> () { // </a:t>
             </a:r>
             <a:r>
-              <a:rPr lang="pt-BR" sz="2400" b="1" dirty="0">
-                <a:solidFill>
-                  <a:schemeClr val="tx1"/>
-                </a:solidFill>
-                <a:latin typeface="Times New Roman" panose="02020603050405020304" pitchFamily="18" charset="0"/>
-                <a:cs typeface="Times New Roman" panose="02020603050405020304" pitchFamily="18" charset="0"/>
-              </a:rPr>
-              <a:t>método </a:t>
-            </a:r>
-            <a:r>
-              <a:rPr lang="pt-BR" sz="2400" b="1" dirty="0" err="1">
-                <a:solidFill>
-                  <a:schemeClr val="tx1"/>
+              <a:rPr lang="pt-BR" sz="2000" b="1" dirty="0" err="1">
+                <a:solidFill>
+                  <a:srgbClr val="FF0000"/>
                 </a:solidFill>
                 <a:latin typeface="Times New Roman" panose="02020603050405020304" pitchFamily="18" charset="0"/>
                 <a:cs typeface="Times New Roman" panose="02020603050405020304" pitchFamily="18" charset="0"/>
@@ -15643,7 +16057,7 @@
               <a:t>blur</a:t>
             </a:r>
             <a:r>
-              <a:rPr lang="pt-BR" sz="2400" dirty="0">
+              <a:rPr lang="pt-BR" sz="2000" dirty="0">
                 <a:solidFill>
                   <a:schemeClr val="tx1"/>
                 </a:solidFill>
@@ -15653,7 +16067,7 @@
               <a:t> (sair do </a:t>
             </a:r>
             <a:r>
-              <a:rPr lang="pt-BR" sz="2400" dirty="0" err="1">
+              <a:rPr lang="pt-BR" sz="2000" dirty="0" err="1">
                 <a:solidFill>
                   <a:schemeClr val="tx1"/>
                 </a:solidFill>
@@ -15663,7 +16077,7 @@
               <a:t>inputCEP</a:t>
             </a:r>
             <a:r>
-              <a:rPr lang="pt-BR" sz="2400" dirty="0">
+              <a:rPr lang="pt-BR" sz="2000" dirty="0">
                 <a:solidFill>
                   <a:schemeClr val="tx1"/>
                 </a:solidFill>
@@ -15678,19 +16092,34 @@
               <a:buNone/>
             </a:pPr>
             <a:r>
-              <a:rPr lang="pt-BR" sz="2400" dirty="0">
-                <a:solidFill>
-                  <a:schemeClr val="tx1"/>
-                </a:solidFill>
-                <a:latin typeface="Times New Roman" panose="02020603050405020304" pitchFamily="18" charset="0"/>
-                <a:cs typeface="Times New Roman" panose="02020603050405020304" pitchFamily="18" charset="0"/>
-              </a:rPr>
-              <a:t>          </a:t>
-            </a:r>
-            <a:r>
-              <a:rPr lang="pt-BR" sz="2400" dirty="0" err="1">
-                <a:solidFill>
-                  <a:schemeClr val="tx1"/>
+              <a:rPr lang="pt-BR" sz="2000" dirty="0">
+                <a:solidFill>
+                  <a:schemeClr val="tx1"/>
+                </a:solidFill>
+                <a:latin typeface="Times New Roman" panose="02020603050405020304" pitchFamily="18" charset="0"/>
+                <a:cs typeface="Times New Roman" panose="02020603050405020304" pitchFamily="18" charset="0"/>
+              </a:rPr>
+              <a:t>            	</a:t>
+            </a:r>
+          </a:p>
+          <a:p>
+            <a:pPr marL="0" indent="0" algn="just">
+              <a:buNone/>
+            </a:pPr>
+            <a:r>
+              <a:rPr lang="pt-BR" sz="2000" dirty="0">
+                <a:solidFill>
+                  <a:schemeClr val="tx1"/>
+                </a:solidFill>
+                <a:latin typeface="Times New Roman" panose="02020603050405020304" pitchFamily="18" charset="0"/>
+                <a:cs typeface="Times New Roman" panose="02020603050405020304" pitchFamily="18" charset="0"/>
+              </a:rPr>
+              <a:t>			</a:t>
+            </a:r>
+            <a:r>
+              <a:rPr lang="pt-BR" sz="2000" b="1" dirty="0" err="1">
+                <a:solidFill>
+                  <a:srgbClr val="FF0000"/>
                 </a:solidFill>
                 <a:latin typeface="Times New Roman" panose="02020603050405020304" pitchFamily="18" charset="0"/>
                 <a:cs typeface="Times New Roman" panose="02020603050405020304" pitchFamily="18" charset="0"/>
@@ -15698,7 +16127,7 @@
               <a:t>let</a:t>
             </a:r>
             <a:r>
-              <a:rPr lang="pt-BR" sz="2400" dirty="0">
+              <a:rPr lang="pt-BR" sz="2000" dirty="0">
                 <a:solidFill>
                   <a:schemeClr val="tx1"/>
                 </a:solidFill>
@@ -15708,7 +16137,7 @@
               <a:t> </a:t>
             </a:r>
             <a:r>
-              <a:rPr lang="pt-BR" sz="2400" b="1" dirty="0" err="1">
+              <a:rPr lang="pt-BR" sz="2000" b="1" dirty="0" err="1">
                 <a:solidFill>
                   <a:schemeClr val="tx1"/>
                 </a:solidFill>
@@ -15718,7 +16147,7 @@
               <a:t>valorCEP</a:t>
             </a:r>
             <a:r>
-              <a:rPr lang="pt-BR" sz="2400" dirty="0">
+              <a:rPr lang="pt-BR" sz="2000" dirty="0">
                 <a:solidFill>
                   <a:schemeClr val="tx1"/>
                 </a:solidFill>
@@ -15728,7 +16157,7 @@
               <a:t> = $('#</a:t>
             </a:r>
             <a:r>
-              <a:rPr lang="pt-BR" sz="2400" dirty="0" err="1">
+              <a:rPr lang="pt-BR" sz="2000" b="1" dirty="0" err="1">
                 <a:solidFill>
                   <a:schemeClr val="tx1"/>
                 </a:solidFill>
@@ -15738,7 +16167,7 @@
               <a:t>inputCEP</a:t>
             </a:r>
             <a:r>
-              <a:rPr lang="pt-BR" sz="2400" dirty="0">
+              <a:rPr lang="pt-BR" sz="2000" dirty="0">
                 <a:solidFill>
                   <a:schemeClr val="tx1"/>
                 </a:solidFill>
@@ -15748,9 +16177,9 @@
               <a:t>').</a:t>
             </a:r>
             <a:r>
-              <a:rPr lang="pt-BR" sz="2400" b="1" dirty="0" err="1">
-                <a:solidFill>
-                  <a:schemeClr val="tx1"/>
+              <a:rPr lang="pt-BR" sz="2000" b="1" dirty="0" err="1">
+                <a:solidFill>
+                  <a:srgbClr val="FF0000"/>
                 </a:solidFill>
                 <a:latin typeface="Times New Roman" panose="02020603050405020304" pitchFamily="18" charset="0"/>
                 <a:cs typeface="Times New Roman" panose="02020603050405020304" pitchFamily="18" charset="0"/>
@@ -15758,7 +16187,7 @@
               <a:t>val</a:t>
             </a:r>
             <a:r>
-              <a:rPr lang="pt-BR" sz="2400" dirty="0">
+              <a:rPr lang="pt-BR" sz="2000" dirty="0">
                 <a:solidFill>
                   <a:schemeClr val="tx1"/>
                 </a:solidFill>
@@ -15773,39 +16202,169 @@
               <a:buNone/>
             </a:pPr>
             <a:r>
-              <a:rPr lang="pt-BR" sz="2400" dirty="0">
-                <a:solidFill>
-                  <a:schemeClr val="tx1"/>
-                </a:solidFill>
-                <a:latin typeface="Times New Roman" panose="02020603050405020304" pitchFamily="18" charset="0"/>
-                <a:cs typeface="Times New Roman" panose="02020603050405020304" pitchFamily="18" charset="0"/>
-              </a:rPr>
-              <a:t>	    $.</a:t>
-            </a:r>
-            <a:r>
-              <a:rPr lang="pt-BR" sz="2400" b="1" dirty="0" err="1">
+              <a:rPr lang="pt-BR" sz="2000" dirty="0">
+                <a:solidFill>
+                  <a:schemeClr val="tx1"/>
+                </a:solidFill>
+                <a:latin typeface="Times New Roman" panose="02020603050405020304" pitchFamily="18" charset="0"/>
+                <a:cs typeface="Times New Roman" panose="02020603050405020304" pitchFamily="18" charset="0"/>
+              </a:rPr>
+              <a:t>	     	</a:t>
+            </a:r>
+          </a:p>
+          <a:p>
+            <a:pPr marL="0" indent="0" algn="just">
+              <a:buNone/>
+            </a:pPr>
+            <a:r>
+              <a:rPr lang="pt-BR" sz="2000" dirty="0">
+                <a:solidFill>
+                  <a:schemeClr val="tx1"/>
+                </a:solidFill>
+                <a:latin typeface="Times New Roman" panose="02020603050405020304" pitchFamily="18" charset="0"/>
+                <a:cs typeface="Times New Roman" panose="02020603050405020304" pitchFamily="18" charset="0"/>
+              </a:rPr>
+              <a:t>			// </a:t>
+            </a:r>
+            <a:r>
+              <a:rPr lang="pt-BR" sz="2000" b="1" dirty="0" err="1">
+                <a:solidFill>
+                  <a:srgbClr val="0070C0"/>
+                </a:solidFill>
+                <a:latin typeface="Times New Roman" panose="02020603050405020304" pitchFamily="18" charset="0"/>
+                <a:cs typeface="Times New Roman" panose="02020603050405020304" pitchFamily="18" charset="0"/>
+              </a:rPr>
+              <a:t>function</a:t>
+            </a:r>
+            <a:r>
+              <a:rPr lang="pt-BR" sz="2000" b="1" dirty="0">
+                <a:solidFill>
+                  <a:schemeClr val="tx1"/>
+                </a:solidFill>
+                <a:latin typeface="Times New Roman" panose="02020603050405020304" pitchFamily="18" charset="0"/>
+                <a:cs typeface="Times New Roman" panose="02020603050405020304" pitchFamily="18" charset="0"/>
+              </a:rPr>
+              <a:t> </a:t>
+            </a:r>
+            <a:r>
+              <a:rPr lang="pt-BR" sz="2000" b="1" dirty="0">
                 <a:solidFill>
                   <a:srgbClr val="FF0000"/>
                 </a:solidFill>
                 <a:latin typeface="Times New Roman" panose="02020603050405020304" pitchFamily="18" charset="0"/>
                 <a:cs typeface="Times New Roman" panose="02020603050405020304" pitchFamily="18" charset="0"/>
               </a:rPr>
+              <a:t>$.</a:t>
+            </a:r>
+            <a:r>
+              <a:rPr lang="pt-BR" sz="2000" b="1" dirty="0" err="1">
+                <a:solidFill>
+                  <a:srgbClr val="FF0000"/>
+                </a:solidFill>
+                <a:latin typeface="Times New Roman" panose="02020603050405020304" pitchFamily="18" charset="0"/>
+                <a:cs typeface="Times New Roman" panose="02020603050405020304" pitchFamily="18" charset="0"/>
+              </a:rPr>
               <a:t>get</a:t>
             </a:r>
             <a:r>
-              <a:rPr lang="pt-BR" sz="2400" dirty="0">
-                <a:solidFill>
-                  <a:schemeClr val="tx1"/>
-                </a:solidFill>
-                <a:latin typeface="Times New Roman" panose="02020603050405020304" pitchFamily="18" charset="0"/>
-                <a:cs typeface="Times New Roman" panose="02020603050405020304" pitchFamily="18" charset="0"/>
-              </a:rPr>
-              <a:t>('https://viacep.com.br/ws/'+ </a:t>
-            </a:r>
-            <a:r>
-              <a:rPr lang="pt-BR" sz="2400" b="1" dirty="0" err="1">
-                <a:solidFill>
-                  <a:schemeClr val="tx1"/>
+              <a:rPr lang="pt-BR" sz="2000" b="1" dirty="0">
+                <a:solidFill>
+                  <a:schemeClr val="tx1"/>
+                </a:solidFill>
+                <a:latin typeface="Times New Roman" panose="02020603050405020304" pitchFamily="18" charset="0"/>
+                <a:cs typeface="Times New Roman" panose="02020603050405020304" pitchFamily="18" charset="0"/>
+              </a:rPr>
+              <a:t> (URL, </a:t>
+            </a:r>
+            <a:r>
+              <a:rPr lang="pt-BR" sz="2000" b="1" dirty="0" err="1">
+                <a:solidFill>
+                  <a:srgbClr val="FF0000"/>
+                </a:solidFill>
+                <a:latin typeface="Times New Roman" panose="02020603050405020304" pitchFamily="18" charset="0"/>
+                <a:cs typeface="Times New Roman" panose="02020603050405020304" pitchFamily="18" charset="0"/>
+              </a:rPr>
+              <a:t>function</a:t>
+            </a:r>
+            <a:r>
+              <a:rPr lang="pt-BR" sz="2000" b="1" dirty="0">
+                <a:solidFill>
+                  <a:schemeClr val="tx1"/>
+                </a:solidFill>
+                <a:latin typeface="Times New Roman" panose="02020603050405020304" pitchFamily="18" charset="0"/>
+                <a:cs typeface="Times New Roman" panose="02020603050405020304" pitchFamily="18" charset="0"/>
+              </a:rPr>
+              <a:t>(dados, status) { </a:t>
+            </a:r>
+            <a:r>
+              <a:rPr lang="pt-BR" sz="2000" b="1" dirty="0">
+                <a:solidFill>
+                  <a:srgbClr val="FF0000"/>
+                </a:solidFill>
+                <a:latin typeface="Times New Roman" panose="02020603050405020304" pitchFamily="18" charset="0"/>
+                <a:cs typeface="Times New Roman" panose="02020603050405020304" pitchFamily="18" charset="0"/>
+              </a:rPr>
+              <a:t>instruções</a:t>
+            </a:r>
+            <a:r>
+              <a:rPr lang="pt-BR" sz="2000" b="1" dirty="0">
+                <a:solidFill>
+                  <a:schemeClr val="tx1"/>
+                </a:solidFill>
+                <a:latin typeface="Times New Roman" panose="02020603050405020304" pitchFamily="18" charset="0"/>
+                <a:cs typeface="Times New Roman" panose="02020603050405020304" pitchFamily="18" charset="0"/>
+              </a:rPr>
+              <a:t> } )</a:t>
+            </a:r>
+          </a:p>
+          <a:p>
+            <a:pPr marL="0" indent="0" algn="just">
+              <a:buNone/>
+            </a:pPr>
+            <a:r>
+              <a:rPr lang="pt-BR" sz="2000" dirty="0">
+                <a:solidFill>
+                  <a:schemeClr val="tx1"/>
+                </a:solidFill>
+                <a:latin typeface="Times New Roman" panose="02020603050405020304" pitchFamily="18" charset="0"/>
+                <a:cs typeface="Times New Roman" panose="02020603050405020304" pitchFamily="18" charset="0"/>
+              </a:rPr>
+              <a:t>			</a:t>
+            </a:r>
+            <a:r>
+              <a:rPr lang="pt-BR" sz="2000" b="1" dirty="0">
+                <a:solidFill>
+                  <a:srgbClr val="FF0000"/>
+                </a:solidFill>
+                <a:latin typeface="Times New Roman" panose="02020603050405020304" pitchFamily="18" charset="0"/>
+                <a:cs typeface="Times New Roman" panose="02020603050405020304" pitchFamily="18" charset="0"/>
+              </a:rPr>
+              <a:t>$.</a:t>
+            </a:r>
+            <a:r>
+              <a:rPr lang="pt-BR" sz="2000" b="1" dirty="0" err="1">
+                <a:solidFill>
+                  <a:srgbClr val="FF0000"/>
+                </a:solidFill>
+                <a:latin typeface="Times New Roman" panose="02020603050405020304" pitchFamily="18" charset="0"/>
+                <a:cs typeface="Times New Roman" panose="02020603050405020304" pitchFamily="18" charset="0"/>
+              </a:rPr>
+              <a:t>get</a:t>
+            </a:r>
+            <a:r>
+              <a:rPr lang="pt-BR" sz="2000" dirty="0">
+                <a:solidFill>
+                  <a:schemeClr val="tx1"/>
+                </a:solidFill>
+                <a:latin typeface="Times New Roman" panose="02020603050405020304" pitchFamily="18" charset="0"/>
+                <a:cs typeface="Times New Roman" panose="02020603050405020304" pitchFamily="18" charset="0"/>
+              </a:rPr>
+              <a:t>('https://viacep.com.br/ws/’ + </a:t>
+            </a:r>
+            <a:r>
+              <a:rPr lang="pt-BR" sz="2000" b="1" dirty="0" err="1">
+                <a:solidFill>
+                  <a:srgbClr val="FF0000"/>
                 </a:solidFill>
                 <a:latin typeface="Times New Roman" panose="02020603050405020304" pitchFamily="18" charset="0"/>
                 <a:cs typeface="Times New Roman" panose="02020603050405020304" pitchFamily="18" charset="0"/>
@@ -15813,7 +16372,7 @@
               <a:t>valorCEP</a:t>
             </a:r>
             <a:r>
-              <a:rPr lang="pt-BR" sz="2400" dirty="0">
+              <a:rPr lang="pt-BR" sz="2000" dirty="0">
                 <a:solidFill>
                   <a:schemeClr val="tx1"/>
                 </a:solidFill>
@@ -15823,7 +16382,7 @@
               <a:t> + '/</a:t>
             </a:r>
             <a:r>
-              <a:rPr lang="pt-BR" sz="2400" dirty="0" err="1">
+              <a:rPr lang="pt-BR" sz="2000" dirty="0" err="1">
                 <a:solidFill>
                   <a:schemeClr val="tx1"/>
                 </a:solidFill>
@@ -15833,120 +16392,32 @@
               <a:t>json</a:t>
             </a:r>
             <a:r>
-              <a:rPr lang="pt-BR" sz="2400" dirty="0">
-                <a:solidFill>
-                  <a:schemeClr val="tx1"/>
-                </a:solidFill>
-                <a:latin typeface="Times New Roman" panose="02020603050405020304" pitchFamily="18" charset="0"/>
-                <a:cs typeface="Times New Roman" panose="02020603050405020304" pitchFamily="18" charset="0"/>
-              </a:rPr>
-              <a:t>/', </a:t>
-            </a:r>
-            <a:r>
-              <a:rPr lang="pt-BR" sz="2400" b="1" dirty="0" err="1">
-                <a:solidFill>
-                  <a:schemeClr val="tx1"/>
-                </a:solidFill>
-                <a:latin typeface="Times New Roman" panose="02020603050405020304" pitchFamily="18" charset="0"/>
-                <a:cs typeface="Times New Roman" panose="02020603050405020304" pitchFamily="18" charset="0"/>
-              </a:rPr>
-              <a:t>function</a:t>
-            </a:r>
-            <a:r>
-              <a:rPr lang="pt-BR" sz="2400" dirty="0">
-                <a:solidFill>
-                  <a:schemeClr val="tx1"/>
-                </a:solidFill>
-                <a:latin typeface="Times New Roman" panose="02020603050405020304" pitchFamily="18" charset="0"/>
-                <a:cs typeface="Times New Roman" panose="02020603050405020304" pitchFamily="18" charset="0"/>
-              </a:rPr>
-              <a:t>(</a:t>
-            </a:r>
-            <a:r>
-              <a:rPr lang="pt-BR" sz="2400" dirty="0" err="1">
-                <a:solidFill>
-                  <a:schemeClr val="tx1"/>
-                </a:solidFill>
-                <a:latin typeface="Times New Roman" panose="02020603050405020304" pitchFamily="18" charset="0"/>
-                <a:cs typeface="Times New Roman" panose="02020603050405020304" pitchFamily="18" charset="0"/>
-              </a:rPr>
-              <a:t>dadosCEP</a:t>
-            </a:r>
-            <a:r>
-              <a:rPr lang="pt-BR" sz="2400" dirty="0">
-                <a:solidFill>
-                  <a:schemeClr val="tx1"/>
-                </a:solidFill>
-                <a:latin typeface="Times New Roman" panose="02020603050405020304" pitchFamily="18" charset="0"/>
-                <a:cs typeface="Times New Roman" panose="02020603050405020304" pitchFamily="18" charset="0"/>
-              </a:rPr>
-              <a:t>, status) {			// </a:t>
-            </a:r>
-            <a:r>
-              <a:rPr lang="pt-BR" sz="2400" b="1" dirty="0">
-                <a:solidFill>
-                  <a:schemeClr val="tx1"/>
-                </a:solidFill>
-                <a:latin typeface="Times New Roman" panose="02020603050405020304" pitchFamily="18" charset="0"/>
-                <a:cs typeface="Times New Roman" panose="02020603050405020304" pitchFamily="18" charset="0"/>
-              </a:rPr>
-              <a:t>método </a:t>
-            </a:r>
-            <a:r>
-              <a:rPr lang="pt-BR" sz="2400" b="1" dirty="0" err="1">
-                <a:solidFill>
-                  <a:schemeClr val="tx1"/>
-                </a:solidFill>
-                <a:latin typeface="Times New Roman" panose="02020603050405020304" pitchFamily="18" charset="0"/>
-                <a:cs typeface="Times New Roman" panose="02020603050405020304" pitchFamily="18" charset="0"/>
-              </a:rPr>
-              <a:t>get</a:t>
-            </a:r>
-            <a:r>
-              <a:rPr lang="pt-BR" sz="2400" dirty="0">
-                <a:solidFill>
-                  <a:schemeClr val="tx1"/>
-                </a:solidFill>
-                <a:latin typeface="Times New Roman" panose="02020603050405020304" pitchFamily="18" charset="0"/>
-                <a:cs typeface="Times New Roman" panose="02020603050405020304" pitchFamily="18" charset="0"/>
-              </a:rPr>
-              <a:t>: pegar dado (requisição)</a:t>
-            </a:r>
-          </a:p>
-          <a:p>
-            <a:pPr marL="0" indent="0" algn="just">
-              <a:buNone/>
-            </a:pPr>
-            <a:r>
-              <a:rPr lang="pt-BR" sz="2400" dirty="0">
-                <a:solidFill>
-                  <a:schemeClr val="tx1"/>
-                </a:solidFill>
-                <a:latin typeface="Times New Roman" panose="02020603050405020304" pitchFamily="18" charset="0"/>
-                <a:cs typeface="Times New Roman" panose="02020603050405020304" pitchFamily="18" charset="0"/>
-              </a:rPr>
-              <a:t>         //</a:t>
-            </a:r>
-            <a:r>
-              <a:rPr lang="pt-BR" sz="2400" b="1" dirty="0" err="1">
-                <a:solidFill>
-                  <a:schemeClr val="tx1"/>
-                </a:solidFill>
-                <a:latin typeface="Times New Roman" panose="02020603050405020304" pitchFamily="18" charset="0"/>
-                <a:cs typeface="Times New Roman" panose="02020603050405020304" pitchFamily="18" charset="0"/>
-              </a:rPr>
-              <a:t>alert</a:t>
-            </a:r>
-            <a:r>
-              <a:rPr lang="pt-BR" sz="2400" dirty="0">
-                <a:solidFill>
-                  <a:schemeClr val="tx1"/>
-                </a:solidFill>
-                <a:latin typeface="Times New Roman" panose="02020603050405020304" pitchFamily="18" charset="0"/>
-                <a:cs typeface="Times New Roman" panose="02020603050405020304" pitchFamily="18" charset="0"/>
-              </a:rPr>
-              <a:t>(status);</a:t>
-            </a:r>
+              <a:rPr lang="pt-BR" sz="2000" dirty="0">
+                <a:solidFill>
+                  <a:schemeClr val="tx1"/>
+                </a:solidFill>
+                <a:latin typeface="Times New Roman" panose="02020603050405020304" pitchFamily="18" charset="0"/>
+                <a:cs typeface="Times New Roman" panose="02020603050405020304" pitchFamily="18" charset="0"/>
+              </a:rPr>
+              <a:t>/’ </a:t>
+            </a:r>
+            <a:r>
+              <a:rPr lang="pt-BR" sz="2000" b="1" dirty="0">
+                <a:solidFill>
+                  <a:srgbClr val="FF0000"/>
+                </a:solidFill>
+                <a:latin typeface="Times New Roman" panose="02020603050405020304" pitchFamily="18" charset="0"/>
+                <a:cs typeface="Times New Roman" panose="02020603050405020304" pitchFamily="18" charset="0"/>
+              </a:rPr>
+              <a:t>,</a:t>
+            </a:r>
+            <a:endParaRPr lang="pt-BR" sz="2000" dirty="0">
+              <a:solidFill>
+                <a:schemeClr val="tx1"/>
+              </a:solidFill>
+              <a:latin typeface="Times New Roman" panose="02020603050405020304" pitchFamily="18" charset="0"/>
+              <a:cs typeface="Times New Roman" panose="02020603050405020304" pitchFamily="18" charset="0"/>
+            </a:endParaRPr>
           </a:p>
         </p:txBody>
       </p:sp>
@@ -16392,17 +16863,122 @@
               <a:buNone/>
             </a:pPr>
             <a:r>
-              <a:rPr lang="pt-BR" sz="2400" dirty="0">
-                <a:solidFill>
-                  <a:schemeClr val="tx1"/>
-                </a:solidFill>
-                <a:latin typeface="Times New Roman" panose="02020603050405020304" pitchFamily="18" charset="0"/>
-                <a:cs typeface="Times New Roman" panose="02020603050405020304" pitchFamily="18" charset="0"/>
-              </a:rPr>
-              <a:t>	</a:t>
-            </a:r>
-            <a:r>
-              <a:rPr lang="pt-BR" sz="2400" b="1" dirty="0" err="1">
+              <a:rPr lang="pt-BR" sz="2000" b="1" dirty="0">
+                <a:solidFill>
+                  <a:schemeClr val="tx1"/>
+                </a:solidFill>
+                <a:latin typeface="Times New Roman" panose="02020603050405020304" pitchFamily="18" charset="0"/>
+                <a:cs typeface="Times New Roman" panose="02020603050405020304" pitchFamily="18" charset="0"/>
+              </a:rPr>
+              <a:t> 	</a:t>
+            </a:r>
+            <a:r>
+              <a:rPr lang="pt-BR" sz="2000" b="1" dirty="0" err="1">
+                <a:solidFill>
+                  <a:schemeClr val="tx1"/>
+                </a:solidFill>
+                <a:latin typeface="Times New Roman" panose="02020603050405020304" pitchFamily="18" charset="0"/>
+                <a:cs typeface="Times New Roman" panose="02020603050405020304" pitchFamily="18" charset="0"/>
+              </a:rPr>
+              <a:t>function</a:t>
+            </a:r>
+            <a:r>
+              <a:rPr lang="pt-BR" sz="2000" dirty="0">
+                <a:solidFill>
+                  <a:schemeClr val="tx1"/>
+                </a:solidFill>
+                <a:latin typeface="Times New Roman" panose="02020603050405020304" pitchFamily="18" charset="0"/>
+                <a:cs typeface="Times New Roman" panose="02020603050405020304" pitchFamily="18" charset="0"/>
+              </a:rPr>
+              <a:t>(</a:t>
+            </a:r>
+            <a:r>
+              <a:rPr lang="pt-BR" sz="2000" dirty="0" err="1">
+                <a:solidFill>
+                  <a:schemeClr val="tx1"/>
+                </a:solidFill>
+                <a:latin typeface="Times New Roman" panose="02020603050405020304" pitchFamily="18" charset="0"/>
+                <a:cs typeface="Times New Roman" panose="02020603050405020304" pitchFamily="18" charset="0"/>
+              </a:rPr>
+              <a:t>dadosCEP</a:t>
+            </a:r>
+            <a:r>
+              <a:rPr lang="pt-BR" sz="2000" dirty="0">
+                <a:solidFill>
+                  <a:schemeClr val="tx1"/>
+                </a:solidFill>
+                <a:latin typeface="Times New Roman" panose="02020603050405020304" pitchFamily="18" charset="0"/>
+                <a:cs typeface="Times New Roman" panose="02020603050405020304" pitchFamily="18" charset="0"/>
+              </a:rPr>
+              <a:t>, status) { // </a:t>
+            </a:r>
+            <a:r>
+              <a:rPr lang="pt-BR" sz="2000" b="1" dirty="0">
+                <a:solidFill>
+                  <a:schemeClr val="tx1"/>
+                </a:solidFill>
+                <a:latin typeface="Times New Roman" panose="02020603050405020304" pitchFamily="18" charset="0"/>
+                <a:cs typeface="Times New Roman" panose="02020603050405020304" pitchFamily="18" charset="0"/>
+              </a:rPr>
+              <a:t>método </a:t>
+            </a:r>
+            <a:r>
+              <a:rPr lang="pt-BR" sz="2000" b="1" dirty="0" err="1">
+                <a:solidFill>
+                  <a:schemeClr val="tx1"/>
+                </a:solidFill>
+                <a:latin typeface="Times New Roman" panose="02020603050405020304" pitchFamily="18" charset="0"/>
+                <a:cs typeface="Times New Roman" panose="02020603050405020304" pitchFamily="18" charset="0"/>
+              </a:rPr>
+              <a:t>get</a:t>
+            </a:r>
+            <a:r>
+              <a:rPr lang="pt-BR" sz="2000" dirty="0">
+                <a:solidFill>
+                  <a:schemeClr val="tx1"/>
+                </a:solidFill>
+                <a:latin typeface="Times New Roman" panose="02020603050405020304" pitchFamily="18" charset="0"/>
+                <a:cs typeface="Times New Roman" panose="02020603050405020304" pitchFamily="18" charset="0"/>
+              </a:rPr>
+              <a:t>: pegar dados (</a:t>
+            </a:r>
+            <a:r>
+              <a:rPr lang="pt-BR" sz="2000" b="1" dirty="0">
+                <a:solidFill>
+                  <a:schemeClr val="tx1"/>
+                </a:solidFill>
+                <a:latin typeface="Times New Roman" panose="02020603050405020304" pitchFamily="18" charset="0"/>
+                <a:cs typeface="Times New Roman" panose="02020603050405020304" pitchFamily="18" charset="0"/>
+              </a:rPr>
+              <a:t>requisição</a:t>
+            </a:r>
+            <a:r>
+              <a:rPr lang="pt-BR" sz="2000" dirty="0">
+                <a:solidFill>
+                  <a:schemeClr val="tx1"/>
+                </a:solidFill>
+                <a:latin typeface="Times New Roman" panose="02020603050405020304" pitchFamily="18" charset="0"/>
+                <a:cs typeface="Times New Roman" panose="02020603050405020304" pitchFamily="18" charset="0"/>
+              </a:rPr>
+              <a:t>)</a:t>
+            </a:r>
+          </a:p>
+          <a:p>
+            <a:pPr marL="0" indent="0" algn="just">
+              <a:buNone/>
+            </a:pPr>
+            <a:r>
+              <a:rPr lang="pt-BR" sz="2000" b="1" dirty="0">
+                <a:solidFill>
+                  <a:schemeClr val="tx1"/>
+                </a:solidFill>
+                <a:latin typeface="Times New Roman" panose="02020603050405020304" pitchFamily="18" charset="0"/>
+                <a:cs typeface="Times New Roman" panose="02020603050405020304" pitchFamily="18" charset="0"/>
+              </a:rPr>
+              <a:t>		</a:t>
+            </a:r>
+            <a:r>
+              <a:rPr lang="pt-BR" sz="2000" b="1" dirty="0" err="1">
                 <a:solidFill>
                   <a:schemeClr val="tx1"/>
                 </a:solidFill>
@@ -16412,7 +16988,7 @@
               <a:t>if</a:t>
             </a:r>
             <a:r>
-              <a:rPr lang="pt-BR" sz="2400" dirty="0">
+              <a:rPr lang="pt-BR" sz="2000" dirty="0">
                 <a:solidFill>
                   <a:schemeClr val="tx1"/>
                 </a:solidFill>
@@ -16422,7 +16998,7 @@
               <a:t> ( </a:t>
             </a:r>
             <a:r>
-              <a:rPr lang="pt-BR" sz="2400" b="1" dirty="0">
+              <a:rPr lang="pt-BR" sz="2000" b="1" dirty="0">
                 <a:solidFill>
                   <a:srgbClr val="FF0000"/>
                 </a:solidFill>
@@ -16432,17 +17008,27 @@
               <a:t>status</a:t>
             </a:r>
             <a:r>
-              <a:rPr lang="pt-BR" sz="2400" dirty="0">
-                <a:solidFill>
-                  <a:schemeClr val="tx1"/>
-                </a:solidFill>
-                <a:latin typeface="Times New Roman" panose="02020603050405020304" pitchFamily="18" charset="0"/>
-                <a:cs typeface="Times New Roman" panose="02020603050405020304" pitchFamily="18" charset="0"/>
-              </a:rPr>
-              <a:t> == '</a:t>
-            </a:r>
-            <a:r>
-              <a:rPr lang="pt-BR" sz="2400" dirty="0" err="1">
+              <a:rPr lang="pt-BR" sz="2000" dirty="0">
+                <a:solidFill>
+                  <a:schemeClr val="tx1"/>
+                </a:solidFill>
+                <a:latin typeface="Times New Roman" panose="02020603050405020304" pitchFamily="18" charset="0"/>
+                <a:cs typeface="Times New Roman" panose="02020603050405020304" pitchFamily="18" charset="0"/>
+              </a:rPr>
+              <a:t> == </a:t>
+            </a:r>
+            <a:r>
+              <a:rPr lang="pt-BR" sz="2000" b="1" dirty="0">
+                <a:solidFill>
+                  <a:schemeClr val="tx1"/>
+                </a:solidFill>
+                <a:latin typeface="Times New Roman" panose="02020603050405020304" pitchFamily="18" charset="0"/>
+                <a:cs typeface="Times New Roman" panose="02020603050405020304" pitchFamily="18" charset="0"/>
+              </a:rPr>
+              <a:t>'</a:t>
+            </a:r>
+            <a:r>
+              <a:rPr lang="pt-BR" sz="2000" b="1" dirty="0" err="1">
                 <a:solidFill>
                   <a:schemeClr val="tx1"/>
                 </a:solidFill>
@@ -16452,32 +17038,52 @@
               <a:t>success</a:t>
             </a:r>
             <a:r>
-              <a:rPr lang="pt-BR" sz="2400" dirty="0">
-                <a:solidFill>
-                  <a:schemeClr val="tx1"/>
-                </a:solidFill>
-                <a:latin typeface="Times New Roman" panose="02020603050405020304" pitchFamily="18" charset="0"/>
-                <a:cs typeface="Times New Roman" panose="02020603050405020304" pitchFamily="18" charset="0"/>
-              </a:rPr>
-              <a:t>'){</a:t>
-            </a:r>
-          </a:p>
-          <a:p>
-            <a:pPr marL="0" indent="0" algn="just">
-              <a:buNone/>
-            </a:pPr>
-            <a:r>
-              <a:rPr lang="pt-BR" sz="2400" dirty="0">
-                <a:solidFill>
-                  <a:schemeClr val="tx1"/>
-                </a:solidFill>
-                <a:latin typeface="Times New Roman" panose="02020603050405020304" pitchFamily="18" charset="0"/>
-                <a:cs typeface="Times New Roman" panose="02020603050405020304" pitchFamily="18" charset="0"/>
-              </a:rPr>
-              <a:t>              $('#</a:t>
-            </a:r>
-            <a:r>
-              <a:rPr lang="pt-BR" sz="2400" dirty="0" err="1">
+              <a:rPr lang="pt-BR" sz="2000" dirty="0">
+                <a:solidFill>
+                  <a:schemeClr val="tx1"/>
+                </a:solidFill>
+                <a:latin typeface="Times New Roman" panose="02020603050405020304" pitchFamily="18" charset="0"/>
+                <a:cs typeface="Times New Roman" panose="02020603050405020304" pitchFamily="18" charset="0"/>
+              </a:rPr>
+              <a:t>’){		// </a:t>
+            </a:r>
+            <a:r>
+              <a:rPr lang="pt-BR" sz="2000" b="1" dirty="0" err="1">
+                <a:solidFill>
+                  <a:schemeClr val="tx1"/>
+                </a:solidFill>
+                <a:latin typeface="Times New Roman" panose="02020603050405020304" pitchFamily="18" charset="0"/>
+                <a:cs typeface="Times New Roman" panose="02020603050405020304" pitchFamily="18" charset="0"/>
+              </a:rPr>
+              <a:t>alert</a:t>
+            </a:r>
+            <a:r>
+              <a:rPr lang="pt-BR" sz="2000" dirty="0">
+                <a:solidFill>
+                  <a:schemeClr val="tx1"/>
+                </a:solidFill>
+                <a:latin typeface="Times New Roman" panose="02020603050405020304" pitchFamily="18" charset="0"/>
+                <a:cs typeface="Times New Roman" panose="02020603050405020304" pitchFamily="18" charset="0"/>
+              </a:rPr>
+              <a:t>(status);	</a:t>
+            </a:r>
+          </a:p>
+          <a:p>
+            <a:pPr marL="0" indent="0" algn="just">
+              <a:buNone/>
+            </a:pPr>
+            <a:r>
+              <a:rPr lang="pt-BR" sz="2000" dirty="0">
+                <a:solidFill>
+                  <a:schemeClr val="tx1"/>
+                </a:solidFill>
+                <a:latin typeface="Times New Roman" panose="02020603050405020304" pitchFamily="18" charset="0"/>
+                <a:cs typeface="Times New Roman" panose="02020603050405020304" pitchFamily="18" charset="0"/>
+              </a:rPr>
+              <a:t>              		$('#</a:t>
+            </a:r>
+            <a:r>
+              <a:rPr lang="pt-BR" sz="2000" dirty="0" err="1">
                 <a:solidFill>
                   <a:schemeClr val="tx1"/>
                 </a:solidFill>
@@ -16487,7 +17093,7 @@
               <a:t>inputCidade</a:t>
             </a:r>
             <a:r>
-              <a:rPr lang="pt-BR" sz="2400" dirty="0">
+              <a:rPr lang="pt-BR" sz="2000" dirty="0">
                 <a:solidFill>
                   <a:schemeClr val="tx1"/>
                 </a:solidFill>
@@ -16497,7 +17103,7 @@
               <a:t>').</a:t>
             </a:r>
             <a:r>
-              <a:rPr lang="pt-BR" sz="2400" b="1" dirty="0" err="1">
+              <a:rPr lang="pt-BR" sz="2000" b="1" dirty="0" err="1">
                 <a:solidFill>
                   <a:srgbClr val="FF0000"/>
                 </a:solidFill>
@@ -16507,7 +17113,7 @@
               <a:t>val</a:t>
             </a:r>
             <a:r>
-              <a:rPr lang="pt-BR" sz="2400" dirty="0">
+              <a:rPr lang="pt-BR" sz="2000" dirty="0">
                 <a:solidFill>
                   <a:schemeClr val="tx1"/>
                 </a:solidFill>
@@ -16517,7 +17123,7 @@
               <a:t>(</a:t>
             </a:r>
             <a:r>
-              <a:rPr lang="pt-BR" sz="2400" dirty="0" err="1">
+              <a:rPr lang="pt-BR" sz="2000" dirty="0" err="1">
                 <a:solidFill>
                   <a:schemeClr val="tx1"/>
                 </a:solidFill>
@@ -16527,7 +17133,7 @@
               <a:t>dadosCEP.localidade</a:t>
             </a:r>
             <a:r>
-              <a:rPr lang="pt-BR" sz="2400" dirty="0">
+              <a:rPr lang="pt-BR" sz="2000" dirty="0">
                 <a:solidFill>
                   <a:schemeClr val="tx1"/>
                 </a:solidFill>
@@ -16542,17 +17148,17 @@
               <a:buNone/>
             </a:pPr>
             <a:r>
-              <a:rPr lang="pt-BR" sz="2400" dirty="0">
-                <a:solidFill>
-                  <a:schemeClr val="tx1"/>
-                </a:solidFill>
-                <a:latin typeface="Times New Roman" panose="02020603050405020304" pitchFamily="18" charset="0"/>
-                <a:cs typeface="Times New Roman" panose="02020603050405020304" pitchFamily="18" charset="0"/>
-              </a:rPr>
-              <a:t>              $('#</a:t>
-            </a:r>
-            <a:r>
-              <a:rPr lang="pt-BR" sz="2400" dirty="0" err="1">
+              <a:rPr lang="pt-BR" sz="2000" dirty="0">
+                <a:solidFill>
+                  <a:schemeClr val="tx1"/>
+                </a:solidFill>
+                <a:latin typeface="Times New Roman" panose="02020603050405020304" pitchFamily="18" charset="0"/>
+                <a:cs typeface="Times New Roman" panose="02020603050405020304" pitchFamily="18" charset="0"/>
+              </a:rPr>
+              <a:t>              		$('#</a:t>
+            </a:r>
+            <a:r>
+              <a:rPr lang="pt-BR" sz="2000" dirty="0" err="1">
                 <a:solidFill>
                   <a:schemeClr val="tx1"/>
                 </a:solidFill>
@@ -16562,7 +17168,7 @@
               <a:t>inputUF</a:t>
             </a:r>
             <a:r>
-              <a:rPr lang="pt-BR" sz="2400" dirty="0">
+              <a:rPr lang="pt-BR" sz="2000" dirty="0">
                 <a:solidFill>
                   <a:schemeClr val="tx1"/>
                 </a:solidFill>
@@ -16572,7 +17178,7 @@
               <a:t>').</a:t>
             </a:r>
             <a:r>
-              <a:rPr lang="pt-BR" sz="2400" b="1" dirty="0" err="1">
+              <a:rPr lang="pt-BR" sz="2000" b="1" dirty="0" err="1">
                 <a:solidFill>
                   <a:srgbClr val="FF0000"/>
                 </a:solidFill>
@@ -16582,7 +17188,7 @@
               <a:t>val</a:t>
             </a:r>
             <a:r>
-              <a:rPr lang="pt-BR" sz="2400" dirty="0">
+              <a:rPr lang="pt-BR" sz="2000" dirty="0">
                 <a:solidFill>
                   <a:schemeClr val="tx1"/>
                 </a:solidFill>
@@ -16592,7 +17198,7 @@
               <a:t>(</a:t>
             </a:r>
             <a:r>
-              <a:rPr lang="pt-BR" sz="2400" dirty="0" err="1">
+              <a:rPr lang="pt-BR" sz="2000" dirty="0" err="1">
                 <a:solidFill>
                   <a:schemeClr val="tx1"/>
                 </a:solidFill>
@@ -16602,7 +17208,7 @@
               <a:t>dadosCEP.uf</a:t>
             </a:r>
             <a:r>
-              <a:rPr lang="pt-BR" sz="2400" dirty="0">
+              <a:rPr lang="pt-BR" sz="2000" dirty="0">
                 <a:solidFill>
                   <a:schemeClr val="tx1"/>
                 </a:solidFill>
@@ -16617,17 +17223,17 @@
               <a:buNone/>
             </a:pPr>
             <a:r>
-              <a:rPr lang="pt-BR" sz="2400" dirty="0">
-                <a:solidFill>
-                  <a:schemeClr val="tx1"/>
-                </a:solidFill>
-                <a:latin typeface="Times New Roman" panose="02020603050405020304" pitchFamily="18" charset="0"/>
-                <a:cs typeface="Times New Roman" panose="02020603050405020304" pitchFamily="18" charset="0"/>
-              </a:rPr>
-              <a:t>              $('#</a:t>
-            </a:r>
-            <a:r>
-              <a:rPr lang="pt-BR" sz="2400" dirty="0" err="1">
+              <a:rPr lang="pt-BR" sz="2000" dirty="0">
+                <a:solidFill>
+                  <a:schemeClr val="tx1"/>
+                </a:solidFill>
+                <a:latin typeface="Times New Roman" panose="02020603050405020304" pitchFamily="18" charset="0"/>
+                <a:cs typeface="Times New Roman" panose="02020603050405020304" pitchFamily="18" charset="0"/>
+              </a:rPr>
+              <a:t>              		$('#</a:t>
+            </a:r>
+            <a:r>
+              <a:rPr lang="pt-BR" sz="2000" dirty="0" err="1">
                 <a:solidFill>
                   <a:schemeClr val="tx1"/>
                 </a:solidFill>
@@ -16637,7 +17243,7 @@
               <a:t>inputLogradouro</a:t>
             </a:r>
             <a:r>
-              <a:rPr lang="pt-BR" sz="2400" dirty="0">
+              <a:rPr lang="pt-BR" sz="2000" dirty="0">
                 <a:solidFill>
                   <a:schemeClr val="tx1"/>
                 </a:solidFill>
@@ -16647,7 +17253,7 @@
               <a:t>').</a:t>
             </a:r>
             <a:r>
-              <a:rPr lang="pt-BR" sz="2400" b="1" dirty="0" err="1">
+              <a:rPr lang="pt-BR" sz="2000" b="1" dirty="0" err="1">
                 <a:solidFill>
                   <a:srgbClr val="FF0000"/>
                 </a:solidFill>
@@ -16657,7 +17263,7 @@
               <a:t>val</a:t>
             </a:r>
             <a:r>
-              <a:rPr lang="pt-BR" sz="2400" dirty="0">
+              <a:rPr lang="pt-BR" sz="2000" dirty="0">
                 <a:solidFill>
                   <a:schemeClr val="tx1"/>
                 </a:solidFill>
@@ -16667,7 +17273,7 @@
               <a:t>(</a:t>
             </a:r>
             <a:r>
-              <a:rPr lang="pt-BR" sz="2400" dirty="0" err="1">
+              <a:rPr lang="pt-BR" sz="2000" dirty="0" err="1">
                 <a:solidFill>
                   <a:schemeClr val="tx1"/>
                 </a:solidFill>
@@ -16677,7 +17283,7 @@
               <a:t>dadosCEP.logradouro</a:t>
             </a:r>
             <a:r>
-              <a:rPr lang="pt-BR" sz="2400" dirty="0">
+              <a:rPr lang="pt-BR" sz="2000" dirty="0">
                 <a:solidFill>
                   <a:schemeClr val="tx1"/>
                 </a:solidFill>
@@ -16692,17 +17298,17 @@
               <a:buNone/>
             </a:pPr>
             <a:r>
-              <a:rPr lang="pt-BR" sz="2400" dirty="0">
-                <a:solidFill>
-                  <a:schemeClr val="tx1"/>
-                </a:solidFill>
-                <a:latin typeface="Times New Roman" panose="02020603050405020304" pitchFamily="18" charset="0"/>
-                <a:cs typeface="Times New Roman" panose="02020603050405020304" pitchFamily="18" charset="0"/>
-              </a:rPr>
-              <a:t>              $('#</a:t>
-            </a:r>
-            <a:r>
-              <a:rPr lang="pt-BR" sz="2400" dirty="0" err="1">
+              <a:rPr lang="pt-BR" sz="2000" dirty="0">
+                <a:solidFill>
+                  <a:schemeClr val="tx1"/>
+                </a:solidFill>
+                <a:latin typeface="Times New Roman" panose="02020603050405020304" pitchFamily="18" charset="0"/>
+                <a:cs typeface="Times New Roman" panose="02020603050405020304" pitchFamily="18" charset="0"/>
+              </a:rPr>
+              <a:t>              		$('#</a:t>
+            </a:r>
+            <a:r>
+              <a:rPr lang="pt-BR" sz="2000" dirty="0" err="1">
                 <a:solidFill>
                   <a:schemeClr val="tx1"/>
                 </a:solidFill>
@@ -16712,7 +17318,7 @@
               <a:t>inputBairro</a:t>
             </a:r>
             <a:r>
-              <a:rPr lang="pt-BR" sz="2400" dirty="0">
+              <a:rPr lang="pt-BR" sz="2000" dirty="0">
                 <a:solidFill>
                   <a:schemeClr val="tx1"/>
                 </a:solidFill>
@@ -16722,7 +17328,7 @@
               <a:t>').</a:t>
             </a:r>
             <a:r>
-              <a:rPr lang="pt-BR" sz="2400" b="1" dirty="0" err="1">
+              <a:rPr lang="pt-BR" sz="2000" b="1" dirty="0" err="1">
                 <a:solidFill>
                   <a:srgbClr val="FF0000"/>
                 </a:solidFill>
@@ -16732,7 +17338,7 @@
               <a:t>val</a:t>
             </a:r>
             <a:r>
-              <a:rPr lang="pt-BR" sz="2400" dirty="0">
+              <a:rPr lang="pt-BR" sz="2000" dirty="0">
                 <a:solidFill>
                   <a:schemeClr val="tx1"/>
                 </a:solidFill>
@@ -16742,7 +17348,7 @@
               <a:t>(</a:t>
             </a:r>
             <a:r>
-              <a:rPr lang="pt-BR" sz="2400" dirty="0" err="1">
+              <a:rPr lang="pt-BR" sz="2000" dirty="0" err="1">
                 <a:solidFill>
                   <a:schemeClr val="tx1"/>
                 </a:solidFill>
@@ -16752,7 +17358,7 @@
               <a:t>dadosCEP.bairro</a:t>
             </a:r>
             <a:r>
-              <a:rPr lang="pt-BR" sz="2400" dirty="0">
+              <a:rPr lang="pt-BR" sz="2000" dirty="0">
                 <a:solidFill>
                   <a:schemeClr val="tx1"/>
                 </a:solidFill>
@@ -16767,32 +17373,32 @@
               <a:buNone/>
             </a:pPr>
             <a:r>
-              <a:rPr lang="pt-BR" sz="2400" dirty="0">
-                <a:solidFill>
-                  <a:schemeClr val="tx1"/>
-                </a:solidFill>
-                <a:latin typeface="Times New Roman" panose="02020603050405020304" pitchFamily="18" charset="0"/>
-                <a:cs typeface="Times New Roman" panose="02020603050405020304" pitchFamily="18" charset="0"/>
-              </a:rPr>
-              <a:t>            }</a:t>
-            </a:r>
-          </a:p>
-          <a:p>
-            <a:pPr marL="0" indent="0" algn="just">
-              <a:buNone/>
-            </a:pPr>
-            <a:r>
-              <a:rPr lang="pt-BR" sz="2400" b="1" dirty="0">
-                <a:solidFill>
-                  <a:schemeClr val="tx1"/>
-                </a:solidFill>
-                <a:latin typeface="Times New Roman" panose="02020603050405020304" pitchFamily="18" charset="0"/>
-                <a:cs typeface="Times New Roman" panose="02020603050405020304" pitchFamily="18" charset="0"/>
-              </a:rPr>
-              <a:t>     </a:t>
-            </a:r>
-            <a:r>
-              <a:rPr lang="pt-BR" sz="2400" b="1" dirty="0" err="1">
+              <a:rPr lang="pt-BR" sz="2000" dirty="0">
+                <a:solidFill>
+                  <a:schemeClr val="tx1"/>
+                </a:solidFill>
+                <a:latin typeface="Times New Roman" panose="02020603050405020304" pitchFamily="18" charset="0"/>
+                <a:cs typeface="Times New Roman" panose="02020603050405020304" pitchFamily="18" charset="0"/>
+              </a:rPr>
+              <a:t>            	}</a:t>
+            </a:r>
+          </a:p>
+          <a:p>
+            <a:pPr marL="0" indent="0" algn="just">
+              <a:buNone/>
+            </a:pPr>
+            <a:r>
+              <a:rPr lang="pt-BR" sz="2000" b="1" dirty="0">
+                <a:solidFill>
+                  <a:schemeClr val="tx1"/>
+                </a:solidFill>
+                <a:latin typeface="Times New Roman" panose="02020603050405020304" pitchFamily="18" charset="0"/>
+                <a:cs typeface="Times New Roman" panose="02020603050405020304" pitchFamily="18" charset="0"/>
+              </a:rPr>
+              <a:t>       		</a:t>
+            </a:r>
+            <a:r>
+              <a:rPr lang="pt-BR" sz="2000" b="1" dirty="0" err="1">
                 <a:solidFill>
                   <a:schemeClr val="tx1"/>
                 </a:solidFill>
@@ -16802,7 +17408,7 @@
               <a:t>else</a:t>
             </a:r>
             <a:r>
-              <a:rPr lang="pt-BR" sz="2400" dirty="0">
+              <a:rPr lang="pt-BR" sz="2000" dirty="0">
                 <a:solidFill>
                   <a:schemeClr val="tx1"/>
                 </a:solidFill>
@@ -16812,7 +17418,7 @@
               <a:t> { </a:t>
             </a:r>
             <a:r>
-              <a:rPr lang="pt-BR" sz="2400" b="1" dirty="0" err="1">
+              <a:rPr lang="pt-BR" sz="2000" b="1" dirty="0" err="1">
                 <a:solidFill>
                   <a:schemeClr val="tx1"/>
                 </a:solidFill>
@@ -16822,22 +17428,97 @@
               <a:t>alert</a:t>
             </a:r>
             <a:r>
-              <a:rPr lang="pt-BR" sz="2400" dirty="0">
-                <a:solidFill>
-                  <a:schemeClr val="tx1"/>
-                </a:solidFill>
-                <a:latin typeface="Times New Roman" panose="02020603050405020304" pitchFamily="18" charset="0"/>
-                <a:cs typeface="Times New Roman" panose="02020603050405020304" pitchFamily="18" charset="0"/>
-              </a:rPr>
-              <a:t>('Erro na requisição!!!’); }</a:t>
-            </a:r>
-          </a:p>
-          <a:p>
-            <a:pPr marL="0" indent="0" algn="just">
-              <a:buNone/>
-            </a:pPr>
-            <a:r>
-              <a:rPr lang="pt-BR" sz="2400" dirty="0">
+              <a:rPr lang="pt-BR" sz="2000" dirty="0">
+                <a:solidFill>
+                  <a:schemeClr val="tx1"/>
+                </a:solidFill>
+                <a:latin typeface="Times New Roman" panose="02020603050405020304" pitchFamily="18" charset="0"/>
+                <a:cs typeface="Times New Roman" panose="02020603050405020304" pitchFamily="18" charset="0"/>
+              </a:rPr>
+              <a:t>('Erro na requisição!!!’); } </a:t>
+            </a:r>
+          </a:p>
+          <a:p>
+            <a:pPr marL="0" indent="0" algn="just">
+              <a:buNone/>
+            </a:pPr>
+            <a:r>
+              <a:rPr lang="pt-BR" sz="2000" dirty="0">
+                <a:solidFill>
+                  <a:schemeClr val="tx1"/>
+                </a:solidFill>
+                <a:latin typeface="Times New Roman" panose="02020603050405020304" pitchFamily="18" charset="0"/>
+                <a:cs typeface="Times New Roman" panose="02020603050405020304" pitchFamily="18" charset="0"/>
+              </a:rPr>
+              <a:t>	});  // </a:t>
+            </a:r>
+            <a:r>
+              <a:rPr lang="pt-BR" sz="2000" b="1" dirty="0">
+                <a:solidFill>
+                  <a:srgbClr val="FF0000"/>
+                </a:solidFill>
+                <a:latin typeface="Times New Roman" panose="02020603050405020304" pitchFamily="18" charset="0"/>
+                <a:cs typeface="Times New Roman" panose="02020603050405020304" pitchFamily="18" charset="0"/>
+              </a:rPr>
+              <a:t>Fim</a:t>
+            </a:r>
+            <a:r>
+              <a:rPr lang="pt-BR" sz="2000" dirty="0">
+                <a:solidFill>
+                  <a:srgbClr val="FF0000"/>
+                </a:solidFill>
+                <a:latin typeface="Times New Roman" panose="02020603050405020304" pitchFamily="18" charset="0"/>
+                <a:cs typeface="Times New Roman" panose="02020603050405020304" pitchFamily="18" charset="0"/>
+              </a:rPr>
+              <a:t> </a:t>
+            </a:r>
+            <a:r>
+              <a:rPr lang="pt-BR" sz="2000" b="1" dirty="0">
+                <a:solidFill>
+                  <a:srgbClr val="FF0000"/>
+                </a:solidFill>
+                <a:latin typeface="Times New Roman" panose="02020603050405020304" pitchFamily="18" charset="0"/>
+                <a:cs typeface="Times New Roman" panose="02020603050405020304" pitchFamily="18" charset="0"/>
+              </a:rPr>
+              <a:t>click</a:t>
+            </a:r>
+            <a:r>
+              <a:rPr lang="pt-BR" sz="2000" dirty="0">
+                <a:solidFill>
+                  <a:schemeClr val="tx1"/>
+                </a:solidFill>
+                <a:latin typeface="Times New Roman" panose="02020603050405020304" pitchFamily="18" charset="0"/>
+                <a:cs typeface="Times New Roman" panose="02020603050405020304" pitchFamily="18" charset="0"/>
+              </a:rPr>
+              <a:t>( </a:t>
+            </a:r>
+            <a:r>
+              <a:rPr lang="pt-BR" sz="2000" b="1" dirty="0" err="1">
+                <a:solidFill>
+                  <a:schemeClr val="tx1"/>
+                </a:solidFill>
+                <a:latin typeface="Times New Roman" panose="02020603050405020304" pitchFamily="18" charset="0"/>
+                <a:cs typeface="Times New Roman" panose="02020603050405020304" pitchFamily="18" charset="0"/>
+              </a:rPr>
+              <a:t>function</a:t>
+            </a:r>
+            <a:r>
+              <a:rPr lang="pt-BR" sz="2000" dirty="0">
+                <a:solidFill>
+                  <a:schemeClr val="tx1"/>
+                </a:solidFill>
+                <a:latin typeface="Times New Roman" panose="02020603050405020304" pitchFamily="18" charset="0"/>
+                <a:cs typeface="Times New Roman" panose="02020603050405020304" pitchFamily="18" charset="0"/>
+              </a:rPr>
+              <a:t> ()</a:t>
+            </a:r>
+          </a:p>
+          <a:p>
+            <a:pPr marL="0" indent="0" algn="just">
+              <a:buNone/>
+            </a:pPr>
+            <a:r>
+              <a:rPr lang="pt-BR" sz="2000" dirty="0">
                 <a:solidFill>
                   <a:schemeClr val="tx1"/>
                 </a:solidFill>
@@ -16847,9 +17528,9 @@
               <a:t>});   // </a:t>
             </a:r>
             <a:r>
-              <a:rPr lang="pt-BR" sz="2400" b="1" dirty="0">
-                <a:solidFill>
-                  <a:schemeClr val="tx1"/>
+              <a:rPr lang="pt-BR" sz="2000" b="1" dirty="0">
+                <a:solidFill>
+                  <a:srgbClr val="FF0000"/>
                 </a:solidFill>
                 <a:latin typeface="Times New Roman" panose="02020603050405020304" pitchFamily="18" charset="0"/>
                 <a:cs typeface="Times New Roman" panose="02020603050405020304" pitchFamily="18" charset="0"/>
@@ -16857,9 +17538,9 @@
               <a:t>Fim</a:t>
             </a:r>
             <a:r>
-              <a:rPr lang="pt-BR" sz="2400" dirty="0">
-                <a:solidFill>
-                  <a:schemeClr val="tx1"/>
+              <a:rPr lang="pt-BR" sz="2000" dirty="0">
+                <a:solidFill>
+                  <a:srgbClr val="FF0000"/>
                 </a:solidFill>
                 <a:latin typeface="Times New Roman" panose="02020603050405020304" pitchFamily="18" charset="0"/>
                 <a:cs typeface="Times New Roman" panose="02020603050405020304" pitchFamily="18" charset="0"/>
@@ -16867,9 +17548,9 @@
               <a:t> do $(</a:t>
             </a:r>
             <a:r>
-              <a:rPr lang="pt-BR" sz="2400" b="1" dirty="0" err="1">
-                <a:solidFill>
-                  <a:schemeClr val="tx1"/>
+              <a:rPr lang="pt-BR" sz="2000" b="1" dirty="0" err="1">
+                <a:solidFill>
+                  <a:srgbClr val="FF0000"/>
                 </a:solidFill>
                 <a:latin typeface="Times New Roman" panose="02020603050405020304" pitchFamily="18" charset="0"/>
                 <a:cs typeface="Times New Roman" panose="02020603050405020304" pitchFamily="18" charset="0"/>
@@ -16877,15 +17558,34 @@
               <a:t>document</a:t>
             </a:r>
             <a:r>
-              <a:rPr lang="pt-BR" sz="2400" dirty="0">
-                <a:solidFill>
-                  <a:schemeClr val="tx1"/>
-                </a:solidFill>
-                <a:latin typeface="Times New Roman" panose="02020603050405020304" pitchFamily="18" charset="0"/>
-                <a:cs typeface="Times New Roman" panose="02020603050405020304" pitchFamily="18" charset="0"/>
-              </a:rPr>
-              <a:t>)...</a:t>
-            </a:r>
+              <a:rPr lang="pt-BR" sz="2000" dirty="0">
+                <a:solidFill>
+                  <a:srgbClr val="FF0000"/>
+                </a:solidFill>
+                <a:latin typeface="Times New Roman" panose="02020603050405020304" pitchFamily="18" charset="0"/>
+                <a:cs typeface="Times New Roman" panose="02020603050405020304" pitchFamily="18" charset="0"/>
+              </a:rPr>
+              <a:t>)</a:t>
+            </a:r>
+            <a:endParaRPr lang="pt-BR" sz="2000" dirty="0">
+              <a:solidFill>
+                <a:schemeClr val="tx1"/>
+              </a:solidFill>
+              <a:latin typeface="Times New Roman" panose="02020603050405020304" pitchFamily="18" charset="0"/>
+              <a:cs typeface="Times New Roman" panose="02020603050405020304" pitchFamily="18" charset="0"/>
+            </a:endParaRPr>
+          </a:p>
+          <a:p>
+            <a:pPr marL="0" indent="0" algn="just">
+              <a:buNone/>
+            </a:pPr>
+            <a:endParaRPr lang="pt-BR" sz="2000" dirty="0">
+              <a:solidFill>
+                <a:schemeClr val="tx1"/>
+              </a:solidFill>
+              <a:latin typeface="Times New Roman" panose="02020603050405020304" pitchFamily="18" charset="0"/>
+              <a:cs typeface="Times New Roman" panose="02020603050405020304" pitchFamily="18" charset="0"/>
+            </a:endParaRPr>
           </a:p>
         </p:txBody>
       </p:sp>
@@ -17087,6 +17787,61 @@
               <a:t>(</a:t>
             </a:r>
             <a:r>
+              <a:rPr lang="pt-BR" sz="2400" b="1" dirty="0" err="1">
+                <a:solidFill>
+                  <a:schemeClr val="tx1"/>
+                </a:solidFill>
+                <a:latin typeface="Times New Roman" panose="02020603050405020304" pitchFamily="18" charset="0"/>
+                <a:cs typeface="Times New Roman" panose="02020603050405020304" pitchFamily="18" charset="0"/>
+              </a:rPr>
+              <a:t>function</a:t>
+            </a:r>
+            <a:r>
+              <a:rPr lang="pt-BR" sz="2400" dirty="0">
+                <a:solidFill>
+                  <a:schemeClr val="tx1"/>
+                </a:solidFill>
+                <a:latin typeface="Times New Roman" panose="02020603050405020304" pitchFamily="18" charset="0"/>
+                <a:cs typeface="Times New Roman" panose="02020603050405020304" pitchFamily="18" charset="0"/>
+              </a:rPr>
+              <a:t> () {</a:t>
+            </a:r>
+          </a:p>
+          <a:p>
+            <a:pPr marL="0" indent="0" algn="just">
+              <a:buNone/>
+            </a:pPr>
+            <a:r>
+              <a:rPr lang="pt-BR" sz="2400" dirty="0">
+                <a:solidFill>
+                  <a:schemeClr val="tx1"/>
+                </a:solidFill>
+                <a:latin typeface="Times New Roman" panose="02020603050405020304" pitchFamily="18" charset="0"/>
+                <a:cs typeface="Times New Roman" panose="02020603050405020304" pitchFamily="18" charset="0"/>
+              </a:rPr>
+              <a:t>          // $.</a:t>
+            </a:r>
+            <a:r>
+              <a:rPr lang="pt-BR" sz="2400" b="1" dirty="0">
+                <a:solidFill>
+                  <a:srgbClr val="FF0000"/>
+                </a:solidFill>
+                <a:latin typeface="Times New Roman" panose="02020603050405020304" pitchFamily="18" charset="0"/>
+                <a:cs typeface="Times New Roman" panose="02020603050405020304" pitchFamily="18" charset="0"/>
+              </a:rPr>
+              <a:t>post</a:t>
+            </a:r>
+            <a:r>
+              <a:rPr lang="pt-BR" sz="2400" dirty="0">
+                <a:solidFill>
+                  <a:schemeClr val="tx1"/>
+                </a:solidFill>
+                <a:latin typeface="Times New Roman" panose="02020603050405020304" pitchFamily="18" charset="0"/>
+                <a:cs typeface="Times New Roman" panose="02020603050405020304" pitchFamily="18" charset="0"/>
+              </a:rPr>
+              <a:t>(</a:t>
+            </a:r>
+            <a:r>
               <a:rPr lang="pt-BR" sz="2400" dirty="0" err="1">
                 <a:solidFill>
                   <a:schemeClr val="tx1"/>
@@ -17094,6 +17849,76 @@
                 <a:latin typeface="Times New Roman" panose="02020603050405020304" pitchFamily="18" charset="0"/>
                 <a:cs typeface="Times New Roman" panose="02020603050405020304" pitchFamily="18" charset="0"/>
               </a:rPr>
+              <a:t>url</a:t>
+            </a:r>
+            <a:r>
+              <a:rPr lang="pt-BR" sz="2400" dirty="0">
+                <a:solidFill>
+                  <a:schemeClr val="tx1"/>
+                </a:solidFill>
+                <a:latin typeface="Times New Roman" panose="02020603050405020304" pitchFamily="18" charset="0"/>
+                <a:cs typeface="Times New Roman" panose="02020603050405020304" pitchFamily="18" charset="0"/>
+              </a:rPr>
+              <a:t>, {</a:t>
+            </a:r>
+            <a:r>
+              <a:rPr lang="pt-BR" sz="2400" b="1" dirty="0" err="1">
+                <a:solidFill>
+                  <a:schemeClr val="tx1"/>
+                </a:solidFill>
+                <a:latin typeface="Times New Roman" panose="02020603050405020304" pitchFamily="18" charset="0"/>
+                <a:cs typeface="Times New Roman" panose="02020603050405020304" pitchFamily="18" charset="0"/>
+              </a:rPr>
+              <a:t>nome</a:t>
+            </a:r>
+            <a:r>
+              <a:rPr lang="pt-BR" sz="2400" dirty="0" err="1">
+                <a:solidFill>
+                  <a:schemeClr val="tx1"/>
+                </a:solidFill>
+                <a:latin typeface="Times New Roman" panose="02020603050405020304" pitchFamily="18" charset="0"/>
+                <a:cs typeface="Times New Roman" panose="02020603050405020304" pitchFamily="18" charset="0"/>
+              </a:rPr>
+              <a:t>:"fulano</a:t>
+            </a:r>
+            <a:r>
+              <a:rPr lang="pt-BR" sz="2400" dirty="0">
+                <a:solidFill>
+                  <a:schemeClr val="tx1"/>
+                </a:solidFill>
+                <a:latin typeface="Times New Roman" panose="02020603050405020304" pitchFamily="18" charset="0"/>
+                <a:cs typeface="Times New Roman" panose="02020603050405020304" pitchFamily="18" charset="0"/>
+              </a:rPr>
+              <a:t> de tal", </a:t>
+            </a:r>
+            <a:r>
+              <a:rPr lang="pt-BR" sz="2400" b="1" dirty="0">
+                <a:solidFill>
+                  <a:schemeClr val="tx1"/>
+                </a:solidFill>
+                <a:latin typeface="Times New Roman" panose="02020603050405020304" pitchFamily="18" charset="0"/>
+                <a:cs typeface="Times New Roman" panose="02020603050405020304" pitchFamily="18" charset="0"/>
+              </a:rPr>
+              <a:t>idade</a:t>
+            </a:r>
+            <a:r>
+              <a:rPr lang="pt-BR" sz="2400" dirty="0">
+                <a:solidFill>
+                  <a:schemeClr val="tx1"/>
+                </a:solidFill>
+                <a:latin typeface="Times New Roman" panose="02020603050405020304" pitchFamily="18" charset="0"/>
+                <a:cs typeface="Times New Roman" panose="02020603050405020304" pitchFamily="18" charset="0"/>
+              </a:rPr>
+              <a:t>:21}, </a:t>
+            </a:r>
+            <a:r>
+              <a:rPr lang="pt-BR" sz="2400" b="1" dirty="0" err="1">
+                <a:solidFill>
+                  <a:srgbClr val="FF0000"/>
+                </a:solidFill>
+                <a:latin typeface="Times New Roman" panose="02020603050405020304" pitchFamily="18" charset="0"/>
+                <a:cs typeface="Times New Roman" panose="02020603050405020304" pitchFamily="18" charset="0"/>
+              </a:rPr>
               <a:t>function</a:t>
             </a:r>
             <a:r>
@@ -17104,132 +17929,57 @@
                 <a:latin typeface="Times New Roman" panose="02020603050405020304" pitchFamily="18" charset="0"/>
                 <a:cs typeface="Times New Roman" panose="02020603050405020304" pitchFamily="18" charset="0"/>
               </a:rPr>
-              <a:t> () {</a:t>
-            </a:r>
-          </a:p>
-          <a:p>
-            <a:pPr marL="0" indent="0" algn="just">
-              <a:buNone/>
-            </a:pPr>
-            <a:r>
-              <a:rPr lang="pt-BR" sz="2400" dirty="0">
-                <a:solidFill>
-                  <a:schemeClr val="tx1"/>
-                </a:solidFill>
-                <a:latin typeface="Times New Roman" panose="02020603050405020304" pitchFamily="18" charset="0"/>
-                <a:cs typeface="Times New Roman" panose="02020603050405020304" pitchFamily="18" charset="0"/>
-              </a:rPr>
-              <a:t>          // $.</a:t>
+              <a:t>(dados, status)</a:t>
+            </a:r>
+          </a:p>
+          <a:p>
+            <a:pPr marL="0" indent="0" algn="just">
+              <a:buNone/>
+            </a:pPr>
+            <a:r>
+              <a:rPr lang="pt-BR" sz="2400" dirty="0">
+                <a:solidFill>
+                  <a:schemeClr val="tx1"/>
+                </a:solidFill>
+                <a:latin typeface="Times New Roman" panose="02020603050405020304" pitchFamily="18" charset="0"/>
+                <a:cs typeface="Times New Roman" panose="02020603050405020304" pitchFamily="18" charset="0"/>
+              </a:rPr>
+              <a:t>          //  { </a:t>
             </a:r>
             <a:r>
               <a:rPr lang="pt-BR" sz="2400" b="1" dirty="0">
                 <a:solidFill>
-                  <a:srgbClr val="FF0000"/>
-                </a:solidFill>
-                <a:latin typeface="Times New Roman" panose="02020603050405020304" pitchFamily="18" charset="0"/>
-                <a:cs typeface="Times New Roman" panose="02020603050405020304" pitchFamily="18" charset="0"/>
-              </a:rPr>
-              <a:t>post</a:t>
-            </a:r>
-            <a:r>
-              <a:rPr lang="pt-BR" sz="2400" dirty="0">
-                <a:solidFill>
-                  <a:schemeClr val="tx1"/>
-                </a:solidFill>
-                <a:latin typeface="Times New Roman" panose="02020603050405020304" pitchFamily="18" charset="0"/>
-                <a:cs typeface="Times New Roman" panose="02020603050405020304" pitchFamily="18" charset="0"/>
-              </a:rPr>
-              <a:t>(</a:t>
-            </a:r>
-            <a:r>
-              <a:rPr lang="pt-BR" sz="2400" dirty="0" err="1">
-                <a:solidFill>
-                  <a:schemeClr val="tx1"/>
-                </a:solidFill>
-                <a:latin typeface="Times New Roman" panose="02020603050405020304" pitchFamily="18" charset="0"/>
-                <a:cs typeface="Times New Roman" panose="02020603050405020304" pitchFamily="18" charset="0"/>
-              </a:rPr>
-              <a:t>url</a:t>
-            </a:r>
-            <a:r>
-              <a:rPr lang="pt-BR" sz="2400" dirty="0">
-                <a:solidFill>
-                  <a:schemeClr val="tx1"/>
-                </a:solidFill>
-                <a:latin typeface="Times New Roman" panose="02020603050405020304" pitchFamily="18" charset="0"/>
-                <a:cs typeface="Times New Roman" panose="02020603050405020304" pitchFamily="18" charset="0"/>
-              </a:rPr>
-              <a:t>, {</a:t>
-            </a:r>
-            <a:r>
-              <a:rPr lang="pt-BR" sz="2400" dirty="0" err="1">
-                <a:solidFill>
-                  <a:schemeClr val="tx1"/>
-                </a:solidFill>
-                <a:latin typeface="Times New Roman" panose="02020603050405020304" pitchFamily="18" charset="0"/>
-                <a:cs typeface="Times New Roman" panose="02020603050405020304" pitchFamily="18" charset="0"/>
-              </a:rPr>
-              <a:t>nome:"fulano</a:t>
-            </a:r>
-            <a:r>
-              <a:rPr lang="pt-BR" sz="2400" dirty="0">
-                <a:solidFill>
-                  <a:schemeClr val="tx1"/>
-                </a:solidFill>
-                <a:latin typeface="Times New Roman" panose="02020603050405020304" pitchFamily="18" charset="0"/>
-                <a:cs typeface="Times New Roman" panose="02020603050405020304" pitchFamily="18" charset="0"/>
-              </a:rPr>
-              <a:t> de tal", idade:21}, </a:t>
-            </a:r>
-            <a:r>
-              <a:rPr lang="pt-BR" sz="2400" b="1" dirty="0" err="1">
-                <a:solidFill>
-                  <a:schemeClr val="tx1"/>
-                </a:solidFill>
-                <a:latin typeface="Times New Roman" panose="02020603050405020304" pitchFamily="18" charset="0"/>
-                <a:cs typeface="Times New Roman" panose="02020603050405020304" pitchFamily="18" charset="0"/>
-              </a:rPr>
-              <a:t>function</a:t>
-            </a:r>
-            <a:r>
-              <a:rPr lang="pt-BR" sz="2400" dirty="0">
-                <a:solidFill>
-                  <a:schemeClr val="tx1"/>
-                </a:solidFill>
-                <a:latin typeface="Times New Roman" panose="02020603050405020304" pitchFamily="18" charset="0"/>
-                <a:cs typeface="Times New Roman" panose="02020603050405020304" pitchFamily="18" charset="0"/>
-              </a:rPr>
-              <a:t>(dados, status)</a:t>
-            </a:r>
-          </a:p>
-          <a:p>
-            <a:pPr marL="0" indent="0" algn="just">
-              <a:buNone/>
-            </a:pPr>
-            <a:r>
-              <a:rPr lang="pt-BR" sz="2400" dirty="0">
-                <a:solidFill>
-                  <a:schemeClr val="tx1"/>
-                </a:solidFill>
-                <a:latin typeface="Times New Roman" panose="02020603050405020304" pitchFamily="18" charset="0"/>
-                <a:cs typeface="Times New Roman" panose="02020603050405020304" pitchFamily="18" charset="0"/>
-              </a:rPr>
-              <a:t>          //   { corpo da função });</a:t>
-            </a:r>
-          </a:p>
-          <a:p>
-            <a:pPr marL="0" indent="0" algn="just">
-              <a:buNone/>
-            </a:pPr>
-            <a:r>
-              <a:rPr lang="pt-BR" sz="2400" dirty="0">
-                <a:solidFill>
-                  <a:schemeClr val="tx1"/>
-                </a:solidFill>
-                <a:latin typeface="Times New Roman" panose="02020603050405020304" pitchFamily="18" charset="0"/>
-                <a:cs typeface="Times New Roman" panose="02020603050405020304" pitchFamily="18" charset="0"/>
-              </a:rPr>
-              <a:t>	});</a:t>
+                  <a:schemeClr val="tx1"/>
+                </a:solidFill>
+                <a:latin typeface="Times New Roman" panose="02020603050405020304" pitchFamily="18" charset="0"/>
+                <a:cs typeface="Times New Roman" panose="02020603050405020304" pitchFamily="18" charset="0"/>
+              </a:rPr>
+              <a:t>corpo da função</a:t>
+            </a:r>
+            <a:r>
+              <a:rPr lang="pt-BR" sz="2400" dirty="0">
+                <a:solidFill>
+                  <a:schemeClr val="tx1"/>
+                </a:solidFill>
+                <a:latin typeface="Times New Roman" panose="02020603050405020304" pitchFamily="18" charset="0"/>
+                <a:cs typeface="Times New Roman" panose="02020603050405020304" pitchFamily="18" charset="0"/>
+              </a:rPr>
+              <a:t> });</a:t>
+            </a:r>
+          </a:p>
+          <a:p>
+            <a:pPr marL="0" indent="0" algn="just">
+              <a:buNone/>
+            </a:pPr>
+            <a:r>
+              <a:rPr lang="pt-BR" sz="2400" dirty="0">
+                <a:solidFill>
+                  <a:schemeClr val="tx1"/>
+                </a:solidFill>
+                <a:latin typeface="Times New Roman" panose="02020603050405020304" pitchFamily="18" charset="0"/>
+                <a:cs typeface="Times New Roman" panose="02020603050405020304" pitchFamily="18" charset="0"/>
+              </a:rPr>
+              <a:t>});</a:t>
             </a:r>
           </a:p>
         </p:txBody>
@@ -17552,7 +18302,47 @@
                 <a:latin typeface="Times New Roman" panose="02020603050405020304" pitchFamily="18" charset="0"/>
                 <a:cs typeface="Times New Roman" panose="02020603050405020304" pitchFamily="18" charset="0"/>
               </a:rPr>
-              <a:t>: 'GET ou POST',</a:t>
+              <a:t>: </a:t>
+            </a:r>
+            <a:r>
+              <a:rPr lang="pt-BR" sz="2400" b="1" dirty="0">
+                <a:solidFill>
+                  <a:srgbClr val="FF0000"/>
+                </a:solidFill>
+                <a:latin typeface="Times New Roman" panose="02020603050405020304" pitchFamily="18" charset="0"/>
+                <a:cs typeface="Times New Roman" panose="02020603050405020304" pitchFamily="18" charset="0"/>
+              </a:rPr>
+              <a:t>'GET</a:t>
+            </a:r>
+            <a:r>
+              <a:rPr lang="pt-BR" sz="2400" dirty="0">
+                <a:solidFill>
+                  <a:schemeClr val="tx1"/>
+                </a:solidFill>
+                <a:latin typeface="Times New Roman" panose="02020603050405020304" pitchFamily="18" charset="0"/>
+                <a:cs typeface="Times New Roman" panose="02020603050405020304" pitchFamily="18" charset="0"/>
+              </a:rPr>
+              <a:t> ou </a:t>
+            </a:r>
+            <a:r>
+              <a:rPr lang="pt-BR" sz="2400" b="1" dirty="0">
+                <a:solidFill>
+                  <a:srgbClr val="FF0000"/>
+                </a:solidFill>
+                <a:latin typeface="Times New Roman" panose="02020603050405020304" pitchFamily="18" charset="0"/>
+                <a:cs typeface="Times New Roman" panose="02020603050405020304" pitchFamily="18" charset="0"/>
+              </a:rPr>
+              <a:t>POST'</a:t>
+            </a:r>
+            <a:r>
+              <a:rPr lang="pt-BR" sz="2400" dirty="0">
+                <a:solidFill>
+                  <a:schemeClr val="tx1"/>
+                </a:solidFill>
+                <a:latin typeface="Times New Roman" panose="02020603050405020304" pitchFamily="18" charset="0"/>
+                <a:cs typeface="Times New Roman" panose="02020603050405020304" pitchFamily="18" charset="0"/>
+              </a:rPr>
+              <a:t>,</a:t>
             </a:r>
           </a:p>
           <a:p>
@@ -17607,7 +18397,27 @@
                 <a:latin typeface="Times New Roman" panose="02020603050405020304" pitchFamily="18" charset="0"/>
                 <a:cs typeface="Times New Roman" panose="02020603050405020304" pitchFamily="18" charset="0"/>
               </a:rPr>
-              <a:t>(dados, status){corpo da função},</a:t>
+              <a:t>(dados, status){</a:t>
+            </a:r>
+            <a:r>
+              <a:rPr lang="pt-BR" sz="2400" b="1" dirty="0">
+                <a:solidFill>
+                  <a:schemeClr val="tx1"/>
+                </a:solidFill>
+                <a:latin typeface="Times New Roman" panose="02020603050405020304" pitchFamily="18" charset="0"/>
+                <a:cs typeface="Times New Roman" panose="02020603050405020304" pitchFamily="18" charset="0"/>
+              </a:rPr>
+              <a:t>corpo da função</a:t>
+            </a:r>
+            <a:r>
+              <a:rPr lang="pt-BR" sz="2400" dirty="0">
+                <a:solidFill>
+                  <a:schemeClr val="tx1"/>
+                </a:solidFill>
+                <a:latin typeface="Times New Roman" panose="02020603050405020304" pitchFamily="18" charset="0"/>
+                <a:cs typeface="Times New Roman" panose="02020603050405020304" pitchFamily="18" charset="0"/>
+              </a:rPr>
+              <a:t>},</a:t>
             </a:r>
           </a:p>
           <a:p>
@@ -17662,7 +18472,27 @@
                 <a:latin typeface="Times New Roman" panose="02020603050405020304" pitchFamily="18" charset="0"/>
                 <a:cs typeface="Times New Roman" panose="02020603050405020304" pitchFamily="18" charset="0"/>
               </a:rPr>
-              <a:t>(){corpo da função}</a:t>
+              <a:t>(){</a:t>
+            </a:r>
+            <a:r>
+              <a:rPr lang="pt-BR" sz="2400" b="1" dirty="0">
+                <a:solidFill>
+                  <a:schemeClr val="tx1"/>
+                </a:solidFill>
+                <a:latin typeface="Times New Roman" panose="02020603050405020304" pitchFamily="18" charset="0"/>
+                <a:cs typeface="Times New Roman" panose="02020603050405020304" pitchFamily="18" charset="0"/>
+              </a:rPr>
+              <a:t>corpo da função</a:t>
+            </a:r>
+            <a:r>
+              <a:rPr lang="pt-BR" sz="2400" dirty="0">
+                <a:solidFill>
+                  <a:schemeClr val="tx1"/>
+                </a:solidFill>
+                <a:latin typeface="Times New Roman" panose="02020603050405020304" pitchFamily="18" charset="0"/>
+                <a:cs typeface="Times New Roman" panose="02020603050405020304" pitchFamily="18" charset="0"/>
+              </a:rPr>
+              <a:t>}</a:t>
             </a:r>
           </a:p>
           <a:p>
@@ -18082,9 +18912,9 @@
               <a:t>).</a:t>
             </a:r>
             <a:r>
-              <a:rPr lang="pt-BR" sz="2400" dirty="0" err="1">
-                <a:solidFill>
-                  <a:schemeClr val="tx1"/>
+              <a:rPr lang="pt-BR" sz="2400" b="1" dirty="0" err="1">
+                <a:solidFill>
+                  <a:srgbClr val="FF0000"/>
                 </a:solidFill>
                 <a:latin typeface="Times New Roman" panose="02020603050405020304" pitchFamily="18" charset="0"/>
                 <a:cs typeface="Times New Roman" panose="02020603050405020304" pitchFamily="18" charset="0"/>
@@ -18179,7 +19009,7 @@
             <a:r>
               <a:rPr lang="pt-BR" sz="2400" b="1" dirty="0" err="1">
                 <a:solidFill>
-                  <a:schemeClr val="tx1"/>
+                  <a:srgbClr val="FF0000"/>
                 </a:solidFill>
                 <a:latin typeface="Times New Roman" panose="02020603050405020304" pitchFamily="18" charset="0"/>
                 <a:cs typeface="Times New Roman" panose="02020603050405020304" pitchFamily="18" charset="0"/>
@@ -18197,7 +19027,7 @@
               <a:t>(</a:t>
             </a:r>
             <a:r>
-              <a:rPr lang="pt-BR" sz="2400" dirty="0" err="1">
+              <a:rPr lang="pt-BR" sz="2400" b="1" dirty="0" err="1">
                 <a:solidFill>
                   <a:schemeClr val="tx1"/>
                 </a:solidFill>
@@ -20775,6 +21605,36 @@
                 <a:cs typeface="Times New Roman" panose="02020603050405020304" pitchFamily="18" charset="0"/>
               </a:rPr>
               <a:t>JQuery</a:t>
+            </a:r>
+            <a:r>
+              <a:rPr lang="pt-BR" sz="2400" b="1" dirty="0">
+                <a:solidFill>
+                  <a:schemeClr val="tx1"/>
+                </a:solidFill>
+                <a:latin typeface="Times New Roman" panose="02020603050405020304" pitchFamily="18" charset="0"/>
+                <a:cs typeface="Times New Roman" panose="02020603050405020304" pitchFamily="18" charset="0"/>
+              </a:rPr>
+              <a:t> (</a:t>
+            </a:r>
+            <a:r>
+              <a:rPr lang="pt-BR" sz="2400" b="1" dirty="0">
+                <a:solidFill>
+                  <a:srgbClr val="FF0000"/>
+                </a:solidFill>
+                <a:latin typeface="Times New Roman" panose="02020603050405020304" pitchFamily="18" charset="0"/>
+                <a:cs typeface="Times New Roman" panose="02020603050405020304" pitchFamily="18" charset="0"/>
+              </a:rPr>
+              <a:t>Sintaxe</a:t>
+            </a:r>
+            <a:r>
+              <a:rPr lang="pt-BR" sz="2400" b="1" dirty="0">
+                <a:solidFill>
+                  <a:schemeClr val="tx1"/>
+                </a:solidFill>
+                <a:latin typeface="Times New Roman" panose="02020603050405020304" pitchFamily="18" charset="0"/>
+                <a:cs typeface="Times New Roman" panose="02020603050405020304" pitchFamily="18" charset="0"/>
+              </a:rPr>
+              <a:t>)</a:t>
             </a:r>
             <a:endParaRPr lang="pt-BR" sz="2400" dirty="0">
               <a:solidFill>
@@ -21201,7 +22061,7 @@
                   <a:schemeClr val="bg1"/>
                 </a:solidFill>
               </a:rPr>
-              <a:t>Desenvolvimento de Software</a:t>
+              <a:t>Desenvolvimento de Software </a:t>
             </a:r>
             <a:br>
               <a:rPr lang="pt-BR" sz="4800" b="1" dirty="0">
@@ -21676,7 +22536,27 @@
                 <a:latin typeface="Times New Roman" panose="02020603050405020304" pitchFamily="18" charset="0"/>
                 <a:cs typeface="Times New Roman" panose="02020603050405020304" pitchFamily="18" charset="0"/>
               </a:rPr>
-              <a:t>	$("p").</a:t>
+              <a:t>	$("</a:t>
+            </a:r>
+            <a:r>
+              <a:rPr lang="pt-BR" sz="2400" b="1" dirty="0">
+                <a:solidFill>
+                  <a:schemeClr val="tx1"/>
+                </a:solidFill>
+                <a:latin typeface="Times New Roman" panose="02020603050405020304" pitchFamily="18" charset="0"/>
+                <a:cs typeface="Times New Roman" panose="02020603050405020304" pitchFamily="18" charset="0"/>
+              </a:rPr>
+              <a:t>p</a:t>
+            </a:r>
+            <a:r>
+              <a:rPr lang="pt-BR" sz="2400" dirty="0">
+                <a:solidFill>
+                  <a:schemeClr val="tx1"/>
+                </a:solidFill>
+                <a:latin typeface="Times New Roman" panose="02020603050405020304" pitchFamily="18" charset="0"/>
+                <a:cs typeface="Times New Roman" panose="02020603050405020304" pitchFamily="18" charset="0"/>
+              </a:rPr>
+              <a:t>").</a:t>
             </a:r>
             <a:r>
               <a:rPr lang="pt-BR" sz="2400" b="1" dirty="0" err="1">
@@ -23580,7 +24460,7 @@
               <a:t>( </a:t>
             </a:r>
             <a:r>
-              <a:rPr lang="pt-BR" sz="2400" dirty="0" err="1">
+              <a:rPr lang="pt-BR" sz="2400" b="1" dirty="0" err="1">
                 <a:solidFill>
                   <a:schemeClr val="tx1"/>
                 </a:solidFill>
